--- a/progettods.pptx
+++ b/progettods.pptx
@@ -129,7 +129,7 @@
 <file path=ppt/charts/chart1.xml><?xml version="1.0" encoding="utf-8"?>
 <c:chartSpace xmlns:c="http://schemas.openxmlformats.org/drawingml/2006/chart" xmlns:a="http://schemas.openxmlformats.org/drawingml/2006/main" xmlns:r="http://schemas.openxmlformats.org/officeDocument/2006/relationships" xmlns:c16r2="http://schemas.microsoft.com/office/drawing/2015/06/chart">
   <c:date1904 val="0"/>
-  <c:lang val="it-IT"/>
+  <c:lang val="en-GB"/>
   <c:roundedCorners val="0"/>
   <mc:AlternateContent xmlns:mc="http://schemas.openxmlformats.org/markup-compatibility/2006">
     <mc:Choice xmlns:c14="http://schemas.microsoft.com/office/drawing/2007/8/2/chart" Requires="c14">
@@ -161,25 +161,19 @@
             </a:pPr>
             <a:r>
               <a:rPr lang="en-US" dirty="0"/>
-              <a:t>Execution </a:t>
-            </a:r>
-            <a:r>
-              <a:rPr lang="en-US" dirty="0" smtClean="0"/>
-              <a:t>Time (</a:t>
-            </a:r>
-            <a:r>
-              <a:rPr lang="en-US" dirty="0" err="1" smtClean="0"/>
+              <a:t>Execution Time (</a:t>
+            </a:r>
+            <a:r>
+              <a:rPr lang="en-US" dirty="0" err="1"/>
               <a:t>ms</a:t>
             </a:r>
             <a:r>
-              <a:rPr lang="en-US" dirty="0" smtClean="0"/>
+              <a:rPr lang="en-US" dirty="0"/>
               <a:t>)</a:t>
             </a:r>
-            <a:endParaRPr lang="en-US" dirty="0"/>
           </a:p>
         </c:rich>
       </c:tx>
-      <c:layout/>
       <c:overlay val="0"/>
       <c:spPr>
         <a:noFill/>
@@ -205,7 +199,7 @@
               <a:cs typeface="+mn-cs"/>
             </a:defRPr>
           </a:pPr>
-          <a:endParaRPr lang="it-IT"/>
+          <a:endParaRPr lang="en-IT"/>
         </a:p>
       </c:txPr>
     </c:title>
@@ -347,7 +341,7 @@
                 <a:cs typeface="+mn-cs"/>
               </a:defRPr>
             </a:pPr>
-            <a:endParaRPr lang="it-IT"/>
+            <a:endParaRPr lang="en-IT"/>
           </a:p>
         </c:txPr>
         <c:crossAx val="434052943"/>
@@ -406,7 +400,7 @@
                 <a:cs typeface="+mn-cs"/>
               </a:defRPr>
             </a:pPr>
-            <a:endParaRPr lang="it-IT"/>
+            <a:endParaRPr lang="en-IT"/>
           </a:p>
         </c:txPr>
         <c:crossAx val="434055023"/>
@@ -423,7 +417,6 @@
     </c:plotArea>
     <c:legend>
       <c:legendPos val="b"/>
-      <c:layout/>
       <c:overlay val="0"/>
       <c:spPr>
         <a:noFill/>
@@ -449,7 +442,7 @@
               <a:cs typeface="+mn-cs"/>
             </a:defRPr>
           </a:pPr>
-          <a:endParaRPr lang="it-IT"/>
+          <a:endParaRPr lang="en-IT"/>
         </a:p>
       </c:txPr>
     </c:legend>
@@ -477,7 +470,7 @@
       <a:pPr>
         <a:defRPr/>
       </a:pPr>
-      <a:endParaRPr lang="it-IT"/>
+      <a:endParaRPr lang="en-IT"/>
     </a:p>
   </c:txPr>
   <c:externalData r:id="rId3">
@@ -489,7 +482,7 @@
 <file path=ppt/charts/chart2.xml><?xml version="1.0" encoding="utf-8"?>
 <c:chartSpace xmlns:c="http://schemas.openxmlformats.org/drawingml/2006/chart" xmlns:a="http://schemas.openxmlformats.org/drawingml/2006/main" xmlns:r="http://schemas.openxmlformats.org/officeDocument/2006/relationships" xmlns:c16r2="http://schemas.microsoft.com/office/drawing/2015/06/chart">
   <c:date1904 val="0"/>
-  <c:lang val="it-IT"/>
+  <c:lang val="en-GB"/>
   <c:roundedCorners val="0"/>
   <mc:AlternateContent xmlns:mc="http://schemas.openxmlformats.org/markup-compatibility/2006">
     <mc:Choice xmlns:c14="http://schemas.microsoft.com/office/drawing/2007/8/2/chart" Requires="c14">
@@ -520,14 +513,12 @@
               </a:defRPr>
             </a:pPr>
             <a:r>
-              <a:rPr lang="en-US" dirty="0" smtClean="0"/>
+              <a:rPr lang="en-US" dirty="0"/>
               <a:t>Number of messages</a:t>
             </a:r>
-            <a:endParaRPr lang="en-US" dirty="0"/>
           </a:p>
         </c:rich>
       </c:tx>
-      <c:layout/>
       <c:overlay val="0"/>
       <c:spPr>
         <a:noFill/>
@@ -553,7 +544,7 @@
               <a:cs typeface="+mn-cs"/>
             </a:defRPr>
           </a:pPr>
-          <a:endParaRPr lang="it-IT"/>
+          <a:endParaRPr lang="en-IT"/>
         </a:p>
       </c:txPr>
     </c:title>
@@ -615,7 +606,7 @@
                     <a:cs typeface="+mn-cs"/>
                   </a:defRPr>
                 </a:pPr>
-                <a:endParaRPr lang="it-IT"/>
+                <a:endParaRPr lang="en-IT"/>
               </a:p>
             </c:txPr>
             <c:dLblPos val="outEnd"/>
@@ -628,7 +619,6 @@
             <c:showLeaderLines val="0"/>
             <c:extLst>
               <c:ext xmlns:c15="http://schemas.microsoft.com/office/drawing/2012/chart" uri="{CE6537A1-D6FC-4f65-9D91-7224C49458BB}">
-                <c15:layout/>
                 <c15:showLeaderLines val="1"/>
                 <c15:leaderLines>
                   <c:spPr>
@@ -768,7 +758,7 @@
                 <a:cs typeface="+mn-cs"/>
               </a:defRPr>
             </a:pPr>
-            <a:endParaRPr lang="it-IT"/>
+            <a:endParaRPr lang="en-IT"/>
           </a:p>
         </c:txPr>
         <c:crossAx val="434052943"/>
@@ -803,7 +793,6 @@
     </c:plotArea>
     <c:legend>
       <c:legendPos val="t"/>
-      <c:layout/>
       <c:overlay val="0"/>
       <c:spPr>
         <a:noFill/>
@@ -829,7 +818,7 @@
               <a:cs typeface="+mn-cs"/>
             </a:defRPr>
           </a:pPr>
-          <a:endParaRPr lang="it-IT"/>
+          <a:endParaRPr lang="en-IT"/>
         </a:p>
       </c:txPr>
     </c:legend>
@@ -857,7 +846,7 @@
       <a:pPr>
         <a:defRPr/>
       </a:pPr>
-      <a:endParaRPr lang="it-IT"/>
+      <a:endParaRPr lang="en-IT"/>
     </a:p>
   </c:txPr>
   <c:externalData r:id="rId3">
@@ -869,7 +858,7 @@
 <file path=ppt/charts/chart3.xml><?xml version="1.0" encoding="utf-8"?>
 <c:chartSpace xmlns:c="http://schemas.openxmlformats.org/drawingml/2006/chart" xmlns:a="http://schemas.openxmlformats.org/drawingml/2006/main" xmlns:r="http://schemas.openxmlformats.org/officeDocument/2006/relationships" xmlns:c16r2="http://schemas.microsoft.com/office/drawing/2015/06/chart">
   <c:date1904 val="0"/>
-  <c:lang val="it-IT"/>
+  <c:lang val="en-GB"/>
   <c:roundedCorners val="0"/>
   <mc:AlternateContent xmlns:mc="http://schemas.openxmlformats.org/markup-compatibility/2006">
     <mc:Choice xmlns:c14="http://schemas.microsoft.com/office/drawing/2007/8/2/chart" Requires="c14">
@@ -901,14 +890,10 @@
             </a:pPr>
             <a:r>
               <a:rPr lang="en-US" dirty="0"/>
-              <a:t>Execution Time </a:t>
-            </a:r>
-            <a:r>
-              <a:rPr lang="en-US" dirty="0" smtClean="0"/>
-              <a:t>(</a:t>
-            </a:r>
-            <a:r>
-              <a:rPr lang="en-US" dirty="0" err="1" smtClean="0"/>
+              <a:t>Execution Time (</a:t>
+            </a:r>
+            <a:r>
+              <a:rPr lang="en-US" dirty="0" err="1"/>
               <a:t>ms</a:t>
             </a:r>
             <a:r>
@@ -918,7 +903,6 @@
           </a:p>
         </c:rich>
       </c:tx>
-      <c:layout/>
       <c:overlay val="0"/>
       <c:spPr>
         <a:noFill/>
@@ -944,7 +928,7 @@
               <a:cs typeface="+mn-cs"/>
             </a:defRPr>
           </a:pPr>
-          <a:endParaRPr lang="it-IT"/>
+          <a:endParaRPr lang="en-IT"/>
         </a:p>
       </c:txPr>
     </c:title>
@@ -1093,7 +1077,7 @@
                 <a:cs typeface="+mn-cs"/>
               </a:defRPr>
             </a:pPr>
-            <a:endParaRPr lang="it-IT"/>
+            <a:endParaRPr lang="en-IT"/>
           </a:p>
         </c:txPr>
         <c:crossAx val="432906495"/>
@@ -1152,7 +1136,7 @@
                 <a:cs typeface="+mn-cs"/>
               </a:defRPr>
             </a:pPr>
-            <a:endParaRPr lang="it-IT"/>
+            <a:endParaRPr lang="en-IT"/>
           </a:p>
         </c:txPr>
         <c:crossAx val="432904415"/>
@@ -1169,7 +1153,6 @@
     </c:plotArea>
     <c:legend>
       <c:legendPos val="b"/>
-      <c:layout/>
       <c:overlay val="0"/>
       <c:spPr>
         <a:noFill/>
@@ -1195,7 +1178,7 @@
               <a:cs typeface="+mn-cs"/>
             </a:defRPr>
           </a:pPr>
-          <a:endParaRPr lang="it-IT"/>
+          <a:endParaRPr lang="en-IT"/>
         </a:p>
       </c:txPr>
     </c:legend>
@@ -1223,7 +1206,7 @@
       <a:pPr>
         <a:defRPr/>
       </a:pPr>
-      <a:endParaRPr lang="it-IT"/>
+      <a:endParaRPr lang="en-IT"/>
     </a:p>
   </c:txPr>
   <c:externalData r:id="rId3">
@@ -1235,7 +1218,7 @@
 <file path=ppt/charts/chart4.xml><?xml version="1.0" encoding="utf-8"?>
 <c:chartSpace xmlns:c="http://schemas.openxmlformats.org/drawingml/2006/chart" xmlns:a="http://schemas.openxmlformats.org/drawingml/2006/main" xmlns:r="http://schemas.openxmlformats.org/officeDocument/2006/relationships" xmlns:c16r2="http://schemas.microsoft.com/office/drawing/2015/06/chart">
   <c:date1904 val="0"/>
-  <c:lang val="it-IT"/>
+  <c:lang val="en-GB"/>
   <c:roundedCorners val="0"/>
   <mc:AlternateContent xmlns:mc="http://schemas.openxmlformats.org/markup-compatibility/2006">
     <mc:Choice xmlns:c14="http://schemas.microsoft.com/office/drawing/2007/8/2/chart" Requires="c14">
@@ -1247,7 +1230,6 @@
   </mc:AlternateContent>
   <c:chart>
     <c:title>
-      <c:layout/>
       <c:overlay val="0"/>
       <c:spPr>
         <a:noFill/>
@@ -1273,7 +1255,7 @@
               <a:cs typeface="+mn-cs"/>
             </a:defRPr>
           </a:pPr>
-          <a:endParaRPr lang="it-IT"/>
+          <a:endParaRPr lang="en-IT"/>
         </a:p>
       </c:txPr>
     </c:title>
@@ -1338,7 +1320,7 @@
                     <a:cs typeface="+mn-cs"/>
                   </a:defRPr>
                 </a:pPr>
-                <a:endParaRPr lang="it-IT"/>
+                <a:endParaRPr lang="en-IT"/>
               </a:p>
             </c:txPr>
             <c:dLblPos val="outEnd"/>
@@ -1351,7 +1333,6 @@
             <c:showLeaderLines val="0"/>
             <c:extLst>
               <c:ext xmlns:c15="http://schemas.microsoft.com/office/drawing/2012/chart" uri="{CE6537A1-D6FC-4f65-9D91-7224C49458BB}">
-                <c15:layout/>
                 <c15:showLeaderLines val="1"/>
                 <c15:leaderLines>
                   <c:spPr>
@@ -1491,7 +1472,7 @@
                 <a:cs typeface="+mn-cs"/>
               </a:defRPr>
             </a:pPr>
-            <a:endParaRPr lang="it-IT"/>
+            <a:endParaRPr lang="en-IT"/>
           </a:p>
         </c:txPr>
         <c:crossAx val="432906495"/>
@@ -1526,7 +1507,6 @@
     </c:plotArea>
     <c:legend>
       <c:legendPos val="t"/>
-      <c:layout/>
       <c:overlay val="0"/>
       <c:spPr>
         <a:noFill/>
@@ -1552,7 +1532,7 @@
               <a:cs typeface="+mn-cs"/>
             </a:defRPr>
           </a:pPr>
-          <a:endParaRPr lang="it-IT"/>
+          <a:endParaRPr lang="en-IT"/>
         </a:p>
       </c:txPr>
     </c:legend>
@@ -1580,7 +1560,7 @@
       <a:pPr>
         <a:defRPr/>
       </a:pPr>
-      <a:endParaRPr lang="it-IT"/>
+      <a:endParaRPr lang="en-IT"/>
     </a:p>
   </c:txPr>
   <c:externalData r:id="rId3">
@@ -1592,7 +1572,7 @@
 <file path=ppt/charts/chart5.xml><?xml version="1.0" encoding="utf-8"?>
 <c:chartSpace xmlns:c="http://schemas.openxmlformats.org/drawingml/2006/chart" xmlns:a="http://schemas.openxmlformats.org/drawingml/2006/main" xmlns:r="http://schemas.openxmlformats.org/officeDocument/2006/relationships" xmlns:c16r2="http://schemas.microsoft.com/office/drawing/2015/06/chart">
   <c:date1904 val="0"/>
-  <c:lang val="it-IT"/>
+  <c:lang val="en-GB"/>
   <c:roundedCorners val="0"/>
   <mc:AlternateContent xmlns:mc="http://schemas.openxmlformats.org/markup-compatibility/2006">
     <mc:Choice xmlns:c14="http://schemas.microsoft.com/office/drawing/2007/8/2/chart" Requires="c14">
@@ -1624,14 +1604,10 @@
             </a:pPr>
             <a:r>
               <a:rPr lang="en-US" dirty="0"/>
-              <a:t>Execution Time </a:t>
-            </a:r>
-            <a:r>
-              <a:rPr lang="en-US" dirty="0" smtClean="0"/>
-              <a:t>(</a:t>
-            </a:r>
-            <a:r>
-              <a:rPr lang="en-US" dirty="0" err="1" smtClean="0"/>
+              <a:t>Execution Time (</a:t>
+            </a:r>
+            <a:r>
+              <a:rPr lang="en-US" dirty="0" err="1"/>
               <a:t>ms</a:t>
             </a:r>
             <a:r>
@@ -1641,7 +1617,6 @@
           </a:p>
         </c:rich>
       </c:tx>
-      <c:layout/>
       <c:overlay val="0"/>
       <c:spPr>
         <a:noFill/>
@@ -1667,7 +1642,7 @@
               <a:cs typeface="+mn-cs"/>
             </a:defRPr>
           </a:pPr>
-          <a:endParaRPr lang="it-IT"/>
+          <a:endParaRPr lang="en-IT"/>
         </a:p>
       </c:txPr>
     </c:title>
@@ -1810,7 +1785,7 @@
                 <a:cs typeface="+mn-cs"/>
               </a:defRPr>
             </a:pPr>
-            <a:endParaRPr lang="it-IT"/>
+            <a:endParaRPr lang="en-IT"/>
           </a:p>
         </c:txPr>
         <c:crossAx val="426529407"/>
@@ -1869,7 +1844,7 @@
                 <a:cs typeface="+mn-cs"/>
               </a:defRPr>
             </a:pPr>
-            <a:endParaRPr lang="it-IT"/>
+            <a:endParaRPr lang="en-IT"/>
           </a:p>
         </c:txPr>
         <c:crossAx val="426531487"/>
@@ -1886,7 +1861,6 @@
     </c:plotArea>
     <c:legend>
       <c:legendPos val="b"/>
-      <c:layout/>
       <c:overlay val="0"/>
       <c:spPr>
         <a:noFill/>
@@ -1912,7 +1886,7 @@
               <a:cs typeface="+mn-cs"/>
             </a:defRPr>
           </a:pPr>
-          <a:endParaRPr lang="it-IT"/>
+          <a:endParaRPr lang="en-IT"/>
         </a:p>
       </c:txPr>
     </c:legend>
@@ -1938,7 +1912,7 @@
       <a:pPr>
         <a:defRPr/>
       </a:pPr>
-      <a:endParaRPr lang="it-IT"/>
+      <a:endParaRPr lang="en-IT"/>
     </a:p>
   </c:txPr>
   <c:externalData r:id="rId3">
@@ -1950,7 +1924,7 @@
 <file path=ppt/charts/chart6.xml><?xml version="1.0" encoding="utf-8"?>
 <c:chartSpace xmlns:c="http://schemas.openxmlformats.org/drawingml/2006/chart" xmlns:a="http://schemas.openxmlformats.org/drawingml/2006/main" xmlns:r="http://schemas.openxmlformats.org/officeDocument/2006/relationships" xmlns:c16r2="http://schemas.microsoft.com/office/drawing/2015/06/chart">
   <c:date1904 val="0"/>
-  <c:lang val="it-IT"/>
+  <c:lang val="en-GB"/>
   <c:roundedCorners val="0"/>
   <mc:AlternateContent xmlns:mc="http://schemas.openxmlformats.org/markup-compatibility/2006">
     <mc:Choice xmlns:c14="http://schemas.microsoft.com/office/drawing/2007/8/2/chart" Requires="c14">
@@ -1962,7 +1936,6 @@
   </mc:AlternateContent>
   <c:chart>
     <c:title>
-      <c:layout/>
       <c:overlay val="0"/>
       <c:spPr>
         <a:noFill/>
@@ -1988,7 +1961,7 @@
               <a:cs typeface="+mn-cs"/>
             </a:defRPr>
           </a:pPr>
-          <a:endParaRPr lang="it-IT"/>
+          <a:endParaRPr lang="en-IT"/>
         </a:p>
       </c:txPr>
     </c:title>
@@ -2054,7 +2027,7 @@
                     <a:cs typeface="+mn-cs"/>
                   </a:defRPr>
                 </a:pPr>
-                <a:endParaRPr lang="it-IT"/>
+                <a:endParaRPr lang="en-IT"/>
               </a:p>
             </c:txPr>
             <c:dLblPos val="inEnd"/>
@@ -2067,7 +2040,6 @@
             <c:showLeaderLines val="0"/>
             <c:extLst>
               <c:ext xmlns:c15="http://schemas.microsoft.com/office/drawing/2012/chart" uri="{CE6537A1-D6FC-4f65-9D91-7224C49458BB}">
-                <c15:layout/>
                 <c15:showLeaderLines val="1"/>
                 <c15:leaderLines>
                   <c:spPr>
@@ -2192,7 +2164,7 @@
                 <a:cs typeface="+mn-cs"/>
               </a:defRPr>
             </a:pPr>
-            <a:endParaRPr lang="it-IT"/>
+            <a:endParaRPr lang="en-IT"/>
           </a:p>
         </c:txPr>
         <c:crossAx val="426529407"/>
@@ -2263,7 +2235,7 @@
                 <a:cs typeface="+mn-cs"/>
               </a:defRPr>
             </a:pPr>
-            <a:endParaRPr lang="it-IT"/>
+            <a:endParaRPr lang="en-IT"/>
           </a:p>
         </c:txPr>
         <c:crossAx val="426531487"/>
@@ -2280,7 +2252,6 @@
     </c:plotArea>
     <c:legend>
       <c:legendPos val="b"/>
-      <c:layout/>
       <c:overlay val="0"/>
       <c:spPr>
         <a:solidFill>
@@ -2311,7 +2282,7 @@
               <a:cs typeface="+mn-cs"/>
             </a:defRPr>
           </a:pPr>
-          <a:endParaRPr lang="it-IT"/>
+          <a:endParaRPr lang="en-IT"/>
         </a:p>
       </c:txPr>
     </c:legend>
@@ -2338,7 +2309,7 @@
       <a:pPr>
         <a:defRPr/>
       </a:pPr>
-      <a:endParaRPr lang="it-IT"/>
+      <a:endParaRPr lang="en-IT"/>
     </a:p>
   </c:txPr>
   <c:externalData r:id="rId3">
@@ -2350,7 +2321,7 @@
 <file path=ppt/charts/chart7.xml><?xml version="1.0" encoding="utf-8"?>
 <c:chartSpace xmlns:c="http://schemas.openxmlformats.org/drawingml/2006/chart" xmlns:a="http://schemas.openxmlformats.org/drawingml/2006/main" xmlns:r="http://schemas.openxmlformats.org/officeDocument/2006/relationships" xmlns:c16r2="http://schemas.microsoft.com/office/drawing/2015/06/chart">
   <c:date1904 val="0"/>
-  <c:lang val="it-IT"/>
+  <c:lang val="en-GB"/>
   <c:roundedCorners val="0"/>
   <mc:AlternateContent xmlns:mc="http://schemas.openxmlformats.org/markup-compatibility/2006">
     <mc:Choice xmlns:c14="http://schemas.microsoft.com/office/drawing/2007/8/2/chart" Requires="c14">
@@ -2382,14 +2353,10 @@
             </a:pPr>
             <a:r>
               <a:rPr lang="en-US" dirty="0"/>
-              <a:t>Execution Time </a:t>
-            </a:r>
-            <a:r>
-              <a:rPr lang="en-US" dirty="0" smtClean="0"/>
-              <a:t>(</a:t>
-            </a:r>
-            <a:r>
-              <a:rPr lang="en-US" dirty="0" err="1" smtClean="0"/>
+              <a:t>Execution Time (</a:t>
+            </a:r>
+            <a:r>
+              <a:rPr lang="en-US" dirty="0" err="1"/>
               <a:t>ms</a:t>
             </a:r>
             <a:r>
@@ -2399,7 +2366,6 @@
           </a:p>
         </c:rich>
       </c:tx>
-      <c:layout/>
       <c:overlay val="0"/>
       <c:spPr>
         <a:noFill/>
@@ -2425,7 +2391,7 @@
               <a:cs typeface="+mn-cs"/>
             </a:defRPr>
           </a:pPr>
-          <a:endParaRPr lang="it-IT"/>
+          <a:endParaRPr lang="en-IT"/>
         </a:p>
       </c:txPr>
     </c:title>
@@ -2569,7 +2535,7 @@
                 <a:cs typeface="+mn-cs"/>
               </a:defRPr>
             </a:pPr>
-            <a:endParaRPr lang="it-IT"/>
+            <a:endParaRPr lang="en-IT"/>
           </a:p>
         </c:txPr>
         <c:crossAx val="426529407"/>
@@ -2628,7 +2594,7 @@
                 <a:cs typeface="+mn-cs"/>
               </a:defRPr>
             </a:pPr>
-            <a:endParaRPr lang="it-IT"/>
+            <a:endParaRPr lang="en-IT"/>
           </a:p>
         </c:txPr>
         <c:crossAx val="426531487"/>
@@ -2645,7 +2611,6 @@
     </c:plotArea>
     <c:legend>
       <c:legendPos val="b"/>
-      <c:layout/>
       <c:overlay val="0"/>
       <c:spPr>
         <a:noFill/>
@@ -2671,7 +2636,7 @@
               <a:cs typeface="+mn-cs"/>
             </a:defRPr>
           </a:pPr>
-          <a:endParaRPr lang="it-IT"/>
+          <a:endParaRPr lang="en-IT"/>
         </a:p>
       </c:txPr>
     </c:legend>
@@ -2699,7 +2664,7 @@
       <a:pPr>
         <a:defRPr/>
       </a:pPr>
-      <a:endParaRPr lang="it-IT"/>
+      <a:endParaRPr lang="en-IT"/>
     </a:p>
   </c:txPr>
   <c:externalData r:id="rId3">
@@ -2711,7 +2676,7 @@
 <file path=ppt/charts/chart8.xml><?xml version="1.0" encoding="utf-8"?>
 <c:chartSpace xmlns:c="http://schemas.openxmlformats.org/drawingml/2006/chart" xmlns:a="http://schemas.openxmlformats.org/drawingml/2006/main" xmlns:r="http://schemas.openxmlformats.org/officeDocument/2006/relationships" xmlns:c16r2="http://schemas.microsoft.com/office/drawing/2015/06/chart">
   <c:date1904 val="0"/>
-  <c:lang val="it-IT"/>
+  <c:lang val="en-GB"/>
   <c:roundedCorners val="0"/>
   <mc:AlternateContent xmlns:mc="http://schemas.openxmlformats.org/markup-compatibility/2006">
     <mc:Choice xmlns:c14="http://schemas.microsoft.com/office/drawing/2007/8/2/chart" Requires="c14">
@@ -2723,7 +2688,6 @@
   </mc:AlternateContent>
   <c:chart>
     <c:title>
-      <c:layout/>
       <c:overlay val="0"/>
       <c:spPr>
         <a:noFill/>
@@ -2749,7 +2713,7 @@
               <a:cs typeface="+mn-cs"/>
             </a:defRPr>
           </a:pPr>
-          <a:endParaRPr lang="it-IT"/>
+          <a:endParaRPr lang="en-IT"/>
         </a:p>
       </c:txPr>
     </c:title>
@@ -2817,7 +2781,7 @@
                     <a:cs typeface="+mn-cs"/>
                   </a:defRPr>
                 </a:pPr>
-                <a:endParaRPr lang="it-IT"/>
+                <a:endParaRPr lang="en-IT"/>
               </a:p>
             </c:txPr>
             <c:dLblPos val="inEnd"/>
@@ -2830,7 +2794,6 @@
             <c:showLeaderLines val="0"/>
             <c:extLst>
               <c:ext xmlns:c15="http://schemas.microsoft.com/office/drawing/2012/chart" uri="{CE6537A1-D6FC-4f65-9D91-7224C49458BB}">
-                <c15:layout/>
                 <c15:showLeaderLines val="1"/>
                 <c15:leaderLines>
                   <c:spPr>
@@ -2955,7 +2918,7 @@
                 <a:cs typeface="+mn-cs"/>
               </a:defRPr>
             </a:pPr>
-            <a:endParaRPr lang="it-IT"/>
+            <a:endParaRPr lang="en-IT"/>
           </a:p>
         </c:txPr>
         <c:crossAx val="426529407"/>
@@ -3026,7 +2989,7 @@
                 <a:cs typeface="+mn-cs"/>
               </a:defRPr>
             </a:pPr>
-            <a:endParaRPr lang="it-IT"/>
+            <a:endParaRPr lang="en-IT"/>
           </a:p>
         </c:txPr>
         <c:crossAx val="426531487"/>
@@ -3043,7 +3006,6 @@
     </c:plotArea>
     <c:legend>
       <c:legendPos val="b"/>
-      <c:layout/>
       <c:overlay val="0"/>
       <c:spPr>
         <a:solidFill>
@@ -3074,7 +3036,7 @@
               <a:cs typeface="+mn-cs"/>
             </a:defRPr>
           </a:pPr>
-          <a:endParaRPr lang="it-IT"/>
+          <a:endParaRPr lang="en-IT"/>
         </a:p>
       </c:txPr>
     </c:legend>
@@ -3103,7 +3065,7 @@
       <a:pPr>
         <a:defRPr/>
       </a:pPr>
-      <a:endParaRPr lang="it-IT"/>
+      <a:endParaRPr lang="en-IT"/>
     </a:p>
   </c:txPr>
   <c:externalData r:id="rId3">
@@ -10779,10 +10741,9 @@
         <a:lstStyle/>
         <a:p>
           <a:r>
-            <a:rPr lang="it-IT" dirty="0" smtClean="0"/>
+            <a:rPr lang="it-IT" dirty="0"/>
             <a:t>1</a:t>
           </a:r>
-          <a:endParaRPr lang="it-IT" dirty="0"/>
         </a:p>
       </dgm:t>
     </dgm:pt>
@@ -10824,19 +10785,19 @@
         <a:lstStyle/>
         <a:p>
           <a:r>
-            <a:rPr lang="it-IT" dirty="0" smtClean="0"/>
-            <a:t>CSV file </a:t>
+            <a:rPr lang="it-IT" dirty="0"/>
+            <a:t>Input pairs </a:t>
           </a:r>
           <a:r>
-            <a:rPr lang="it-IT" dirty="0" err="1" smtClean="0"/>
+            <a:rPr lang="it-IT" dirty="0" err="1"/>
             <a:t>divided</a:t>
           </a:r>
           <a:r>
-            <a:rPr lang="it-IT" dirty="0" smtClean="0"/>
+            <a:rPr lang="it-IT" dirty="0"/>
             <a:t> in </a:t>
           </a:r>
           <a:r>
-            <a:rPr lang="it-IT" dirty="0" err="1" smtClean="0"/>
+            <a:rPr lang="it-IT" dirty="0" err="1"/>
             <a:t>chunks</a:t>
           </a:r>
           <a:endParaRPr lang="it-IT" dirty="0"/>
@@ -10873,10 +10834,9 @@
         <a:lstStyle/>
         <a:p>
           <a:r>
-            <a:rPr lang="it-IT" dirty="0" smtClean="0"/>
+            <a:rPr lang="it-IT" dirty="0"/>
             <a:t>2</a:t>
           </a:r>
-          <a:endParaRPr lang="it-IT" dirty="0"/>
         </a:p>
       </dgm:t>
     </dgm:pt>
@@ -10918,39 +10878,39 @@
         <a:lstStyle/>
         <a:p>
           <a:r>
-            <a:rPr lang="it-IT" dirty="0" err="1" smtClean="0"/>
+            <a:rPr lang="it-IT" dirty="0" err="1"/>
             <a:t>Execute</a:t>
           </a:r>
           <a:r>
-            <a:rPr lang="it-IT" dirty="0" smtClean="0"/>
+            <a:rPr lang="it-IT" dirty="0"/>
             <a:t> </a:t>
           </a:r>
           <a:r>
-            <a:rPr lang="it-IT" dirty="0" err="1" smtClean="0"/>
+            <a:rPr lang="it-IT" dirty="0" err="1"/>
             <a:t>map</a:t>
           </a:r>
           <a:r>
-            <a:rPr lang="it-IT" dirty="0" smtClean="0"/>
+            <a:rPr lang="it-IT" dirty="0"/>
             <a:t> </a:t>
           </a:r>
           <a:r>
-            <a:rPr lang="it-IT" dirty="0" err="1" smtClean="0"/>
+            <a:rPr lang="it-IT" dirty="0" err="1"/>
             <a:t>operation</a:t>
           </a:r>
           <a:r>
-            <a:rPr lang="it-IT" dirty="0" smtClean="0"/>
+            <a:rPr lang="it-IT" dirty="0"/>
             <a:t> on </a:t>
           </a:r>
           <a:r>
-            <a:rPr lang="it-IT" dirty="0" err="1" smtClean="0"/>
+            <a:rPr lang="it-IT" dirty="0" err="1"/>
             <a:t>every</a:t>
           </a:r>
           <a:r>
-            <a:rPr lang="it-IT" dirty="0" smtClean="0"/>
+            <a:rPr lang="it-IT" dirty="0"/>
             <a:t> </a:t>
           </a:r>
           <a:r>
-            <a:rPr lang="it-IT" dirty="0" err="1" smtClean="0"/>
+            <a:rPr lang="it-IT" dirty="0" err="1"/>
             <a:t>chunk</a:t>
           </a:r>
           <a:endParaRPr lang="it-IT" dirty="0"/>
@@ -10987,10 +10947,9 @@
         <a:lstStyle/>
         <a:p>
           <a:r>
-            <a:rPr lang="it-IT" dirty="0" smtClean="0"/>
+            <a:rPr lang="it-IT" dirty="0"/>
             <a:t>3</a:t>
           </a:r>
-          <a:endParaRPr lang="it-IT" dirty="0"/>
         </a:p>
       </dgm:t>
     </dgm:pt>
@@ -11024,10 +10983,9 @@
         <a:lstStyle/>
         <a:p>
           <a:r>
-            <a:rPr lang="it-IT" dirty="0" smtClean="0"/>
+            <a:rPr lang="it-IT" dirty="0"/>
             <a:t>4</a:t>
           </a:r>
-          <a:endParaRPr lang="it-IT" dirty="0"/>
         </a:p>
       </dgm:t>
     </dgm:pt>
@@ -11069,66 +11027,13 @@
         <a:lstStyle/>
         <a:p>
           <a:r>
-            <a:rPr lang="it-IT" dirty="0" err="1" smtClean="0"/>
+            <a:rPr lang="it-IT" dirty="0" err="1"/>
             <a:t>Prepare</a:t>
           </a:r>
           <a:r>
-            <a:rPr lang="it-IT" dirty="0" smtClean="0"/>
-            <a:t> </a:t>
+            <a:rPr lang="it-IT" dirty="0"/>
+            <a:t> Reduce Data</a:t>
           </a:r>
-          <a:r>
-            <a:rPr lang="it-IT" dirty="0" smtClean="0"/>
-            <a:t>«Reduce Data» (list of &lt;</a:t>
-          </a:r>
-          <a:r>
-            <a:rPr lang="it-IT" dirty="0" err="1" smtClean="0"/>
-            <a:t>key</a:t>
-          </a:r>
-          <a:r>
-            <a:rPr lang="it-IT" dirty="0" smtClean="0"/>
-            <a:t>, </a:t>
-          </a:r>
-          <a:r>
-            <a:rPr lang="it-IT" dirty="0" err="1" smtClean="0"/>
-            <a:t>result</a:t>
-          </a:r>
-          <a:r>
-            <a:rPr lang="it-IT" dirty="0" smtClean="0"/>
-            <a:t>&gt; so </a:t>
-          </a:r>
-          <a:r>
-            <a:rPr lang="it-IT" dirty="0" err="1" smtClean="0"/>
-            <a:t>that</a:t>
-          </a:r>
-          <a:r>
-            <a:rPr lang="it-IT" dirty="0" smtClean="0"/>
-            <a:t> #</a:t>
-          </a:r>
-          <a:r>
-            <a:rPr lang="it-IT" dirty="0" err="1" smtClean="0"/>
-            <a:t>chunks</a:t>
-          </a:r>
-          <a:r>
-            <a:rPr lang="it-IT" dirty="0" smtClean="0"/>
-            <a:t> = #</a:t>
-          </a:r>
-          <a:r>
-            <a:rPr lang="it-IT" dirty="0" err="1" smtClean="0"/>
-            <a:t>different</a:t>
-          </a:r>
-          <a:r>
-            <a:rPr lang="it-IT" dirty="0" smtClean="0"/>
-            <a:t> </a:t>
-          </a:r>
-          <a:r>
-            <a:rPr lang="it-IT" dirty="0" err="1" smtClean="0"/>
-            <a:t>keys</a:t>
-          </a:r>
-          <a:r>
-            <a:rPr lang="it-IT" dirty="0" smtClean="0"/>
-            <a:t> in CSV )</a:t>
-          </a:r>
-          <a:endParaRPr lang="it-IT" dirty="0"/>
         </a:p>
       </dgm:t>
     </dgm:pt>
@@ -11170,14 +11075,13 @@
         <a:lstStyle/>
         <a:p>
           <a:r>
-            <a:rPr lang="it-IT" dirty="0" err="1" smtClean="0"/>
+            <a:rPr lang="it-IT" dirty="0" err="1"/>
             <a:t>Execute</a:t>
           </a:r>
           <a:r>
-            <a:rPr lang="it-IT" dirty="0" smtClean="0"/>
+            <a:rPr lang="it-IT" dirty="0"/>
             <a:t> Reduce</a:t>
           </a:r>
-          <a:endParaRPr lang="it-IT" dirty="0"/>
         </a:p>
       </dgm:t>
     </dgm:pt>
@@ -11212,13 +11116,6 @@
         </dgm:presLayoutVars>
       </dgm:prSet>
       <dgm:spPr/>
-      <dgm:t>
-        <a:bodyPr/>
-        <a:lstStyle/>
-        <a:p>
-          <a:endParaRPr lang="it-IT"/>
-        </a:p>
-      </dgm:t>
     </dgm:pt>
     <dgm:pt modelId="{79024C97-5BAD-4EB2-824E-6A6609D2BF2A}" type="pres">
       <dgm:prSet presAssocID="{04DDB147-474E-426A-B503-BD31A823E7E3}" presName="composite" presStyleCnt="0"/>
@@ -11232,13 +11129,6 @@
         </dgm:presLayoutVars>
       </dgm:prSet>
       <dgm:spPr/>
-      <dgm:t>
-        <a:bodyPr/>
-        <a:lstStyle/>
-        <a:p>
-          <a:endParaRPr lang="it-IT"/>
-        </a:p>
-      </dgm:t>
     </dgm:pt>
     <dgm:pt modelId="{BC26F767-5D9F-42F7-930B-2911AA25F742}" type="pres">
       <dgm:prSet presAssocID="{04DDB147-474E-426A-B503-BD31A823E7E3}" presName="descendantText" presStyleLbl="alignAcc1" presStyleIdx="0" presStyleCnt="4" custLinFactNeighborX="826" custLinFactNeighborY="-4669">
@@ -11247,13 +11137,6 @@
         </dgm:presLayoutVars>
       </dgm:prSet>
       <dgm:spPr/>
-      <dgm:t>
-        <a:bodyPr/>
-        <a:lstStyle/>
-        <a:p>
-          <a:endParaRPr lang="it-IT"/>
-        </a:p>
-      </dgm:t>
     </dgm:pt>
     <dgm:pt modelId="{3146DD3A-0880-443F-9662-D50E20055B11}" type="pres">
       <dgm:prSet presAssocID="{B39E8586-6934-48E9-B0C6-7F69937EC0C4}" presName="sp" presStyleCnt="0"/>
@@ -11271,13 +11154,6 @@
         </dgm:presLayoutVars>
       </dgm:prSet>
       <dgm:spPr/>
-      <dgm:t>
-        <a:bodyPr/>
-        <a:lstStyle/>
-        <a:p>
-          <a:endParaRPr lang="it-IT"/>
-        </a:p>
-      </dgm:t>
     </dgm:pt>
     <dgm:pt modelId="{D6D55EB1-06AC-4F58-ABF8-5EF7B3B87AC4}" type="pres">
       <dgm:prSet presAssocID="{6750CFF7-6D5E-4FB1-B37B-52C5F5960B5F}" presName="descendantText" presStyleLbl="alignAcc1" presStyleIdx="1" presStyleCnt="4">
@@ -11286,13 +11162,6 @@
         </dgm:presLayoutVars>
       </dgm:prSet>
       <dgm:spPr/>
-      <dgm:t>
-        <a:bodyPr/>
-        <a:lstStyle/>
-        <a:p>
-          <a:endParaRPr lang="it-IT"/>
-        </a:p>
-      </dgm:t>
     </dgm:pt>
     <dgm:pt modelId="{CD9A7EEC-8CD4-4AAC-8BB8-0EE26C09D9F0}" type="pres">
       <dgm:prSet presAssocID="{2A44A085-A05F-48DC-9453-A09E536F68D7}" presName="sp" presStyleCnt="0"/>
@@ -11310,13 +11179,6 @@
         </dgm:presLayoutVars>
       </dgm:prSet>
       <dgm:spPr/>
-      <dgm:t>
-        <a:bodyPr/>
-        <a:lstStyle/>
-        <a:p>
-          <a:endParaRPr lang="it-IT"/>
-        </a:p>
-      </dgm:t>
     </dgm:pt>
     <dgm:pt modelId="{C0E81265-BF3E-4B1E-A54A-8AB7FBE4C537}" type="pres">
       <dgm:prSet presAssocID="{F3331101-9C6D-43F8-9FD0-3993F3DA78B4}" presName="descendantText" presStyleLbl="alignAcc1" presStyleIdx="2" presStyleCnt="4" custLinFactNeighborY="0">
@@ -11325,13 +11187,6 @@
         </dgm:presLayoutVars>
       </dgm:prSet>
       <dgm:spPr/>
-      <dgm:t>
-        <a:bodyPr/>
-        <a:lstStyle/>
-        <a:p>
-          <a:endParaRPr lang="it-IT"/>
-        </a:p>
-      </dgm:t>
     </dgm:pt>
     <dgm:pt modelId="{17FB1CAA-AC32-4087-8C83-BD4D76455693}" type="pres">
       <dgm:prSet presAssocID="{B16B8FBC-3605-4CA8-BDC0-C7C6B7D89FBF}" presName="sp" presStyleCnt="0"/>
@@ -11349,13 +11204,6 @@
         </dgm:presLayoutVars>
       </dgm:prSet>
       <dgm:spPr/>
-      <dgm:t>
-        <a:bodyPr/>
-        <a:lstStyle/>
-        <a:p>
-          <a:endParaRPr lang="it-IT"/>
-        </a:p>
-      </dgm:t>
     </dgm:pt>
     <dgm:pt modelId="{1DFE89F4-CBFD-4C20-B8FB-BD48E6B18A1A}" type="pres">
       <dgm:prSet presAssocID="{07A88041-6A50-4A4B-83EC-7FD33ED507E1}" presName="descendantText" presStyleLbl="alignAcc1" presStyleIdx="3" presStyleCnt="4">
@@ -11364,33 +11212,26 @@
         </dgm:presLayoutVars>
       </dgm:prSet>
       <dgm:spPr/>
-      <dgm:t>
-        <a:bodyPr/>
-        <a:lstStyle/>
-        <a:p>
-          <a:endParaRPr lang="it-IT"/>
-        </a:p>
-      </dgm:t>
     </dgm:pt>
   </dgm:ptLst>
   <dgm:cxnLst>
-    <dgm:cxn modelId="{5128D0DA-E00E-4F94-BC66-CDF68A1FDF27}" srcId="{60298D36-49DA-49FF-A401-04AC1311B39B}" destId="{6750CFF7-6D5E-4FB1-B37B-52C5F5960B5F}" srcOrd="1" destOrd="0" parTransId="{D5423CAC-05DA-4458-B2B5-625DA1658250}" sibTransId="{2A44A085-A05F-48DC-9453-A09E536F68D7}"/>
-    <dgm:cxn modelId="{DB7754F2-70EF-4624-B60B-8D14BF00A39E}" srcId="{60298D36-49DA-49FF-A401-04AC1311B39B}" destId="{07A88041-6A50-4A4B-83EC-7FD33ED507E1}" srcOrd="3" destOrd="0" parTransId="{273B257B-C713-46A2-86D0-ADADA24BC5EC}" sibTransId="{31371820-AB1D-478D-9E46-AEA5EAB0F57A}"/>
+    <dgm:cxn modelId="{AC2D0D04-D774-4126-84F8-05BBB2517E19}" srcId="{04DDB147-474E-426A-B503-BD31A823E7E3}" destId="{ED6FFC8E-5769-46CA-898B-9D6016759383}" srcOrd="0" destOrd="0" parTransId="{9E6E5B4B-504E-42FF-83CB-D2A15007340E}" sibTransId="{D4CA99F4-E005-4D47-8F1D-1D487201DB20}"/>
+    <dgm:cxn modelId="{D5BF580A-2219-464C-9B88-B630A8C7E0B9}" type="presOf" srcId="{6750CFF7-6D5E-4FB1-B37B-52C5F5960B5F}" destId="{EE9B4CD4-FA66-4A5A-BDAE-B3E025351597}" srcOrd="0" destOrd="0" presId="urn:microsoft.com/office/officeart/2005/8/layout/chevron2"/>
+    <dgm:cxn modelId="{BC56C826-DBD9-408B-9A20-E50CAA62927B}" type="presOf" srcId="{F3331101-9C6D-43F8-9FD0-3993F3DA78B4}" destId="{971D468A-B3F6-41FA-8F55-36C223649765}" srcOrd="0" destOrd="0" presId="urn:microsoft.com/office/officeart/2005/8/layout/chevron2"/>
     <dgm:cxn modelId="{B978AE3D-21F4-4FC2-9DAB-587A5D9E12E4}" type="presOf" srcId="{8E048DE3-9998-4808-9282-F785E766EF01}" destId="{C0E81265-BF3E-4B1E-A54A-8AB7FBE4C537}" srcOrd="0" destOrd="0" presId="urn:microsoft.com/office/officeart/2005/8/layout/chevron2"/>
+    <dgm:cxn modelId="{C7A35F41-393F-4EC9-8CEC-18F7683F3D0B}" type="presOf" srcId="{ED6FFC8E-5769-46CA-898B-9D6016759383}" destId="{BC26F767-5D9F-42F7-930B-2911AA25F742}" srcOrd="0" destOrd="0" presId="urn:microsoft.com/office/officeart/2005/8/layout/chevron2"/>
+    <dgm:cxn modelId="{F7F58941-D0FA-4E76-AFC8-69F4A5C3F014}" type="presOf" srcId="{2AAB3420-C8FE-45CB-A9A0-D24F37F783ED}" destId="{D6D55EB1-06AC-4F58-ABF8-5EF7B3B87AC4}" srcOrd="0" destOrd="0" presId="urn:microsoft.com/office/officeart/2005/8/layout/chevron2"/>
+    <dgm:cxn modelId="{624C7846-901D-41E0-B281-4A4AB3212889}" type="presOf" srcId="{04DDB147-474E-426A-B503-BD31A823E7E3}" destId="{947F00E3-EECA-4608-AA05-D5E63DC9D983}" srcOrd="0" destOrd="0" presId="urn:microsoft.com/office/officeart/2005/8/layout/chevron2"/>
     <dgm:cxn modelId="{DD7B1651-1BD0-4584-9807-BFFEEA925D9A}" srcId="{60298D36-49DA-49FF-A401-04AC1311B39B}" destId="{F3331101-9C6D-43F8-9FD0-3993F3DA78B4}" srcOrd="2" destOrd="0" parTransId="{193BA674-2184-471E-9556-47D88A500536}" sibTransId="{B16B8FBC-3605-4CA8-BDC0-C7C6B7D89FBF}"/>
     <dgm:cxn modelId="{4329AF56-E3B0-48E6-A6A7-99B9BB9EDD93}" srcId="{60298D36-49DA-49FF-A401-04AC1311B39B}" destId="{04DDB147-474E-426A-B503-BD31A823E7E3}" srcOrd="0" destOrd="0" parTransId="{2CB1F6CB-324F-4946-AC26-47F65641D5B1}" sibTransId="{B39E8586-6934-48E9-B0C6-7F69937EC0C4}"/>
-    <dgm:cxn modelId="{C7A35F41-393F-4EC9-8CEC-18F7683F3D0B}" type="presOf" srcId="{ED6FFC8E-5769-46CA-898B-9D6016759383}" destId="{BC26F767-5D9F-42F7-930B-2911AA25F742}" srcOrd="0" destOrd="0" presId="urn:microsoft.com/office/officeart/2005/8/layout/chevron2"/>
-    <dgm:cxn modelId="{D5BF580A-2219-464C-9B88-B630A8C7E0B9}" type="presOf" srcId="{6750CFF7-6D5E-4FB1-B37B-52C5F5960B5F}" destId="{EE9B4CD4-FA66-4A5A-BDAE-B3E025351597}" srcOrd="0" destOrd="0" presId="urn:microsoft.com/office/officeart/2005/8/layout/chevron2"/>
+    <dgm:cxn modelId="{90C26659-8B76-4E0B-A463-430A0FA168B4}" type="presOf" srcId="{B332DA72-6399-4840-9B1D-361D133C082D}" destId="{1DFE89F4-CBFD-4C20-B8FB-BD48E6B18A1A}" srcOrd="0" destOrd="0" presId="urn:microsoft.com/office/officeart/2005/8/layout/chevron2"/>
+    <dgm:cxn modelId="{2691E9A3-80BE-4067-B4F3-152D83ACA2D2}" srcId="{6750CFF7-6D5E-4FB1-B37B-52C5F5960B5F}" destId="{2AAB3420-C8FE-45CB-A9A0-D24F37F783ED}" srcOrd="0" destOrd="0" parTransId="{D4F687A2-B36E-4878-9F27-5E5E48A0492A}" sibTransId="{8DB9E749-2917-4214-8D7D-83D4A17B41DE}"/>
+    <dgm:cxn modelId="{5128D0DA-E00E-4F94-BC66-CDF68A1FDF27}" srcId="{60298D36-49DA-49FF-A401-04AC1311B39B}" destId="{6750CFF7-6D5E-4FB1-B37B-52C5F5960B5F}" srcOrd="1" destOrd="0" parTransId="{D5423CAC-05DA-4458-B2B5-625DA1658250}" sibTransId="{2A44A085-A05F-48DC-9453-A09E536F68D7}"/>
     <dgm:cxn modelId="{C48D37E0-DC09-4EEE-95EF-4340AB8ED859}" type="presOf" srcId="{60298D36-49DA-49FF-A401-04AC1311B39B}" destId="{CF68F8F4-20F4-422C-AE36-01D559F84A97}" srcOrd="0" destOrd="0" presId="urn:microsoft.com/office/officeart/2005/8/layout/chevron2"/>
-    <dgm:cxn modelId="{2691E9A3-80BE-4067-B4F3-152D83ACA2D2}" srcId="{6750CFF7-6D5E-4FB1-B37B-52C5F5960B5F}" destId="{2AAB3420-C8FE-45CB-A9A0-D24F37F783ED}" srcOrd="0" destOrd="0" parTransId="{D4F687A2-B36E-4878-9F27-5E5E48A0492A}" sibTransId="{8DB9E749-2917-4214-8D7D-83D4A17B41DE}"/>
-    <dgm:cxn modelId="{90C26659-8B76-4E0B-A463-430A0FA168B4}" type="presOf" srcId="{B332DA72-6399-4840-9B1D-361D133C082D}" destId="{1DFE89F4-CBFD-4C20-B8FB-BD48E6B18A1A}" srcOrd="0" destOrd="0" presId="urn:microsoft.com/office/officeart/2005/8/layout/chevron2"/>
+    <dgm:cxn modelId="{BA6D3CE0-67DA-4262-90EA-4597491A5325}" type="presOf" srcId="{07A88041-6A50-4A4B-83EC-7FD33ED507E1}" destId="{E3B770F2-8285-4F81-BB10-5A1F1DA2330F}" srcOrd="0" destOrd="0" presId="urn:microsoft.com/office/officeart/2005/8/layout/chevron2"/>
+    <dgm:cxn modelId="{E4A384E2-FAB3-48F2-B742-984427F816A0}" srcId="{F3331101-9C6D-43F8-9FD0-3993F3DA78B4}" destId="{8E048DE3-9998-4808-9282-F785E766EF01}" srcOrd="0" destOrd="0" parTransId="{8EB2C1E8-1A23-4411-B749-FB3650593042}" sibTransId="{9484EC3C-F1DA-48C0-BCE9-C62DE1B598FC}"/>
+    <dgm:cxn modelId="{DB7754F2-70EF-4624-B60B-8D14BF00A39E}" srcId="{60298D36-49DA-49FF-A401-04AC1311B39B}" destId="{07A88041-6A50-4A4B-83EC-7FD33ED507E1}" srcOrd="3" destOrd="0" parTransId="{273B257B-C713-46A2-86D0-ADADA24BC5EC}" sibTransId="{31371820-AB1D-478D-9E46-AEA5EAB0F57A}"/>
     <dgm:cxn modelId="{27A31BFF-9F69-444D-82D9-6D4E2252F036}" srcId="{07A88041-6A50-4A4B-83EC-7FD33ED507E1}" destId="{B332DA72-6399-4840-9B1D-361D133C082D}" srcOrd="0" destOrd="0" parTransId="{98AB5316-EF60-4D95-8A01-40113FA1C782}" sibTransId="{E6AA4EE6-3A23-44A2-AFC0-5E9DE10C6C91}"/>
-    <dgm:cxn modelId="{BC56C826-DBD9-408B-9A20-E50CAA62927B}" type="presOf" srcId="{F3331101-9C6D-43F8-9FD0-3993F3DA78B4}" destId="{971D468A-B3F6-41FA-8F55-36C223649765}" srcOrd="0" destOrd="0" presId="urn:microsoft.com/office/officeart/2005/8/layout/chevron2"/>
-    <dgm:cxn modelId="{AC2D0D04-D774-4126-84F8-05BBB2517E19}" srcId="{04DDB147-474E-426A-B503-BD31A823E7E3}" destId="{ED6FFC8E-5769-46CA-898B-9D6016759383}" srcOrd="0" destOrd="0" parTransId="{9E6E5B4B-504E-42FF-83CB-D2A15007340E}" sibTransId="{D4CA99F4-E005-4D47-8F1D-1D487201DB20}"/>
-    <dgm:cxn modelId="{E4A384E2-FAB3-48F2-B742-984427F816A0}" srcId="{F3331101-9C6D-43F8-9FD0-3993F3DA78B4}" destId="{8E048DE3-9998-4808-9282-F785E766EF01}" srcOrd="0" destOrd="0" parTransId="{8EB2C1E8-1A23-4411-B749-FB3650593042}" sibTransId="{9484EC3C-F1DA-48C0-BCE9-C62DE1B598FC}"/>
-    <dgm:cxn modelId="{624C7846-901D-41E0-B281-4A4AB3212889}" type="presOf" srcId="{04DDB147-474E-426A-B503-BD31A823E7E3}" destId="{947F00E3-EECA-4608-AA05-D5E63DC9D983}" srcOrd="0" destOrd="0" presId="urn:microsoft.com/office/officeart/2005/8/layout/chevron2"/>
-    <dgm:cxn modelId="{BA6D3CE0-67DA-4262-90EA-4597491A5325}" type="presOf" srcId="{07A88041-6A50-4A4B-83EC-7FD33ED507E1}" destId="{E3B770F2-8285-4F81-BB10-5A1F1DA2330F}" srcOrd="0" destOrd="0" presId="urn:microsoft.com/office/officeart/2005/8/layout/chevron2"/>
-    <dgm:cxn modelId="{F7F58941-D0FA-4E76-AFC8-69F4A5C3F014}" type="presOf" srcId="{2AAB3420-C8FE-45CB-A9A0-D24F37F783ED}" destId="{D6D55EB1-06AC-4F58-ABF8-5EF7B3B87AC4}" srcOrd="0" destOrd="0" presId="urn:microsoft.com/office/officeart/2005/8/layout/chevron2"/>
     <dgm:cxn modelId="{9E95720B-B199-4624-96D5-1123DE7BAB02}" type="presParOf" srcId="{CF68F8F4-20F4-422C-AE36-01D559F84A97}" destId="{79024C97-5BAD-4EB2-824E-6A6609D2BF2A}" srcOrd="0" destOrd="0" presId="urn:microsoft.com/office/officeart/2005/8/layout/chevron2"/>
     <dgm:cxn modelId="{1AE0ACAE-75BC-4695-9F9B-D27AB9D3E115}" type="presParOf" srcId="{79024C97-5BAD-4EB2-824E-6A6609D2BF2A}" destId="{947F00E3-EECA-4608-AA05-D5E63DC9D983}" srcOrd="0" destOrd="0" presId="urn:microsoft.com/office/officeart/2005/8/layout/chevron2"/>
     <dgm:cxn modelId="{AB35E245-2FE5-48D1-AFDE-FE1DE33A4BDA}" type="presParOf" srcId="{79024C97-5BAD-4EB2-824E-6A6609D2BF2A}" destId="{BC26F767-5D9F-42F7-930B-2911AA25F742}" srcOrd="1" destOrd="0" presId="urn:microsoft.com/office/officeart/2005/8/layout/chevron2"/>
@@ -11440,7 +11281,7 @@
         <a:p>
           <a:pPr algn="ctr" rtl="0"/>
           <a:r>
-            <a:rPr lang="en-US" dirty="0" smtClean="0"/>
+            <a:rPr lang="en-US" dirty="0"/>
             <a:t>Reads and validates the JSON and CSV files</a:t>
           </a:r>
           <a:endParaRPr lang="it-IT" dirty="0"/>
@@ -11478,12 +11319,8 @@
         <a:p>
           <a:pPr algn="ctr" rtl="0"/>
           <a:r>
-            <a:rPr lang="en-US" dirty="0" smtClean="0"/>
-            <a:t>Divides the input CSV into </a:t>
-          </a:r>
-          <a:r>
-            <a:rPr lang="en-US" dirty="0" smtClean="0"/>
-            <a:t>chunks</a:t>
+            <a:rPr lang="en-US" dirty="0"/>
+            <a:t>Divides the input CSV into chunks</a:t>
           </a:r>
           <a:endParaRPr lang="it-IT" dirty="0"/>
         </a:p>
@@ -11520,20 +11357,8 @@
         <a:p>
           <a:pPr algn="ctr" rtl="0"/>
           <a:r>
-            <a:rPr lang="en-US" dirty="0" smtClean="0"/>
-            <a:t>Keeps </a:t>
-          </a:r>
-          <a:r>
-            <a:rPr lang="en-US" dirty="0" smtClean="0"/>
-            <a:t>track of worker information such as worker ID, task in </a:t>
-          </a:r>
-          <a:r>
-            <a:rPr lang="en-US" dirty="0" smtClean="0"/>
-            <a:t>execution and </a:t>
-          </a:r>
-          <a:r>
-            <a:rPr lang="en-US" dirty="0" smtClean="0"/>
-            <a:t>state</a:t>
+            <a:rPr lang="en-US" dirty="0"/>
+            <a:t>Keeps track of worker information such as worker ID, task in execution and state</a:t>
           </a:r>
           <a:endParaRPr lang="it-IT" dirty="0"/>
         </a:p>
@@ -11570,16 +11395,8 @@
         <a:p>
           <a:pPr algn="ctr" rtl="0"/>
           <a:r>
-            <a:rPr lang="en-US" dirty="0" smtClean="0"/>
-            <a:t>Dispatches the operations to workers and keeps track of </a:t>
-          </a:r>
-          <a:r>
-            <a:rPr lang="en-US" dirty="0" smtClean="0"/>
-            <a:t>the </a:t>
-          </a:r>
-          <a:r>
-            <a:rPr lang="en-US" dirty="0" smtClean="0"/>
-            <a:t>progress</a:t>
+            <a:rPr lang="en-US" dirty="0"/>
+            <a:t>Dispatches the operations to workers and keeps track of the progress</a:t>
           </a:r>
           <a:endParaRPr lang="it-IT" dirty="0"/>
         </a:p>
@@ -11616,15 +11433,15 @@
         <a:p>
           <a:pPr algn="ctr" rtl="0"/>
           <a:r>
-            <a:rPr lang="en-US" dirty="0" smtClean="0"/>
+            <a:rPr lang="en-US" dirty="0"/>
             <a:t>Sends a ping to all workers and schedules a </a:t>
           </a:r>
           <a:r>
-            <a:rPr lang="en-US" dirty="0" err="1" smtClean="0"/>
+            <a:rPr lang="en-US" dirty="0" err="1"/>
             <a:t>pingTimeout</a:t>
           </a:r>
           <a:r>
-            <a:rPr lang="en-US" dirty="0" smtClean="0"/>
+            <a:rPr lang="en-US" dirty="0"/>
             <a:t> to detect worker failures</a:t>
           </a:r>
           <a:endParaRPr lang="it-IT" dirty="0"/>
@@ -11662,7 +11479,7 @@
         <a:p>
           <a:pPr algn="ctr" rtl="0"/>
           <a:r>
-            <a:rPr lang="en-US" dirty="0" smtClean="0"/>
+            <a:rPr lang="en-US" dirty="0"/>
             <a:t>Prepares the input for the Reduce operation</a:t>
           </a:r>
         </a:p>
@@ -11699,7 +11516,7 @@
         <a:p>
           <a:pPr algn="ctr" rtl="0"/>
           <a:r>
-            <a:rPr lang="en-US" dirty="0" smtClean="0"/>
+            <a:rPr lang="en-US" dirty="0"/>
             <a:t>Saves the result on file</a:t>
           </a:r>
         </a:p>
@@ -11736,13 +11553,6 @@
         </dgm:presLayoutVars>
       </dgm:prSet>
       <dgm:spPr/>
-      <dgm:t>
-        <a:bodyPr/>
-        <a:lstStyle/>
-        <a:p>
-          <a:endParaRPr lang="it-IT"/>
-        </a:p>
-      </dgm:t>
     </dgm:pt>
     <dgm:pt modelId="{6C6348A1-DF82-4764-A9AF-E152C813A908}" type="pres">
       <dgm:prSet presAssocID="{F8D19909-D183-400E-803E-6FAA65572A59}" presName="thickLine" presStyleLbl="alignNode1" presStyleIdx="0" presStyleCnt="7"/>
@@ -11755,13 +11565,6 @@
     <dgm:pt modelId="{8BA18FE6-12FE-445F-BBAE-16F33090130B}" type="pres">
       <dgm:prSet presAssocID="{F8D19909-D183-400E-803E-6FAA65572A59}" presName="tx1" presStyleLbl="revTx" presStyleIdx="0" presStyleCnt="7"/>
       <dgm:spPr/>
-      <dgm:t>
-        <a:bodyPr/>
-        <a:lstStyle/>
-        <a:p>
-          <a:endParaRPr lang="it-IT"/>
-        </a:p>
-      </dgm:t>
     </dgm:pt>
     <dgm:pt modelId="{1D9AB1DB-E96E-48BD-83D7-F8B2AF904464}" type="pres">
       <dgm:prSet presAssocID="{F8D19909-D183-400E-803E-6FAA65572A59}" presName="vert1" presStyleCnt="0"/>
@@ -11778,13 +11581,6 @@
     <dgm:pt modelId="{36D1C7E0-5BC1-471C-8A4B-2860860E775F}" type="pres">
       <dgm:prSet presAssocID="{FAE7BFE8-D9F0-4EC4-8A2F-DA93C93C8490}" presName="tx1" presStyleLbl="revTx" presStyleIdx="1" presStyleCnt="7"/>
       <dgm:spPr/>
-      <dgm:t>
-        <a:bodyPr/>
-        <a:lstStyle/>
-        <a:p>
-          <a:endParaRPr lang="it-IT"/>
-        </a:p>
-      </dgm:t>
     </dgm:pt>
     <dgm:pt modelId="{B100FD8A-A58B-442E-BF9D-E7AA5FFDA4E1}" type="pres">
       <dgm:prSet presAssocID="{FAE7BFE8-D9F0-4EC4-8A2F-DA93C93C8490}" presName="vert1" presStyleCnt="0"/>
@@ -11801,13 +11597,6 @@
     <dgm:pt modelId="{A4FDE170-4732-44B9-AFCF-7FC0E1A7B77E}" type="pres">
       <dgm:prSet presAssocID="{515987E9-048F-4512-A9E8-273483D9DFA7}" presName="tx1" presStyleLbl="revTx" presStyleIdx="2" presStyleCnt="7"/>
       <dgm:spPr/>
-      <dgm:t>
-        <a:bodyPr/>
-        <a:lstStyle/>
-        <a:p>
-          <a:endParaRPr lang="it-IT"/>
-        </a:p>
-      </dgm:t>
     </dgm:pt>
     <dgm:pt modelId="{749CB2E4-51C7-4E4F-AE31-05676326CF95}" type="pres">
       <dgm:prSet presAssocID="{515987E9-048F-4512-A9E8-273483D9DFA7}" presName="vert1" presStyleCnt="0"/>
@@ -11824,13 +11613,6 @@
     <dgm:pt modelId="{BB5BED2B-BBB9-4347-8921-1A5B12292D26}" type="pres">
       <dgm:prSet presAssocID="{29A30BC5-6F7A-45A0-9F68-43A1200DACAF}" presName="tx1" presStyleLbl="revTx" presStyleIdx="3" presStyleCnt="7"/>
       <dgm:spPr/>
-      <dgm:t>
-        <a:bodyPr/>
-        <a:lstStyle/>
-        <a:p>
-          <a:endParaRPr lang="it-IT"/>
-        </a:p>
-      </dgm:t>
     </dgm:pt>
     <dgm:pt modelId="{578EF0D9-A21B-4F63-B93E-D3E5464690A8}" type="pres">
       <dgm:prSet presAssocID="{29A30BC5-6F7A-45A0-9F68-43A1200DACAF}" presName="vert1" presStyleCnt="0"/>
@@ -11847,13 +11629,6 @@
     <dgm:pt modelId="{DB2484DA-CDD7-46BF-AE84-BC892F67B87E}" type="pres">
       <dgm:prSet presAssocID="{9FDD90CE-8DBA-4EA6-945B-6005BCE10DEC}" presName="tx1" presStyleLbl="revTx" presStyleIdx="4" presStyleCnt="7"/>
       <dgm:spPr/>
-      <dgm:t>
-        <a:bodyPr/>
-        <a:lstStyle/>
-        <a:p>
-          <a:endParaRPr lang="it-IT"/>
-        </a:p>
-      </dgm:t>
     </dgm:pt>
     <dgm:pt modelId="{5DE68D65-80A3-471D-AC87-A87C797B5CFA}" type="pres">
       <dgm:prSet presAssocID="{9FDD90CE-8DBA-4EA6-945B-6005BCE10DEC}" presName="vert1" presStyleCnt="0"/>
@@ -11870,13 +11645,6 @@
     <dgm:pt modelId="{BCE4B292-A738-4458-A199-3DCD45724D30}" type="pres">
       <dgm:prSet presAssocID="{C3DE1E96-F64C-4B79-9D3D-A6D590A556DE}" presName="tx1" presStyleLbl="revTx" presStyleIdx="5" presStyleCnt="7"/>
       <dgm:spPr/>
-      <dgm:t>
-        <a:bodyPr/>
-        <a:lstStyle/>
-        <a:p>
-          <a:endParaRPr lang="it-IT"/>
-        </a:p>
-      </dgm:t>
     </dgm:pt>
     <dgm:pt modelId="{587F6F9D-012D-4858-9F04-2D5628421EC8}" type="pres">
       <dgm:prSet presAssocID="{C3DE1E96-F64C-4B79-9D3D-A6D590A556DE}" presName="vert1" presStyleCnt="0"/>
@@ -11893,13 +11661,6 @@
     <dgm:pt modelId="{81762FE4-A446-4479-86A3-DA0A3A276297}" type="pres">
       <dgm:prSet presAssocID="{092DC539-CEF1-4615-8142-B981E01DFDC4}" presName="tx1" presStyleLbl="revTx" presStyleIdx="6" presStyleCnt="7"/>
       <dgm:spPr/>
-      <dgm:t>
-        <a:bodyPr/>
-        <a:lstStyle/>
-        <a:p>
-          <a:endParaRPr lang="it-IT"/>
-        </a:p>
-      </dgm:t>
     </dgm:pt>
     <dgm:pt modelId="{3E18984D-B85F-4854-8B26-C6F5E90BA6FD}" type="pres">
       <dgm:prSet presAssocID="{092DC539-CEF1-4615-8142-B981E01DFDC4}" presName="vert1" presStyleCnt="0"/>
@@ -11907,21 +11668,21 @@
     </dgm:pt>
   </dgm:ptLst>
   <dgm:cxnLst>
+    <dgm:cxn modelId="{5AD36D25-4EDB-43B0-A40F-B2E83D03B803}" type="presOf" srcId="{29A30BC5-6F7A-45A0-9F68-43A1200DACAF}" destId="{BB5BED2B-BBB9-4347-8921-1A5B12292D26}" srcOrd="0" destOrd="0" presId="urn:microsoft.com/office/officeart/2008/layout/LinedList"/>
+    <dgm:cxn modelId="{6A4B8735-B859-4E86-A831-14BD3375E17A}" type="presOf" srcId="{F8D19909-D183-400E-803E-6FAA65572A59}" destId="{8BA18FE6-12FE-445F-BBAE-16F33090130B}" srcOrd="0" destOrd="0" presId="urn:microsoft.com/office/officeart/2008/layout/LinedList"/>
+    <dgm:cxn modelId="{7803CB41-7D09-4E77-AAC7-A5FC365C5475}" type="presOf" srcId="{9FDD90CE-8DBA-4EA6-945B-6005BCE10DEC}" destId="{DB2484DA-CDD7-46BF-AE84-BC892F67B87E}" srcOrd="0" destOrd="0" presId="urn:microsoft.com/office/officeart/2008/layout/LinedList"/>
+    <dgm:cxn modelId="{963EDB46-7C1A-492D-88FD-AF219DACBD95}" type="presOf" srcId="{515987E9-048F-4512-A9E8-273483D9DFA7}" destId="{A4FDE170-4732-44B9-AFCF-7FC0E1A7B77E}" srcOrd="0" destOrd="0" presId="urn:microsoft.com/office/officeart/2008/layout/LinedList"/>
+    <dgm:cxn modelId="{F852C25A-73F7-4CE7-B138-2393FFA14AD0}" srcId="{0FE4DD4F-C035-4519-AD14-BB8A3A8734D7}" destId="{515987E9-048F-4512-A9E8-273483D9DFA7}" srcOrd="2" destOrd="0" parTransId="{7E1F82C0-6885-48CF-BD48-A322551C8AB6}" sibTransId="{B2452D47-9F3A-454B-8C3D-CCEB8A58289F}"/>
+    <dgm:cxn modelId="{135B2268-8295-46CD-8B73-AB1B52DD1BF9}" type="presOf" srcId="{C3DE1E96-F64C-4B79-9D3D-A6D590A556DE}" destId="{BCE4B292-A738-4458-A199-3DCD45724D30}" srcOrd="0" destOrd="0" presId="urn:microsoft.com/office/officeart/2008/layout/LinedList"/>
+    <dgm:cxn modelId="{6671C96B-A589-4604-AEFE-FF135ABD174F}" srcId="{0FE4DD4F-C035-4519-AD14-BB8A3A8734D7}" destId="{092DC539-CEF1-4615-8142-B981E01DFDC4}" srcOrd="6" destOrd="0" parTransId="{926BEB1C-A607-4E28-A3EC-17E5F2DD403C}" sibTransId="{A58E3182-C052-47D1-8677-3014B60532AB}"/>
+    <dgm:cxn modelId="{E2370F75-C339-4D96-A465-6E81F9377CAE}" type="presOf" srcId="{092DC539-CEF1-4615-8142-B981E01DFDC4}" destId="{81762FE4-A446-4479-86A3-DA0A3A276297}" srcOrd="0" destOrd="0" presId="urn:microsoft.com/office/officeart/2008/layout/LinedList"/>
+    <dgm:cxn modelId="{36875884-282C-4AAF-A8D7-67928782EB6C}" srcId="{0FE4DD4F-C035-4519-AD14-BB8A3A8734D7}" destId="{C3DE1E96-F64C-4B79-9D3D-A6D590A556DE}" srcOrd="5" destOrd="0" parTransId="{18C48831-EEF4-44FE-9594-585CAB0869AE}" sibTransId="{505AF0BD-20B7-49DD-8338-55E08BE5786A}"/>
+    <dgm:cxn modelId="{DABB98B9-4E82-4F29-89E5-235A5DA34789}" srcId="{0FE4DD4F-C035-4519-AD14-BB8A3A8734D7}" destId="{29A30BC5-6F7A-45A0-9F68-43A1200DACAF}" srcOrd="3" destOrd="0" parTransId="{7096C89B-45D4-413F-9246-D33EEA41E4D9}" sibTransId="{6940B8F8-D78E-46F3-A7C2-8C21F8F07E27}"/>
+    <dgm:cxn modelId="{37B6CBCA-298F-4F1E-80C6-D2784EA48B36}" type="presOf" srcId="{0FE4DD4F-C035-4519-AD14-BB8A3A8734D7}" destId="{761BA34D-5AAF-46B9-8CD0-846DC797B343}" srcOrd="0" destOrd="0" presId="urn:microsoft.com/office/officeart/2008/layout/LinedList"/>
+    <dgm:cxn modelId="{421507E1-2CD0-48D2-8C79-CF81ACE306BB}" type="presOf" srcId="{FAE7BFE8-D9F0-4EC4-8A2F-DA93C93C8490}" destId="{36D1C7E0-5BC1-471C-8A4B-2860860E775F}" srcOrd="0" destOrd="0" presId="urn:microsoft.com/office/officeart/2008/layout/LinedList"/>
     <dgm:cxn modelId="{20A1A3EF-D6FC-4668-8D2D-733B02A6A316}" srcId="{0FE4DD4F-C035-4519-AD14-BB8A3A8734D7}" destId="{F8D19909-D183-400E-803E-6FAA65572A59}" srcOrd="0" destOrd="0" parTransId="{0966A973-E9B7-485F-89D4-FF93D9A38E87}" sibTransId="{D0E114FC-32FD-46DD-94D5-0F276D3B8104}"/>
-    <dgm:cxn modelId="{7803CB41-7D09-4E77-AAC7-A5FC365C5475}" type="presOf" srcId="{9FDD90CE-8DBA-4EA6-945B-6005BCE10DEC}" destId="{DB2484DA-CDD7-46BF-AE84-BC892F67B87E}" srcOrd="0" destOrd="0" presId="urn:microsoft.com/office/officeart/2008/layout/LinedList"/>
-    <dgm:cxn modelId="{DABB98B9-4E82-4F29-89E5-235A5DA34789}" srcId="{0FE4DD4F-C035-4519-AD14-BB8A3A8734D7}" destId="{29A30BC5-6F7A-45A0-9F68-43A1200DACAF}" srcOrd="3" destOrd="0" parTransId="{7096C89B-45D4-413F-9246-D33EEA41E4D9}" sibTransId="{6940B8F8-D78E-46F3-A7C2-8C21F8F07E27}"/>
-    <dgm:cxn modelId="{E2370F75-C339-4D96-A465-6E81F9377CAE}" type="presOf" srcId="{092DC539-CEF1-4615-8142-B981E01DFDC4}" destId="{81762FE4-A446-4479-86A3-DA0A3A276297}" srcOrd="0" destOrd="0" presId="urn:microsoft.com/office/officeart/2008/layout/LinedList"/>
+    <dgm:cxn modelId="{A40FD3EF-8F37-4CEE-B20C-69412E7BF453}" srcId="{0FE4DD4F-C035-4519-AD14-BB8A3A8734D7}" destId="{FAE7BFE8-D9F0-4EC4-8A2F-DA93C93C8490}" srcOrd="1" destOrd="0" parTransId="{FD86CEDD-F162-43EE-8F2B-0D9A98DBD91E}" sibTransId="{A1D3A398-3C96-428B-905A-7ACE26376529}"/>
     <dgm:cxn modelId="{07175EF5-F8FE-41A4-BC6C-31853303FE1C}" srcId="{0FE4DD4F-C035-4519-AD14-BB8A3A8734D7}" destId="{9FDD90CE-8DBA-4EA6-945B-6005BCE10DEC}" srcOrd="4" destOrd="0" parTransId="{4AB90D11-4C69-466C-B54D-0D82BD0F1EAA}" sibTransId="{2DD0967E-B782-46F7-BBA1-13997D126C5B}"/>
-    <dgm:cxn modelId="{6A4B8735-B859-4E86-A831-14BD3375E17A}" type="presOf" srcId="{F8D19909-D183-400E-803E-6FAA65572A59}" destId="{8BA18FE6-12FE-445F-BBAE-16F33090130B}" srcOrd="0" destOrd="0" presId="urn:microsoft.com/office/officeart/2008/layout/LinedList"/>
-    <dgm:cxn modelId="{963EDB46-7C1A-492D-88FD-AF219DACBD95}" type="presOf" srcId="{515987E9-048F-4512-A9E8-273483D9DFA7}" destId="{A4FDE170-4732-44B9-AFCF-7FC0E1A7B77E}" srcOrd="0" destOrd="0" presId="urn:microsoft.com/office/officeart/2008/layout/LinedList"/>
-    <dgm:cxn modelId="{36875884-282C-4AAF-A8D7-67928782EB6C}" srcId="{0FE4DD4F-C035-4519-AD14-BB8A3A8734D7}" destId="{C3DE1E96-F64C-4B79-9D3D-A6D590A556DE}" srcOrd="5" destOrd="0" parTransId="{18C48831-EEF4-44FE-9594-585CAB0869AE}" sibTransId="{505AF0BD-20B7-49DD-8338-55E08BE5786A}"/>
-    <dgm:cxn modelId="{F852C25A-73F7-4CE7-B138-2393FFA14AD0}" srcId="{0FE4DD4F-C035-4519-AD14-BB8A3A8734D7}" destId="{515987E9-048F-4512-A9E8-273483D9DFA7}" srcOrd="2" destOrd="0" parTransId="{7E1F82C0-6885-48CF-BD48-A322551C8AB6}" sibTransId="{B2452D47-9F3A-454B-8C3D-CCEB8A58289F}"/>
-    <dgm:cxn modelId="{421507E1-2CD0-48D2-8C79-CF81ACE306BB}" type="presOf" srcId="{FAE7BFE8-D9F0-4EC4-8A2F-DA93C93C8490}" destId="{36D1C7E0-5BC1-471C-8A4B-2860860E775F}" srcOrd="0" destOrd="0" presId="urn:microsoft.com/office/officeart/2008/layout/LinedList"/>
-    <dgm:cxn modelId="{A40FD3EF-8F37-4CEE-B20C-69412E7BF453}" srcId="{0FE4DD4F-C035-4519-AD14-BB8A3A8734D7}" destId="{FAE7BFE8-D9F0-4EC4-8A2F-DA93C93C8490}" srcOrd="1" destOrd="0" parTransId="{FD86CEDD-F162-43EE-8F2B-0D9A98DBD91E}" sibTransId="{A1D3A398-3C96-428B-905A-7ACE26376529}"/>
-    <dgm:cxn modelId="{5AD36D25-4EDB-43B0-A40F-B2E83D03B803}" type="presOf" srcId="{29A30BC5-6F7A-45A0-9F68-43A1200DACAF}" destId="{BB5BED2B-BBB9-4347-8921-1A5B12292D26}" srcOrd="0" destOrd="0" presId="urn:microsoft.com/office/officeart/2008/layout/LinedList"/>
-    <dgm:cxn modelId="{6671C96B-A589-4604-AEFE-FF135ABD174F}" srcId="{0FE4DD4F-C035-4519-AD14-BB8A3A8734D7}" destId="{092DC539-CEF1-4615-8142-B981E01DFDC4}" srcOrd="6" destOrd="0" parTransId="{926BEB1C-A607-4E28-A3EC-17E5F2DD403C}" sibTransId="{A58E3182-C052-47D1-8677-3014B60532AB}"/>
-    <dgm:cxn modelId="{135B2268-8295-46CD-8B73-AB1B52DD1BF9}" type="presOf" srcId="{C3DE1E96-F64C-4B79-9D3D-A6D590A556DE}" destId="{BCE4B292-A738-4458-A199-3DCD45724D30}" srcOrd="0" destOrd="0" presId="urn:microsoft.com/office/officeart/2008/layout/LinedList"/>
-    <dgm:cxn modelId="{37B6CBCA-298F-4F1E-80C6-D2784EA48B36}" type="presOf" srcId="{0FE4DD4F-C035-4519-AD14-BB8A3A8734D7}" destId="{761BA34D-5AAF-46B9-8CD0-846DC797B343}" srcOrd="0" destOrd="0" presId="urn:microsoft.com/office/officeart/2008/layout/LinedList"/>
     <dgm:cxn modelId="{B4BA041F-2FF4-4FF6-8DE2-BCBA5A5954D5}" type="presParOf" srcId="{761BA34D-5AAF-46B9-8CD0-846DC797B343}" destId="{6C6348A1-DF82-4764-A9AF-E152C813A908}" srcOrd="0" destOrd="0" presId="urn:microsoft.com/office/officeart/2008/layout/LinedList"/>
     <dgm:cxn modelId="{35D1F6E1-816F-46E4-A8B8-9E27AAA320F1}" type="presParOf" srcId="{761BA34D-5AAF-46B9-8CD0-846DC797B343}" destId="{40B05FEF-8656-49E4-A1A5-D6C424F04499}" srcOrd="1" destOrd="0" presId="urn:microsoft.com/office/officeart/2008/layout/LinedList"/>
     <dgm:cxn modelId="{DEC05A56-6686-4306-A760-9C73DDAE81A4}" type="presParOf" srcId="{40B05FEF-8656-49E4-A1A5-D6C424F04499}" destId="{8BA18FE6-12FE-445F-BBAE-16F33090130B}" srcOrd="0" destOrd="0" presId="urn:microsoft.com/office/officeart/2008/layout/LinedList"/>
@@ -11984,20 +11745,8 @@
         <a:p>
           <a:pPr rtl="0"/>
           <a:r>
-            <a:rPr lang="en-US" dirty="0" smtClean="0"/>
-            <a:t>Assigns </a:t>
-          </a:r>
-          <a:r>
-            <a:rPr lang="en-US" dirty="0" smtClean="0"/>
-            <a:t>operations </a:t>
-          </a:r>
-          <a:r>
-            <a:rPr lang="en-US" dirty="0" smtClean="0"/>
-            <a:t>to free workers by sending </a:t>
-          </a:r>
-          <a:r>
-            <a:rPr lang="en-US" dirty="0" smtClean="0"/>
-            <a:t>an execute message, records which operation is assigned to which worker.</a:t>
+            <a:rPr lang="en-US" dirty="0"/>
+            <a:t>Assigns operations to free workers by sending an execute message, records which operation is assigned to which worker.</a:t>
           </a:r>
           <a:endParaRPr lang="it-IT" dirty="0"/>
         </a:p>
@@ -12034,12 +11783,8 @@
         <a:p>
           <a:pPr rtl="0"/>
           <a:r>
-            <a:rPr lang="en-US" dirty="0" smtClean="0"/>
-            <a:t>When a worker completes </a:t>
-          </a:r>
-          <a:r>
-            <a:rPr lang="en-US" dirty="0" smtClean="0"/>
-            <a:t>an operation it notifies the coordinator, who stores the result. A new operation is scheduled on that worker.</a:t>
+            <a:rPr lang="en-US" dirty="0"/>
+            <a:t>When a worker completes an operation it notifies the coordinator, who stores the result. A new operation is scheduled on that worker.</a:t>
           </a:r>
           <a:endParaRPr lang="it-IT" dirty="0"/>
         </a:p>
@@ -12076,7 +11821,7 @@
         <a:p>
           <a:pPr rtl="0"/>
           <a:r>
-            <a:rPr lang="en-US" dirty="0" smtClean="0"/>
+            <a:rPr lang="en-US" dirty="0"/>
             <a:t>Map operations are completed sequentially, only when an operation is completed on every chunk the coordinator starts scheduling the following operation.</a:t>
           </a:r>
           <a:endParaRPr lang="it-IT" dirty="0"/>
@@ -12114,40 +11859,16 @@
         <a:p>
           <a:pPr rtl="0"/>
           <a:r>
-            <a:rPr lang="en-US" dirty="0" smtClean="0"/>
+            <a:rPr lang="en-US" dirty="0"/>
             <a:t>Periodically pings workers, and if no response is received before the </a:t>
           </a:r>
           <a:r>
-            <a:rPr lang="en-US" dirty="0" err="1" smtClean="0"/>
+            <a:rPr lang="en-US" dirty="0" err="1"/>
             <a:t>pingTimeout</a:t>
           </a:r>
           <a:r>
-            <a:rPr lang="en-US" dirty="0" smtClean="0"/>
-            <a:t>, marks </a:t>
-          </a:r>
-          <a:r>
-            <a:rPr lang="en-US" dirty="0" smtClean="0"/>
-            <a:t>the worker as </a:t>
-          </a:r>
-          <a:r>
-            <a:rPr lang="en-US" dirty="0" smtClean="0"/>
-            <a:t>failed. When </a:t>
-          </a:r>
-          <a:r>
-            <a:rPr lang="en-US" dirty="0" smtClean="0"/>
-            <a:t>a worker executing </a:t>
-          </a:r>
-          <a:r>
-            <a:rPr lang="en-US" dirty="0" smtClean="0"/>
-            <a:t>an operation </a:t>
-          </a:r>
-          <a:r>
-            <a:rPr lang="en-US" dirty="0" smtClean="0"/>
-            <a:t>fails, </a:t>
-          </a:r>
-          <a:r>
-            <a:rPr lang="en-US" dirty="0" smtClean="0"/>
-            <a:t>the operation is re-scheduled on a free worker.</a:t>
+            <a:rPr lang="en-US" dirty="0"/>
+            <a:t>, marks the worker as failed. When a worker executing an operation fails, the operation is re-scheduled on a free worker.</a:t>
           </a:r>
           <a:endParaRPr lang="it-IT" dirty="0"/>
         </a:p>
@@ -12184,16 +11905,8 @@
         <a:p>
           <a:pPr rtl="0"/>
           <a:r>
-            <a:rPr lang="en-US" dirty="0" smtClean="0"/>
-            <a:t>When all map operations are completed, </a:t>
-          </a:r>
-          <a:r>
-            <a:rPr lang="en-US" dirty="0" smtClean="0"/>
-            <a:t>the </a:t>
-          </a:r>
-          <a:r>
-            <a:rPr lang="en-US" dirty="0" smtClean="0"/>
-            <a:t>coordinator prepares the input for the reduce operation.</a:t>
+            <a:rPr lang="en-US" dirty="0"/>
+            <a:t>When all map operations are completed, the coordinator prepares the input for the reduce operation.</a:t>
           </a:r>
           <a:endParaRPr lang="it-IT" dirty="0"/>
         </a:p>
@@ -12230,7 +11943,7 @@
         <a:p>
           <a:pPr rtl="0"/>
           <a:r>
-            <a:rPr lang="en-US" dirty="0" smtClean="0"/>
+            <a:rPr lang="en-US" dirty="0"/>
             <a:t>The reduce operation is scheduled on free workers and the final result is written to file.</a:t>
           </a:r>
           <a:endParaRPr lang="it-IT" dirty="0"/>
@@ -12268,13 +11981,6 @@
         </dgm:presLayoutVars>
       </dgm:prSet>
       <dgm:spPr/>
-      <dgm:t>
-        <a:bodyPr/>
-        <a:lstStyle/>
-        <a:p>
-          <a:endParaRPr lang="it-IT"/>
-        </a:p>
-      </dgm:t>
     </dgm:pt>
     <dgm:pt modelId="{E72B7D26-C179-4459-86FC-DCE9431F7000}" type="pres">
       <dgm:prSet presAssocID="{A062F600-5995-431F-916D-788CEAC17AC2}" presName="Name1" presStyleCnt="0"/>
@@ -12291,13 +11997,6 @@
     <dgm:pt modelId="{E0730FD5-D9D4-4AB2-86ED-050158F3DC15}" type="pres">
       <dgm:prSet presAssocID="{A062F600-5995-431F-916D-788CEAC17AC2}" presName="conn" presStyleLbl="parChTrans1D2" presStyleIdx="0" presStyleCnt="1"/>
       <dgm:spPr/>
-      <dgm:t>
-        <a:bodyPr/>
-        <a:lstStyle/>
-        <a:p>
-          <a:endParaRPr lang="it-IT"/>
-        </a:p>
-      </dgm:t>
     </dgm:pt>
     <dgm:pt modelId="{DFB439E9-ADD4-434E-934F-06869989822A}" type="pres">
       <dgm:prSet presAssocID="{A062F600-5995-431F-916D-788CEAC17AC2}" presName="extraNode" presStyleLbl="node1" presStyleIdx="0" presStyleCnt="6"/>
@@ -12314,13 +12013,6 @@
         </dgm:presLayoutVars>
       </dgm:prSet>
       <dgm:spPr/>
-      <dgm:t>
-        <a:bodyPr/>
-        <a:lstStyle/>
-        <a:p>
-          <a:endParaRPr lang="it-IT"/>
-        </a:p>
-      </dgm:t>
     </dgm:pt>
     <dgm:pt modelId="{B768F4F6-400F-4DC9-B4D7-AD32C7BCCEDC}" type="pres">
       <dgm:prSet presAssocID="{9A015D97-2464-4866-858D-C62D3178C47C}" presName="accent_1" presStyleCnt="0"/>
@@ -12337,13 +12029,6 @@
         </dgm:presLayoutVars>
       </dgm:prSet>
       <dgm:spPr/>
-      <dgm:t>
-        <a:bodyPr/>
-        <a:lstStyle/>
-        <a:p>
-          <a:endParaRPr lang="it-IT"/>
-        </a:p>
-      </dgm:t>
     </dgm:pt>
     <dgm:pt modelId="{E6B602A4-BF34-4A23-A152-17AAA5F012CB}" type="pres">
       <dgm:prSet presAssocID="{4F392880-75A3-40BC-BE06-D0FEEF813DFD}" presName="accent_2" presStyleCnt="0"/>
@@ -12360,13 +12045,6 @@
         </dgm:presLayoutVars>
       </dgm:prSet>
       <dgm:spPr/>
-      <dgm:t>
-        <a:bodyPr/>
-        <a:lstStyle/>
-        <a:p>
-          <a:endParaRPr lang="it-IT"/>
-        </a:p>
-      </dgm:t>
     </dgm:pt>
     <dgm:pt modelId="{9D77C1E0-D678-4A7F-A06D-F2FBC87EFD0E}" type="pres">
       <dgm:prSet presAssocID="{84237675-5EBB-42C0-BF46-B6F304DA9C59}" presName="accent_3" presStyleCnt="0"/>
@@ -12383,13 +12061,6 @@
         </dgm:presLayoutVars>
       </dgm:prSet>
       <dgm:spPr/>
-      <dgm:t>
-        <a:bodyPr/>
-        <a:lstStyle/>
-        <a:p>
-          <a:endParaRPr lang="it-IT"/>
-        </a:p>
-      </dgm:t>
     </dgm:pt>
     <dgm:pt modelId="{E92FDE1C-0AEA-420B-ACEA-3D81C11ECC44}" type="pres">
       <dgm:prSet presAssocID="{E622D6B9-65E8-476E-A8DD-28074ACAD28E}" presName="accent_4" presStyleCnt="0"/>
@@ -12406,13 +12077,6 @@
         </dgm:presLayoutVars>
       </dgm:prSet>
       <dgm:spPr/>
-      <dgm:t>
-        <a:bodyPr/>
-        <a:lstStyle/>
-        <a:p>
-          <a:endParaRPr lang="it-IT"/>
-        </a:p>
-      </dgm:t>
     </dgm:pt>
     <dgm:pt modelId="{62323181-2F2F-493D-A18E-208AC168A5E9}" type="pres">
       <dgm:prSet presAssocID="{474C156C-CFF0-46B3-85C5-F44DBC94752D}" presName="accent_5" presStyleCnt="0"/>
@@ -12429,13 +12093,6 @@
         </dgm:presLayoutVars>
       </dgm:prSet>
       <dgm:spPr/>
-      <dgm:t>
-        <a:bodyPr/>
-        <a:lstStyle/>
-        <a:p>
-          <a:endParaRPr lang="it-IT"/>
-        </a:p>
-      </dgm:t>
     </dgm:pt>
     <dgm:pt modelId="{7B04CD07-6A99-43E0-B736-E883F3192268}" type="pres">
       <dgm:prSet presAssocID="{617EFEB2-FB08-45E3-88E8-B764AE380960}" presName="accent_6" presStyleCnt="0"/>
@@ -12447,19 +12104,19 @@
     </dgm:pt>
   </dgm:ptLst>
   <dgm:cxnLst>
+    <dgm:cxn modelId="{BD81FE03-808A-495D-AD9E-3EBB4AB1F412}" type="presOf" srcId="{A062F600-5995-431F-916D-788CEAC17AC2}" destId="{00038D6E-4216-4D52-9384-16EBCB5016B8}" srcOrd="0" destOrd="0" presId="urn:microsoft.com/office/officeart/2008/layout/VerticalCurvedList"/>
+    <dgm:cxn modelId="{54FE3114-472F-44B9-BEE3-7EF86581C694}" srcId="{A062F600-5995-431F-916D-788CEAC17AC2}" destId="{617EFEB2-FB08-45E3-88E8-B764AE380960}" srcOrd="5" destOrd="0" parTransId="{91223C5C-215A-4133-BDFA-8C53C7095D64}" sibTransId="{9AB8F153-25EA-4896-8C43-A3A1CB59C673}"/>
     <dgm:cxn modelId="{5274361E-28FC-44A0-9443-1115DF48879D}" srcId="{A062F600-5995-431F-916D-788CEAC17AC2}" destId="{9A015D97-2464-4866-858D-C62D3178C47C}" srcOrd="0" destOrd="0" parTransId="{9CE3AFE1-5A1A-47ED-9C7C-A4DBBF47F70E}" sibTransId="{BBCBE5BD-DF25-4962-9DBC-972764FBF4AE}"/>
-    <dgm:cxn modelId="{EA943DC5-A4B3-4368-9A24-8AB958D49446}" srcId="{A062F600-5995-431F-916D-788CEAC17AC2}" destId="{474C156C-CFF0-46B3-85C5-F44DBC94752D}" srcOrd="4" destOrd="0" parTransId="{E011A525-97F8-4A74-8EB1-98202CC356E5}" sibTransId="{2B4F9728-310E-44BB-835A-1E195E892C85}"/>
     <dgm:cxn modelId="{DCADF91F-114F-4EEE-A950-0BA5035B7624}" type="presOf" srcId="{E622D6B9-65E8-476E-A8DD-28074ACAD28E}" destId="{2FF4B654-A710-4FC2-876D-BFF2CC73A6C7}" srcOrd="0" destOrd="0" presId="urn:microsoft.com/office/officeart/2008/layout/VerticalCurvedList"/>
-    <dgm:cxn modelId="{54FE3114-472F-44B9-BEE3-7EF86581C694}" srcId="{A062F600-5995-431F-916D-788CEAC17AC2}" destId="{617EFEB2-FB08-45E3-88E8-B764AE380960}" srcOrd="5" destOrd="0" parTransId="{91223C5C-215A-4133-BDFA-8C53C7095D64}" sibTransId="{9AB8F153-25EA-4896-8C43-A3A1CB59C673}"/>
+    <dgm:cxn modelId="{63404D2D-9781-42F4-A265-597575A6E1F1}" type="presOf" srcId="{4F392880-75A3-40BC-BE06-D0FEEF813DFD}" destId="{F802905C-FB10-4280-82A4-50C2BB625C3E}" srcOrd="0" destOrd="0" presId="urn:microsoft.com/office/officeart/2008/layout/VerticalCurvedList"/>
+    <dgm:cxn modelId="{178D0B54-6449-4721-8554-0CA629B6C5E4}" type="presOf" srcId="{617EFEB2-FB08-45E3-88E8-B764AE380960}" destId="{C0BCB178-E2C0-4B93-997C-437EDA0EF64B}" srcOrd="0" destOrd="0" presId="urn:microsoft.com/office/officeart/2008/layout/VerticalCurvedList"/>
+    <dgm:cxn modelId="{86102657-3539-40A8-83AC-A2933F1A13A7}" type="presOf" srcId="{BBCBE5BD-DF25-4962-9DBC-972764FBF4AE}" destId="{E0730FD5-D9D4-4AB2-86ED-050158F3DC15}" srcOrd="0" destOrd="0" presId="urn:microsoft.com/office/officeart/2008/layout/VerticalCurvedList"/>
+    <dgm:cxn modelId="{4DAD966D-AC7B-4532-AEA3-B7A276343A57}" type="presOf" srcId="{474C156C-CFF0-46B3-85C5-F44DBC94752D}" destId="{261D1D3E-ECC7-4E95-8BCE-977DB60D7651}" srcOrd="0" destOrd="0" presId="urn:microsoft.com/office/officeart/2008/layout/VerticalCurvedList"/>
+    <dgm:cxn modelId="{51F4EB71-80E9-4BB2-99DF-CBDB8037181C}" srcId="{A062F600-5995-431F-916D-788CEAC17AC2}" destId="{4F392880-75A3-40BC-BE06-D0FEEF813DFD}" srcOrd="1" destOrd="0" parTransId="{4FCA8717-1B9F-4C19-B764-A61E9AF61A09}" sibTransId="{597CD7B3-6523-4E52-BDFE-9C7B83347CB5}"/>
+    <dgm:cxn modelId="{A1834C79-1BAE-4F9C-9D08-515AE819C9BB}" type="presOf" srcId="{84237675-5EBB-42C0-BF46-B6F304DA9C59}" destId="{239953D8-9B9E-4838-B871-64CBC48B91C5}" srcOrd="0" destOrd="0" presId="urn:microsoft.com/office/officeart/2008/layout/VerticalCurvedList"/>
     <dgm:cxn modelId="{A964FB8F-48B0-4D1B-B119-AAC1265E5DCB}" type="presOf" srcId="{9A015D97-2464-4866-858D-C62D3178C47C}" destId="{ED331F4A-F6BC-41D2-9F88-D0A8352B06A8}" srcOrd="0" destOrd="0" presId="urn:microsoft.com/office/officeart/2008/layout/VerticalCurvedList"/>
     <dgm:cxn modelId="{2A723EC0-472B-49D3-9CCE-9D879497469C}" srcId="{A062F600-5995-431F-916D-788CEAC17AC2}" destId="{E622D6B9-65E8-476E-A8DD-28074ACAD28E}" srcOrd="3" destOrd="0" parTransId="{1B6453E9-20C8-4A22-8331-E5A43572F49A}" sibTransId="{C2ADFF50-91D2-4A3F-AF0A-2FEF611EC821}"/>
-    <dgm:cxn modelId="{86102657-3539-40A8-83AC-A2933F1A13A7}" type="presOf" srcId="{BBCBE5BD-DF25-4962-9DBC-972764FBF4AE}" destId="{E0730FD5-D9D4-4AB2-86ED-050158F3DC15}" srcOrd="0" destOrd="0" presId="urn:microsoft.com/office/officeart/2008/layout/VerticalCurvedList"/>
-    <dgm:cxn modelId="{51F4EB71-80E9-4BB2-99DF-CBDB8037181C}" srcId="{A062F600-5995-431F-916D-788CEAC17AC2}" destId="{4F392880-75A3-40BC-BE06-D0FEEF813DFD}" srcOrd="1" destOrd="0" parTransId="{4FCA8717-1B9F-4C19-B764-A61E9AF61A09}" sibTransId="{597CD7B3-6523-4E52-BDFE-9C7B83347CB5}"/>
-    <dgm:cxn modelId="{4DAD966D-AC7B-4532-AEA3-B7A276343A57}" type="presOf" srcId="{474C156C-CFF0-46B3-85C5-F44DBC94752D}" destId="{261D1D3E-ECC7-4E95-8BCE-977DB60D7651}" srcOrd="0" destOrd="0" presId="urn:microsoft.com/office/officeart/2008/layout/VerticalCurvedList"/>
-    <dgm:cxn modelId="{178D0B54-6449-4721-8554-0CA629B6C5E4}" type="presOf" srcId="{617EFEB2-FB08-45E3-88E8-B764AE380960}" destId="{C0BCB178-E2C0-4B93-997C-437EDA0EF64B}" srcOrd="0" destOrd="0" presId="urn:microsoft.com/office/officeart/2008/layout/VerticalCurvedList"/>
-    <dgm:cxn modelId="{BD81FE03-808A-495D-AD9E-3EBB4AB1F412}" type="presOf" srcId="{A062F600-5995-431F-916D-788CEAC17AC2}" destId="{00038D6E-4216-4D52-9384-16EBCB5016B8}" srcOrd="0" destOrd="0" presId="urn:microsoft.com/office/officeart/2008/layout/VerticalCurvedList"/>
-    <dgm:cxn modelId="{A1834C79-1BAE-4F9C-9D08-515AE819C9BB}" type="presOf" srcId="{84237675-5EBB-42C0-BF46-B6F304DA9C59}" destId="{239953D8-9B9E-4838-B871-64CBC48B91C5}" srcOrd="0" destOrd="0" presId="urn:microsoft.com/office/officeart/2008/layout/VerticalCurvedList"/>
-    <dgm:cxn modelId="{63404D2D-9781-42F4-A265-597575A6E1F1}" type="presOf" srcId="{4F392880-75A3-40BC-BE06-D0FEEF813DFD}" destId="{F802905C-FB10-4280-82A4-50C2BB625C3E}" srcOrd="0" destOrd="0" presId="urn:microsoft.com/office/officeart/2008/layout/VerticalCurvedList"/>
+    <dgm:cxn modelId="{EA943DC5-A4B3-4368-9A24-8AB958D49446}" srcId="{A062F600-5995-431F-916D-788CEAC17AC2}" destId="{474C156C-CFF0-46B3-85C5-F44DBC94752D}" srcOrd="4" destOrd="0" parTransId="{E011A525-97F8-4A74-8EB1-98202CC356E5}" sibTransId="{2B4F9728-310E-44BB-835A-1E195E892C85}"/>
     <dgm:cxn modelId="{55412AE8-8B07-47BA-84E2-67FD85888480}" srcId="{A062F600-5995-431F-916D-788CEAC17AC2}" destId="{84237675-5EBB-42C0-BF46-B6F304DA9C59}" srcOrd="2" destOrd="0" parTransId="{FE949FF9-5D35-47A1-B48C-4400920B032E}" sibTransId="{33F40FDE-09A0-4B0C-B6C9-DE0AF2C826D8}"/>
     <dgm:cxn modelId="{EF65E246-6529-407B-9457-E8B42F99F464}" type="presParOf" srcId="{00038D6E-4216-4D52-9384-16EBCB5016B8}" destId="{E72B7D26-C179-4459-86FC-DCE9431F7000}" srcOrd="0" destOrd="0" presId="urn:microsoft.com/office/officeart/2008/layout/VerticalCurvedList"/>
     <dgm:cxn modelId="{412EADFB-0BF3-4FCE-9BD5-61CA96DF8EC0}" type="presParOf" srcId="{E72B7D26-C179-4459-86FC-DCE9431F7000}" destId="{146BF5F5-7C20-4E3B-B2A7-9C9E97FCC44F}" srcOrd="0" destOrd="0" presId="urn:microsoft.com/office/officeart/2008/layout/VerticalCurvedList"/>
@@ -12519,16 +12176,8 @@
         <a:p>
           <a:pPr rtl="0"/>
           <a:r>
-            <a:rPr lang="en-US" dirty="0" smtClean="0"/>
-            <a:t>Receives an </a:t>
-          </a:r>
-          <a:r>
-            <a:rPr lang="en-US" dirty="0" smtClean="0"/>
-            <a:t>execute message </a:t>
-          </a:r>
-          <a:r>
-            <a:rPr lang="en-US" dirty="0" smtClean="0"/>
-            <a:t>from the coordinator.</a:t>
+            <a:rPr lang="en-US" dirty="0"/>
+            <a:t>Receives an execute message from the coordinator.</a:t>
           </a:r>
           <a:endParaRPr lang="it-IT" dirty="0"/>
         </a:p>
@@ -12565,7 +12214,7 @@
         <a:p>
           <a:pPr rtl="0"/>
           <a:r>
-            <a:rPr lang="en-US" smtClean="0"/>
+            <a:rPr lang="en-US"/>
             <a:t>Parses the operation type, reads the corresponding data chunk, and executes the operation.</a:t>
           </a:r>
           <a:endParaRPr lang="it-IT"/>
@@ -12603,7 +12252,7 @@
         <a:p>
           <a:pPr rtl="0"/>
           <a:r>
-            <a:rPr lang="en-US" dirty="0" smtClean="0"/>
+            <a:rPr lang="en-US" dirty="0"/>
             <a:t>Computes the output and simulates execution time. </a:t>
           </a:r>
           <a:endParaRPr lang="it-IT" dirty="0"/>
@@ -12641,24 +12290,8 @@
         <a:p>
           <a:pPr rtl="0"/>
           <a:r>
-            <a:rPr lang="en-US" dirty="0" smtClean="0"/>
-            <a:t>After the </a:t>
-          </a:r>
-          <a:r>
-            <a:rPr lang="en-US" dirty="0" smtClean="0"/>
-            <a:t>execution time</a:t>
-          </a:r>
-          <a:r>
-            <a:rPr lang="en-US" dirty="0" smtClean="0"/>
-            <a:t>, sends </a:t>
-          </a:r>
-          <a:r>
-            <a:rPr lang="en-US" dirty="0" smtClean="0"/>
-            <a:t>the result to </a:t>
-          </a:r>
-          <a:r>
-            <a:rPr lang="en-US" dirty="0" smtClean="0"/>
-            <a:t>the coordinator.</a:t>
+            <a:rPr lang="en-US" dirty="0"/>
+            <a:t>After the execution time, sends the result to the coordinator.</a:t>
           </a:r>
           <a:endParaRPr lang="it-IT" dirty="0"/>
         </a:p>
@@ -12695,7 +12328,7 @@
         <a:p>
           <a:pPr rtl="0"/>
           <a:r>
-            <a:rPr lang="en-US" smtClean="0"/>
+            <a:rPr lang="en-US"/>
             <a:t>Responds to pings with a pong.</a:t>
           </a:r>
           <a:endParaRPr lang="it-IT"/>
@@ -12733,20 +12366,8 @@
         <a:p>
           <a:pPr rtl="0"/>
           <a:r>
-            <a:rPr lang="en-US" dirty="0" smtClean="0"/>
-            <a:t>May fail with a certain probability after receiving an </a:t>
-          </a:r>
-          <a:r>
-            <a:rPr lang="en-US" dirty="0" smtClean="0"/>
-            <a:t>execute </a:t>
-          </a:r>
-          <a:r>
-            <a:rPr lang="en-US" dirty="0" smtClean="0"/>
-            <a:t>message, in which case it drops the </a:t>
-          </a:r>
-          <a:r>
-            <a:rPr lang="en-US" dirty="0" smtClean="0"/>
-            <a:t>task and after a certain amount of time, when it recovers, it notifies the coordinator.</a:t>
+            <a:rPr lang="en-US" dirty="0"/>
+            <a:t>May fail with a certain probability after receiving an execute message, in which case it drops the task and after a certain amount of time, when it recovers, it notifies the coordinator.</a:t>
           </a:r>
           <a:endParaRPr lang="it-IT" dirty="0"/>
         </a:p>
@@ -12783,13 +12404,6 @@
         </dgm:presLayoutVars>
       </dgm:prSet>
       <dgm:spPr/>
-      <dgm:t>
-        <a:bodyPr/>
-        <a:lstStyle/>
-        <a:p>
-          <a:endParaRPr lang="it-IT"/>
-        </a:p>
-      </dgm:t>
     </dgm:pt>
     <dgm:pt modelId="{9123E89C-B47B-4BBF-AD66-D2E78332DA18}" type="pres">
       <dgm:prSet presAssocID="{5794D00B-6439-48BF-8815-F6D83BC15F75}" presName="Name1" presStyleCnt="0"/>
@@ -12806,13 +12420,6 @@
     <dgm:pt modelId="{85C54505-3656-4083-85C5-3F814E0B3E8F}" type="pres">
       <dgm:prSet presAssocID="{5794D00B-6439-48BF-8815-F6D83BC15F75}" presName="conn" presStyleLbl="parChTrans1D2" presStyleIdx="0" presStyleCnt="1"/>
       <dgm:spPr/>
-      <dgm:t>
-        <a:bodyPr/>
-        <a:lstStyle/>
-        <a:p>
-          <a:endParaRPr lang="it-IT"/>
-        </a:p>
-      </dgm:t>
     </dgm:pt>
     <dgm:pt modelId="{B95831F4-45A8-42D0-9815-1459098BFA68}" type="pres">
       <dgm:prSet presAssocID="{5794D00B-6439-48BF-8815-F6D83BC15F75}" presName="extraNode" presStyleLbl="node1" presStyleIdx="0" presStyleCnt="6"/>
@@ -12829,13 +12436,6 @@
         </dgm:presLayoutVars>
       </dgm:prSet>
       <dgm:spPr/>
-      <dgm:t>
-        <a:bodyPr/>
-        <a:lstStyle/>
-        <a:p>
-          <a:endParaRPr lang="it-IT"/>
-        </a:p>
-      </dgm:t>
     </dgm:pt>
     <dgm:pt modelId="{0A6CD409-209A-436F-B6E7-83232FCE055D}" type="pres">
       <dgm:prSet presAssocID="{54BCD379-AF4B-4652-9A73-D7A0E3289690}" presName="accent_1" presStyleCnt="0"/>
@@ -12852,13 +12452,6 @@
         </dgm:presLayoutVars>
       </dgm:prSet>
       <dgm:spPr/>
-      <dgm:t>
-        <a:bodyPr/>
-        <a:lstStyle/>
-        <a:p>
-          <a:endParaRPr lang="it-IT"/>
-        </a:p>
-      </dgm:t>
     </dgm:pt>
     <dgm:pt modelId="{CA54D06E-0F97-46B9-89FF-C786771A49BE}" type="pres">
       <dgm:prSet presAssocID="{0F05CBD2-2A2D-4C70-835C-A22B3EF8F5E9}" presName="accent_2" presStyleCnt="0"/>
@@ -12875,13 +12468,6 @@
         </dgm:presLayoutVars>
       </dgm:prSet>
       <dgm:spPr/>
-      <dgm:t>
-        <a:bodyPr/>
-        <a:lstStyle/>
-        <a:p>
-          <a:endParaRPr lang="it-IT"/>
-        </a:p>
-      </dgm:t>
     </dgm:pt>
     <dgm:pt modelId="{A5D5F9BB-4890-400A-9FD6-0FC7157DB7A8}" type="pres">
       <dgm:prSet presAssocID="{7A5F5C3B-2E1F-46EE-97B6-919B3FA9C038}" presName="accent_3" presStyleCnt="0"/>
@@ -12898,13 +12484,6 @@
         </dgm:presLayoutVars>
       </dgm:prSet>
       <dgm:spPr/>
-      <dgm:t>
-        <a:bodyPr/>
-        <a:lstStyle/>
-        <a:p>
-          <a:endParaRPr lang="it-IT"/>
-        </a:p>
-      </dgm:t>
     </dgm:pt>
     <dgm:pt modelId="{7F056F53-00B0-4563-B2FD-E1595CE44F4A}" type="pres">
       <dgm:prSet presAssocID="{2CB5A7A5-EC4C-4253-A055-521DAFF94786}" presName="accent_4" presStyleCnt="0"/>
@@ -12921,13 +12500,6 @@
         </dgm:presLayoutVars>
       </dgm:prSet>
       <dgm:spPr/>
-      <dgm:t>
-        <a:bodyPr/>
-        <a:lstStyle/>
-        <a:p>
-          <a:endParaRPr lang="it-IT"/>
-        </a:p>
-      </dgm:t>
     </dgm:pt>
     <dgm:pt modelId="{52C73F70-45F6-46D0-8669-267B1E02A0A1}" type="pres">
       <dgm:prSet presAssocID="{14DF0ED0-37CF-45B7-820B-8CA55F406C18}" presName="accent_5" presStyleCnt="0"/>
@@ -12944,13 +12516,6 @@
         </dgm:presLayoutVars>
       </dgm:prSet>
       <dgm:spPr/>
-      <dgm:t>
-        <a:bodyPr/>
-        <a:lstStyle/>
-        <a:p>
-          <a:endParaRPr lang="it-IT"/>
-        </a:p>
-      </dgm:t>
     </dgm:pt>
     <dgm:pt modelId="{F120B977-83BD-4102-83CF-D1F4BC123755}" type="pres">
       <dgm:prSet presAssocID="{66079CF8-6E2B-4B00-9E36-3F53A6B6818A}" presName="accent_6" presStyleCnt="0"/>
@@ -12962,20 +12527,20 @@
     </dgm:pt>
   </dgm:ptLst>
   <dgm:cxnLst>
+    <dgm:cxn modelId="{9B8C400D-2B2C-4736-8ABF-5D77F96554C9}" type="presOf" srcId="{54BCD379-AF4B-4652-9A73-D7A0E3289690}" destId="{DA85E9B0-ABC1-41CF-AE04-157CDE0F0A04}" srcOrd="0" destOrd="0" presId="urn:microsoft.com/office/officeart/2008/layout/VerticalCurvedList"/>
+    <dgm:cxn modelId="{BEB69614-B5FC-4BC4-B4D0-BDA870106E4B}" type="presOf" srcId="{2CB5A7A5-EC4C-4253-A055-521DAFF94786}" destId="{2DB561A2-07F4-464B-A6A5-2EDBB313BD09}" srcOrd="0" destOrd="0" presId="urn:microsoft.com/office/officeart/2008/layout/VerticalCurvedList"/>
+    <dgm:cxn modelId="{A4684526-7750-4110-8228-45724D32C315}" srcId="{5794D00B-6439-48BF-8815-F6D83BC15F75}" destId="{54BCD379-AF4B-4652-9A73-D7A0E3289690}" srcOrd="0" destOrd="0" parTransId="{9B615AC1-2DEB-461F-B97E-F8820B0C85B1}" sibTransId="{DBA76FE6-889D-421E-850C-5FA03B551EEE}"/>
     <dgm:cxn modelId="{3C3E7235-56CC-4D5F-8570-27F8CC4F3551}" srcId="{5794D00B-6439-48BF-8815-F6D83BC15F75}" destId="{14DF0ED0-37CF-45B7-820B-8CA55F406C18}" srcOrd="4" destOrd="0" parTransId="{B419E5A3-969A-4103-B308-49061393FA8E}" sibTransId="{23ED9681-3829-4E0B-B573-C39DFF2E2444}"/>
-    <dgm:cxn modelId="{A4684526-7750-4110-8228-45724D32C315}" srcId="{5794D00B-6439-48BF-8815-F6D83BC15F75}" destId="{54BCD379-AF4B-4652-9A73-D7A0E3289690}" srcOrd="0" destOrd="0" parTransId="{9B615AC1-2DEB-461F-B97E-F8820B0C85B1}" sibTransId="{DBA76FE6-889D-421E-850C-5FA03B551EEE}"/>
+    <dgm:cxn modelId="{850B755F-E9D4-4780-9F5C-B580EE7FC143}" type="presOf" srcId="{14DF0ED0-37CF-45B7-820B-8CA55F406C18}" destId="{375B4EF3-FBB9-408A-BA73-C8A75931CD8B}" srcOrd="0" destOrd="0" presId="urn:microsoft.com/office/officeart/2008/layout/VerticalCurvedList"/>
+    <dgm:cxn modelId="{81E8A76A-D5A1-4FA1-8D95-14A7CF2F9884}" type="presOf" srcId="{0F05CBD2-2A2D-4C70-835C-A22B3EF8F5E9}" destId="{61522A60-0B7C-43A1-9D25-8703CE96DD67}" srcOrd="0" destOrd="0" presId="urn:microsoft.com/office/officeart/2008/layout/VerticalCurvedList"/>
     <dgm:cxn modelId="{20286790-A490-4EF0-AB40-440513DDF10B}" srcId="{5794D00B-6439-48BF-8815-F6D83BC15F75}" destId="{2CB5A7A5-EC4C-4253-A055-521DAFF94786}" srcOrd="3" destOrd="0" parTransId="{427F7566-F604-43E6-8D22-19B2C7A1F520}" sibTransId="{797F8ACB-F6CC-4437-894E-267E65613646}"/>
-    <dgm:cxn modelId="{B75124FD-FBCB-4A70-A0DD-0473DD5230FD}" srcId="{5794D00B-6439-48BF-8815-F6D83BC15F75}" destId="{7A5F5C3B-2E1F-46EE-97B6-919B3FA9C038}" srcOrd="2" destOrd="0" parTransId="{F1AA0D21-532A-412F-A7D8-6F7ECC4094F2}" sibTransId="{8006636A-6EC7-412C-8CEA-18C2B48E5E7E}"/>
-    <dgm:cxn modelId="{9B8C400D-2B2C-4736-8ABF-5D77F96554C9}" type="presOf" srcId="{54BCD379-AF4B-4652-9A73-D7A0E3289690}" destId="{DA85E9B0-ABC1-41CF-AE04-157CDE0F0A04}" srcOrd="0" destOrd="0" presId="urn:microsoft.com/office/officeart/2008/layout/VerticalCurvedList"/>
-    <dgm:cxn modelId="{BEBCA0F4-5FD5-4780-AB92-24FC5870A682}" srcId="{5794D00B-6439-48BF-8815-F6D83BC15F75}" destId="{0F05CBD2-2A2D-4C70-835C-A22B3EF8F5E9}" srcOrd="1" destOrd="0" parTransId="{035A5AB2-18DE-45C0-A58C-4A331AC10ECB}" sibTransId="{3B62B4D5-4867-4142-89BD-9D963A163F1F}"/>
-    <dgm:cxn modelId="{850B755F-E9D4-4780-9F5C-B580EE7FC143}" type="presOf" srcId="{14DF0ED0-37CF-45B7-820B-8CA55F406C18}" destId="{375B4EF3-FBB9-408A-BA73-C8A75931CD8B}" srcOrd="0" destOrd="0" presId="urn:microsoft.com/office/officeart/2008/layout/VerticalCurvedList"/>
+    <dgm:cxn modelId="{2372CFA0-D263-4779-871B-B33D6E5F0723}" type="presOf" srcId="{7A5F5C3B-2E1F-46EE-97B6-919B3FA9C038}" destId="{4DB7AEF0-98B9-4303-97CC-2B05FAB4445C}" srcOrd="0" destOrd="0" presId="urn:microsoft.com/office/officeart/2008/layout/VerticalCurvedList"/>
     <dgm:cxn modelId="{1FCF38A2-B992-47E6-AED2-E0B10E125D04}" type="presOf" srcId="{5794D00B-6439-48BF-8815-F6D83BC15F75}" destId="{CD9472EB-AE49-4A91-BA9A-2929A7BBB22B}" srcOrd="0" destOrd="0" presId="urn:microsoft.com/office/officeart/2008/layout/VerticalCurvedList"/>
-    <dgm:cxn modelId="{E93E6CD2-6A08-42B4-A92C-7468B01F242E}" type="presOf" srcId="{66079CF8-6E2B-4B00-9E36-3F53A6B6818A}" destId="{740925FC-48B4-4027-9763-AB24884B3ADC}" srcOrd="0" destOrd="0" presId="urn:microsoft.com/office/officeart/2008/layout/VerticalCurvedList"/>
-    <dgm:cxn modelId="{BEB69614-B5FC-4BC4-B4D0-BDA870106E4B}" type="presOf" srcId="{2CB5A7A5-EC4C-4253-A055-521DAFF94786}" destId="{2DB561A2-07F4-464B-A6A5-2EDBB313BD09}" srcOrd="0" destOrd="0" presId="urn:microsoft.com/office/officeart/2008/layout/VerticalCurvedList"/>
-    <dgm:cxn modelId="{2372CFA0-D263-4779-871B-B33D6E5F0723}" type="presOf" srcId="{7A5F5C3B-2E1F-46EE-97B6-919B3FA9C038}" destId="{4DB7AEF0-98B9-4303-97CC-2B05FAB4445C}" srcOrd="0" destOrd="0" presId="urn:microsoft.com/office/officeart/2008/layout/VerticalCurvedList"/>
     <dgm:cxn modelId="{44F2E1B4-E28A-4ACD-9342-C31AA3506823}" type="presOf" srcId="{DBA76FE6-889D-421E-850C-5FA03B551EEE}" destId="{85C54505-3656-4083-85C5-3F814E0B3E8F}" srcOrd="0" destOrd="0" presId="urn:microsoft.com/office/officeart/2008/layout/VerticalCurvedList"/>
     <dgm:cxn modelId="{961A97CD-DBF2-469C-9458-D87BF4BDF7E4}" srcId="{5794D00B-6439-48BF-8815-F6D83BC15F75}" destId="{66079CF8-6E2B-4B00-9E36-3F53A6B6818A}" srcOrd="5" destOrd="0" parTransId="{AB7F9101-C842-4C4C-8C45-2B1AA18053C5}" sibTransId="{99130F46-E128-4623-B28D-3DD54483BE7D}"/>
-    <dgm:cxn modelId="{81E8A76A-D5A1-4FA1-8D95-14A7CF2F9884}" type="presOf" srcId="{0F05CBD2-2A2D-4C70-835C-A22B3EF8F5E9}" destId="{61522A60-0B7C-43A1-9D25-8703CE96DD67}" srcOrd="0" destOrd="0" presId="urn:microsoft.com/office/officeart/2008/layout/VerticalCurvedList"/>
+    <dgm:cxn modelId="{E93E6CD2-6A08-42B4-A92C-7468B01F242E}" type="presOf" srcId="{66079CF8-6E2B-4B00-9E36-3F53A6B6818A}" destId="{740925FC-48B4-4027-9763-AB24884B3ADC}" srcOrd="0" destOrd="0" presId="urn:microsoft.com/office/officeart/2008/layout/VerticalCurvedList"/>
+    <dgm:cxn modelId="{BEBCA0F4-5FD5-4780-AB92-24FC5870A682}" srcId="{5794D00B-6439-48BF-8815-F6D83BC15F75}" destId="{0F05CBD2-2A2D-4C70-835C-A22B3EF8F5E9}" srcOrd="1" destOrd="0" parTransId="{035A5AB2-18DE-45C0-A58C-4A331AC10ECB}" sibTransId="{3B62B4D5-4867-4142-89BD-9D963A163F1F}"/>
+    <dgm:cxn modelId="{B75124FD-FBCB-4A70-A0DD-0473DD5230FD}" srcId="{5794D00B-6439-48BF-8815-F6D83BC15F75}" destId="{7A5F5C3B-2E1F-46EE-97B6-919B3FA9C038}" srcOrd="2" destOrd="0" parTransId="{F1AA0D21-532A-412F-A7D8-6F7ECC4094F2}" sibTransId="{8006636A-6EC7-412C-8CEA-18C2B48E5E7E}"/>
     <dgm:cxn modelId="{B93E677C-2C0E-4A98-86FC-ED6095A51F48}" type="presParOf" srcId="{CD9472EB-AE49-4A91-BA9A-2929A7BBB22B}" destId="{9123E89C-B47B-4BBF-AD66-D2E78332DA18}" srcOrd="0" destOrd="0" presId="urn:microsoft.com/office/officeart/2008/layout/VerticalCurvedList"/>
     <dgm:cxn modelId="{9D8F872F-6C8A-4CD8-A62A-C283E5A778ED}" type="presParOf" srcId="{9123E89C-B47B-4BBF-AD66-D2E78332DA18}" destId="{58154F5D-EA9C-4405-82B9-5EF8CA33AF47}" srcOrd="0" destOrd="0" presId="urn:microsoft.com/office/officeart/2008/layout/VerticalCurvedList"/>
     <dgm:cxn modelId="{0E7AC104-2BB9-4034-A1FB-1AE9E7C70250}" type="presParOf" srcId="{58154F5D-EA9C-4405-82B9-5EF8CA33AF47}" destId="{1E807FC2-1213-4A0C-B141-F0690784EDA1}" srcOrd="0" destOrd="0" presId="urn:microsoft.com/office/officeart/2008/layout/VerticalCurvedList"/>
@@ -13076,7 +12641,7 @@
         </a:bodyPr>
         <a:lstStyle/>
         <a:p>
-          <a:pPr lvl="0" algn="ctr" defTabSz="1022350">
+          <a:pPr marL="0" lvl="0" indent="0" algn="ctr" defTabSz="1022350">
             <a:lnSpc>
               <a:spcPct val="90000"/>
             </a:lnSpc>
@@ -13086,12 +12651,12 @@
             <a:spcAft>
               <a:spcPct val="35000"/>
             </a:spcAft>
+            <a:buNone/>
           </a:pPr>
           <a:r>
-            <a:rPr lang="it-IT" sz="2300" kern="1200" dirty="0" smtClean="0"/>
+            <a:rPr lang="it-IT" sz="2300" kern="1200" dirty="0"/>
             <a:t>1</a:t>
           </a:r>
-          <a:endParaRPr lang="it-IT" sz="2300" kern="1200" dirty="0"/>
         </a:p>
       </dsp:txBody>
       <dsp:txXfrm rot="-5400000">
@@ -13147,12 +12712,12 @@
         <a:fontRef idx="minor"/>
       </dsp:style>
       <dsp:txBody>
-        <a:bodyPr spcFirstLastPara="0" vert="horz" wrap="square" lIns="156464" tIns="13970" rIns="13970" bIns="13970" numCol="1" spcCol="1270" anchor="ctr" anchorCtr="0">
+        <a:bodyPr spcFirstLastPara="0" vert="horz" wrap="square" lIns="170688" tIns="15240" rIns="15240" bIns="15240" numCol="1" spcCol="1270" anchor="ctr" anchorCtr="0">
           <a:noAutofit/>
         </a:bodyPr>
         <a:lstStyle/>
         <a:p>
-          <a:pPr marL="228600" lvl="1" indent="-228600" algn="l" defTabSz="977900">
+          <a:pPr marL="228600" lvl="1" indent="-228600" algn="l" defTabSz="1066800">
             <a:lnSpc>
               <a:spcPct val="90000"/>
             </a:lnSpc>
@@ -13162,25 +12727,25 @@
             <a:spcAft>
               <a:spcPct val="15000"/>
             </a:spcAft>
-            <a:buChar char="••"/>
+            <a:buChar char="•"/>
           </a:pPr>
           <a:r>
-            <a:rPr lang="it-IT" sz="2200" kern="1200" dirty="0" smtClean="0"/>
-            <a:t>CSV file </a:t>
+            <a:rPr lang="it-IT" sz="2400" kern="1200" dirty="0"/>
+            <a:t>Input pairs </a:t>
           </a:r>
           <a:r>
-            <a:rPr lang="it-IT" sz="2200" kern="1200" dirty="0" err="1" smtClean="0"/>
+            <a:rPr lang="it-IT" sz="2400" kern="1200" dirty="0" err="1"/>
             <a:t>divided</a:t>
           </a:r>
           <a:r>
-            <a:rPr lang="it-IT" sz="2200" kern="1200" dirty="0" smtClean="0"/>
+            <a:rPr lang="it-IT" sz="2400" kern="1200" dirty="0"/>
             <a:t> in </a:t>
           </a:r>
           <a:r>
-            <a:rPr lang="it-IT" sz="2200" kern="1200" dirty="0" err="1" smtClean="0"/>
+            <a:rPr lang="it-IT" sz="2400" kern="1200" dirty="0" err="1"/>
             <a:t>chunks</a:t>
           </a:r>
-          <a:endParaRPr lang="it-IT" sz="2200" kern="1200" dirty="0"/>
+          <a:endParaRPr lang="it-IT" sz="2400" kern="1200" dirty="0"/>
         </a:p>
       </dsp:txBody>
       <dsp:txXfrm rot="-5400000">
@@ -13245,7 +12810,7 @@
         </a:bodyPr>
         <a:lstStyle/>
         <a:p>
-          <a:pPr lvl="0" algn="ctr" defTabSz="1022350">
+          <a:pPr marL="0" lvl="0" indent="0" algn="ctr" defTabSz="1022350">
             <a:lnSpc>
               <a:spcPct val="90000"/>
             </a:lnSpc>
@@ -13255,12 +12820,12 @@
             <a:spcAft>
               <a:spcPct val="35000"/>
             </a:spcAft>
+            <a:buNone/>
           </a:pPr>
           <a:r>
-            <a:rPr lang="it-IT" sz="2300" kern="1200" dirty="0" smtClean="0"/>
+            <a:rPr lang="it-IT" sz="2300" kern="1200" dirty="0"/>
             <a:t>2</a:t>
           </a:r>
-          <a:endParaRPr lang="it-IT" sz="2300" kern="1200" dirty="0"/>
         </a:p>
       </dsp:txBody>
       <dsp:txXfrm rot="-5400000">
@@ -13316,12 +12881,12 @@
         <a:fontRef idx="minor"/>
       </dsp:style>
       <dsp:txBody>
-        <a:bodyPr spcFirstLastPara="0" vert="horz" wrap="square" lIns="156464" tIns="13970" rIns="13970" bIns="13970" numCol="1" spcCol="1270" anchor="ctr" anchorCtr="0">
+        <a:bodyPr spcFirstLastPara="0" vert="horz" wrap="square" lIns="170688" tIns="15240" rIns="15240" bIns="15240" numCol="1" spcCol="1270" anchor="ctr" anchorCtr="0">
           <a:noAutofit/>
         </a:bodyPr>
         <a:lstStyle/>
         <a:p>
-          <a:pPr marL="228600" lvl="1" indent="-228600" algn="l" defTabSz="977900">
+          <a:pPr marL="228600" lvl="1" indent="-228600" algn="l" defTabSz="1066800">
             <a:lnSpc>
               <a:spcPct val="90000"/>
             </a:lnSpc>
@@ -13331,45 +12896,45 @@
             <a:spcAft>
               <a:spcPct val="15000"/>
             </a:spcAft>
-            <a:buChar char="••"/>
+            <a:buChar char="•"/>
           </a:pPr>
           <a:r>
-            <a:rPr lang="it-IT" sz="2200" kern="1200" dirty="0" err="1" smtClean="0"/>
+            <a:rPr lang="it-IT" sz="2400" kern="1200" dirty="0" err="1"/>
             <a:t>Execute</a:t>
           </a:r>
           <a:r>
-            <a:rPr lang="it-IT" sz="2200" kern="1200" dirty="0" smtClean="0"/>
+            <a:rPr lang="it-IT" sz="2400" kern="1200" dirty="0"/>
             <a:t> </a:t>
           </a:r>
           <a:r>
-            <a:rPr lang="it-IT" sz="2200" kern="1200" dirty="0" err="1" smtClean="0"/>
+            <a:rPr lang="it-IT" sz="2400" kern="1200" dirty="0" err="1"/>
             <a:t>map</a:t>
           </a:r>
           <a:r>
-            <a:rPr lang="it-IT" sz="2200" kern="1200" dirty="0" smtClean="0"/>
+            <a:rPr lang="it-IT" sz="2400" kern="1200" dirty="0"/>
             <a:t> </a:t>
           </a:r>
           <a:r>
-            <a:rPr lang="it-IT" sz="2200" kern="1200" dirty="0" err="1" smtClean="0"/>
+            <a:rPr lang="it-IT" sz="2400" kern="1200" dirty="0" err="1"/>
             <a:t>operation</a:t>
           </a:r>
           <a:r>
-            <a:rPr lang="it-IT" sz="2200" kern="1200" dirty="0" smtClean="0"/>
+            <a:rPr lang="it-IT" sz="2400" kern="1200" dirty="0"/>
             <a:t> on </a:t>
           </a:r>
           <a:r>
-            <a:rPr lang="it-IT" sz="2200" kern="1200" dirty="0" err="1" smtClean="0"/>
+            <a:rPr lang="it-IT" sz="2400" kern="1200" dirty="0" err="1"/>
             <a:t>every</a:t>
           </a:r>
           <a:r>
-            <a:rPr lang="it-IT" sz="2200" kern="1200" dirty="0" smtClean="0"/>
+            <a:rPr lang="it-IT" sz="2400" kern="1200" dirty="0"/>
             <a:t> </a:t>
           </a:r>
           <a:r>
-            <a:rPr lang="it-IT" sz="2200" kern="1200" dirty="0" err="1" smtClean="0"/>
+            <a:rPr lang="it-IT" sz="2400" kern="1200" dirty="0" err="1"/>
             <a:t>chunk</a:t>
           </a:r>
-          <a:endParaRPr lang="it-IT" sz="2200" kern="1200" dirty="0"/>
+          <a:endParaRPr lang="it-IT" sz="2400" kern="1200" dirty="0"/>
         </a:p>
       </dsp:txBody>
       <dsp:txXfrm rot="-5400000">
@@ -13434,7 +12999,7 @@
         </a:bodyPr>
         <a:lstStyle/>
         <a:p>
-          <a:pPr lvl="0" algn="ctr" defTabSz="1022350">
+          <a:pPr marL="0" lvl="0" indent="0" algn="ctr" defTabSz="1022350">
             <a:lnSpc>
               <a:spcPct val="90000"/>
             </a:lnSpc>
@@ -13444,12 +13009,12 @@
             <a:spcAft>
               <a:spcPct val="35000"/>
             </a:spcAft>
+            <a:buNone/>
           </a:pPr>
           <a:r>
-            <a:rPr lang="it-IT" sz="2300" kern="1200" dirty="0" smtClean="0"/>
+            <a:rPr lang="it-IT" sz="2300" kern="1200" dirty="0"/>
             <a:t>3</a:t>
           </a:r>
-          <a:endParaRPr lang="it-IT" sz="2300" kern="1200" dirty="0"/>
         </a:p>
       </dsp:txBody>
       <dsp:txXfrm rot="-5400000">
@@ -13505,12 +13070,12 @@
         <a:fontRef idx="minor"/>
       </dsp:style>
       <dsp:txBody>
-        <a:bodyPr spcFirstLastPara="0" vert="horz" wrap="square" lIns="156464" tIns="13970" rIns="13970" bIns="13970" numCol="1" spcCol="1270" anchor="ctr" anchorCtr="0">
+        <a:bodyPr spcFirstLastPara="0" vert="horz" wrap="square" lIns="170688" tIns="15240" rIns="15240" bIns="15240" numCol="1" spcCol="1270" anchor="ctr" anchorCtr="0">
           <a:noAutofit/>
         </a:bodyPr>
         <a:lstStyle/>
         <a:p>
-          <a:pPr marL="228600" lvl="1" indent="-228600" algn="l" defTabSz="977900">
+          <a:pPr marL="228600" lvl="1" indent="-228600" algn="l" defTabSz="1066800">
             <a:lnSpc>
               <a:spcPct val="90000"/>
             </a:lnSpc>
@@ -13520,69 +13085,16 @@
             <a:spcAft>
               <a:spcPct val="15000"/>
             </a:spcAft>
-            <a:buChar char="••"/>
+            <a:buChar char="•"/>
           </a:pPr>
           <a:r>
-            <a:rPr lang="it-IT" sz="2200" kern="1200" dirty="0" err="1" smtClean="0"/>
+            <a:rPr lang="it-IT" sz="2400" kern="1200" dirty="0" err="1"/>
             <a:t>Prepare</a:t>
           </a:r>
           <a:r>
-            <a:rPr lang="it-IT" sz="2200" kern="1200" dirty="0" smtClean="0"/>
-            <a:t> </a:t>
+            <a:rPr lang="it-IT" sz="2400" kern="1200" dirty="0"/>
+            <a:t> Reduce Data</a:t>
           </a:r>
-          <a:r>
-            <a:rPr lang="it-IT" sz="2200" kern="1200" dirty="0" smtClean="0"/>
-            <a:t>«Reduce Data» (list of &lt;</a:t>
-          </a:r>
-          <a:r>
-            <a:rPr lang="it-IT" sz="2200" kern="1200" dirty="0" err="1" smtClean="0"/>
-            <a:t>key</a:t>
-          </a:r>
-          <a:r>
-            <a:rPr lang="it-IT" sz="2200" kern="1200" dirty="0" smtClean="0"/>
-            <a:t>, </a:t>
-          </a:r>
-          <a:r>
-            <a:rPr lang="it-IT" sz="2200" kern="1200" dirty="0" err="1" smtClean="0"/>
-            <a:t>result</a:t>
-          </a:r>
-          <a:r>
-            <a:rPr lang="it-IT" sz="2200" kern="1200" dirty="0" smtClean="0"/>
-            <a:t>&gt; so </a:t>
-          </a:r>
-          <a:r>
-            <a:rPr lang="it-IT" sz="2200" kern="1200" dirty="0" err="1" smtClean="0"/>
-            <a:t>that</a:t>
-          </a:r>
-          <a:r>
-            <a:rPr lang="it-IT" sz="2200" kern="1200" dirty="0" smtClean="0"/>
-            <a:t> #</a:t>
-          </a:r>
-          <a:r>
-            <a:rPr lang="it-IT" sz="2200" kern="1200" dirty="0" err="1" smtClean="0"/>
-            <a:t>chunks</a:t>
-          </a:r>
-          <a:r>
-            <a:rPr lang="it-IT" sz="2200" kern="1200" dirty="0" smtClean="0"/>
-            <a:t> = #</a:t>
-          </a:r>
-          <a:r>
-            <a:rPr lang="it-IT" sz="2200" kern="1200" dirty="0" err="1" smtClean="0"/>
-            <a:t>different</a:t>
-          </a:r>
-          <a:r>
-            <a:rPr lang="it-IT" sz="2200" kern="1200" dirty="0" smtClean="0"/>
-            <a:t> </a:t>
-          </a:r>
-          <a:r>
-            <a:rPr lang="it-IT" sz="2200" kern="1200" dirty="0" err="1" smtClean="0"/>
-            <a:t>keys</a:t>
-          </a:r>
-          <a:r>
-            <a:rPr lang="it-IT" sz="2200" kern="1200" dirty="0" smtClean="0"/>
-            <a:t> in CSV )</a:t>
-          </a:r>
-          <a:endParaRPr lang="it-IT" sz="2200" kern="1200" dirty="0"/>
         </a:p>
       </dsp:txBody>
       <dsp:txXfrm rot="-5400000">
@@ -13647,7 +13159,7 @@
         </a:bodyPr>
         <a:lstStyle/>
         <a:p>
-          <a:pPr lvl="0" algn="ctr" defTabSz="1022350">
+          <a:pPr marL="0" lvl="0" indent="0" algn="ctr" defTabSz="1022350">
             <a:lnSpc>
               <a:spcPct val="90000"/>
             </a:lnSpc>
@@ -13657,12 +13169,12 @@
             <a:spcAft>
               <a:spcPct val="35000"/>
             </a:spcAft>
+            <a:buNone/>
           </a:pPr>
           <a:r>
-            <a:rPr lang="it-IT" sz="2300" kern="1200" dirty="0" smtClean="0"/>
+            <a:rPr lang="it-IT" sz="2300" kern="1200" dirty="0"/>
             <a:t>4</a:t>
           </a:r>
-          <a:endParaRPr lang="it-IT" sz="2300" kern="1200" dirty="0"/>
         </a:p>
       </dsp:txBody>
       <dsp:txXfrm rot="-5400000">
@@ -13718,12 +13230,12 @@
         <a:fontRef idx="minor"/>
       </dsp:style>
       <dsp:txBody>
-        <a:bodyPr spcFirstLastPara="0" vert="horz" wrap="square" lIns="156464" tIns="13970" rIns="13970" bIns="13970" numCol="1" spcCol="1270" anchor="ctr" anchorCtr="0">
+        <a:bodyPr spcFirstLastPara="0" vert="horz" wrap="square" lIns="170688" tIns="15240" rIns="15240" bIns="15240" numCol="1" spcCol="1270" anchor="ctr" anchorCtr="0">
           <a:noAutofit/>
         </a:bodyPr>
         <a:lstStyle/>
         <a:p>
-          <a:pPr marL="228600" lvl="1" indent="-228600" algn="l" defTabSz="977900">
+          <a:pPr marL="228600" lvl="1" indent="-228600" algn="l" defTabSz="1066800">
             <a:lnSpc>
               <a:spcPct val="90000"/>
             </a:lnSpc>
@@ -13733,17 +13245,16 @@
             <a:spcAft>
               <a:spcPct val="15000"/>
             </a:spcAft>
-            <a:buChar char="••"/>
+            <a:buChar char="•"/>
           </a:pPr>
           <a:r>
-            <a:rPr lang="it-IT" sz="2200" kern="1200" dirty="0" err="1" smtClean="0"/>
+            <a:rPr lang="it-IT" sz="2400" kern="1200" dirty="0" err="1"/>
             <a:t>Execute</a:t>
           </a:r>
           <a:r>
-            <a:rPr lang="it-IT" sz="2200" kern="1200" dirty="0" smtClean="0"/>
+            <a:rPr lang="it-IT" sz="2400" kern="1200" dirty="0"/>
             <a:t> Reduce</a:t>
           </a:r>
-          <a:endParaRPr lang="it-IT" sz="2200" kern="1200" dirty="0"/>
         </a:p>
       </dsp:txBody>
       <dsp:txXfrm rot="-5400000">
@@ -13888,7 +13399,7 @@
         </a:bodyPr>
         <a:lstStyle/>
         <a:p>
-          <a:pPr lvl="0" algn="ctr" defTabSz="577850" rtl="0">
+          <a:pPr marL="0" lvl="0" indent="0" algn="ctr" defTabSz="577850" rtl="0">
             <a:lnSpc>
               <a:spcPct val="90000"/>
             </a:lnSpc>
@@ -13898,9 +13409,10 @@
             <a:spcAft>
               <a:spcPct val="35000"/>
             </a:spcAft>
+            <a:buNone/>
           </a:pPr>
           <a:r>
-            <a:rPr lang="en-US" sz="1300" kern="1200" dirty="0" smtClean="0"/>
+            <a:rPr lang="en-US" sz="1300" kern="1200" dirty="0"/>
             <a:t>Reads and validates the JSON and CSV files</a:t>
           </a:r>
           <a:endParaRPr lang="it-IT" sz="1300" kern="1200" dirty="0"/>
@@ -14036,7 +13548,7 @@
         </a:bodyPr>
         <a:lstStyle/>
         <a:p>
-          <a:pPr lvl="0" algn="ctr" defTabSz="577850" rtl="0">
+          <a:pPr marL="0" lvl="0" indent="0" algn="ctr" defTabSz="577850" rtl="0">
             <a:lnSpc>
               <a:spcPct val="90000"/>
             </a:lnSpc>
@@ -14046,14 +13558,11 @@
             <a:spcAft>
               <a:spcPct val="35000"/>
             </a:spcAft>
+            <a:buNone/>
           </a:pPr>
           <a:r>
-            <a:rPr lang="en-US" sz="1300" kern="1200" dirty="0" smtClean="0"/>
-            <a:t>Divides the input CSV into </a:t>
-          </a:r>
-          <a:r>
-            <a:rPr lang="en-US" sz="1300" kern="1200" dirty="0" smtClean="0"/>
-            <a:t>chunks</a:t>
+            <a:rPr lang="en-US" sz="1300" kern="1200" dirty="0"/>
+            <a:t>Divides the input CSV into chunks</a:t>
           </a:r>
           <a:endParaRPr lang="it-IT" sz="1300" kern="1200" dirty="0"/>
         </a:p>
@@ -14188,7 +13697,7 @@
         </a:bodyPr>
         <a:lstStyle/>
         <a:p>
-          <a:pPr lvl="0" algn="ctr" defTabSz="577850" rtl="0">
+          <a:pPr marL="0" lvl="0" indent="0" algn="ctr" defTabSz="577850" rtl="0">
             <a:lnSpc>
               <a:spcPct val="90000"/>
             </a:lnSpc>
@@ -14198,22 +13707,11 @@
             <a:spcAft>
               <a:spcPct val="35000"/>
             </a:spcAft>
+            <a:buNone/>
           </a:pPr>
           <a:r>
-            <a:rPr lang="en-US" sz="1300" kern="1200" dirty="0" smtClean="0"/>
-            <a:t>Keeps </a:t>
-          </a:r>
-          <a:r>
-            <a:rPr lang="en-US" sz="1300" kern="1200" dirty="0" smtClean="0"/>
-            <a:t>track of worker information such as worker ID, task in </a:t>
-          </a:r>
-          <a:r>
-            <a:rPr lang="en-US" sz="1300" kern="1200" dirty="0" smtClean="0"/>
-            <a:t>execution and </a:t>
-          </a:r>
-          <a:r>
-            <a:rPr lang="en-US" sz="1300" kern="1200" dirty="0" smtClean="0"/>
-            <a:t>state</a:t>
+            <a:rPr lang="en-US" sz="1300" kern="1200" dirty="0"/>
+            <a:t>Keeps track of worker information such as worker ID, task in execution and state</a:t>
           </a:r>
           <a:endParaRPr lang="it-IT" sz="1300" kern="1200" dirty="0"/>
         </a:p>
@@ -14348,7 +13846,7 @@
         </a:bodyPr>
         <a:lstStyle/>
         <a:p>
-          <a:pPr lvl="0" algn="ctr" defTabSz="577850" rtl="0">
+          <a:pPr marL="0" lvl="0" indent="0" algn="ctr" defTabSz="577850" rtl="0">
             <a:lnSpc>
               <a:spcPct val="90000"/>
             </a:lnSpc>
@@ -14358,18 +13856,11 @@
             <a:spcAft>
               <a:spcPct val="35000"/>
             </a:spcAft>
+            <a:buNone/>
           </a:pPr>
           <a:r>
-            <a:rPr lang="en-US" sz="1300" kern="1200" dirty="0" smtClean="0"/>
-            <a:t>Dispatches the operations to workers and keeps track of </a:t>
-          </a:r>
-          <a:r>
-            <a:rPr lang="en-US" sz="1300" kern="1200" dirty="0" smtClean="0"/>
-            <a:t>the </a:t>
-          </a:r>
-          <a:r>
-            <a:rPr lang="en-US" sz="1300" kern="1200" dirty="0" smtClean="0"/>
-            <a:t>progress</a:t>
+            <a:rPr lang="en-US" sz="1300" kern="1200" dirty="0"/>
+            <a:t>Dispatches the operations to workers and keeps track of the progress</a:t>
           </a:r>
           <a:endParaRPr lang="it-IT" sz="1300" kern="1200" dirty="0"/>
         </a:p>
@@ -14504,7 +13995,7 @@
         </a:bodyPr>
         <a:lstStyle/>
         <a:p>
-          <a:pPr lvl="0" algn="ctr" defTabSz="577850" rtl="0">
+          <a:pPr marL="0" lvl="0" indent="0" algn="ctr" defTabSz="577850" rtl="0">
             <a:lnSpc>
               <a:spcPct val="90000"/>
             </a:lnSpc>
@@ -14514,17 +14005,18 @@
             <a:spcAft>
               <a:spcPct val="35000"/>
             </a:spcAft>
+            <a:buNone/>
           </a:pPr>
           <a:r>
-            <a:rPr lang="en-US" sz="1300" kern="1200" dirty="0" smtClean="0"/>
+            <a:rPr lang="en-US" sz="1300" kern="1200" dirty="0"/>
             <a:t>Sends a ping to all workers and schedules a </a:t>
           </a:r>
           <a:r>
-            <a:rPr lang="en-US" sz="1300" kern="1200" dirty="0" err="1" smtClean="0"/>
+            <a:rPr lang="en-US" sz="1300" kern="1200" dirty="0" err="1"/>
             <a:t>pingTimeout</a:t>
           </a:r>
           <a:r>
-            <a:rPr lang="en-US" sz="1300" kern="1200" dirty="0" smtClean="0"/>
+            <a:rPr lang="en-US" sz="1300" kern="1200" dirty="0"/>
             <a:t> to detect worker failures</a:t>
           </a:r>
           <a:endParaRPr lang="it-IT" sz="1300" kern="1200" dirty="0"/>
@@ -14660,7 +14152,7 @@
         </a:bodyPr>
         <a:lstStyle/>
         <a:p>
-          <a:pPr lvl="0" algn="ctr" defTabSz="577850" rtl="0">
+          <a:pPr marL="0" lvl="0" indent="0" algn="ctr" defTabSz="577850" rtl="0">
             <a:lnSpc>
               <a:spcPct val="90000"/>
             </a:lnSpc>
@@ -14670,9 +14162,10 @@
             <a:spcAft>
               <a:spcPct val="35000"/>
             </a:spcAft>
+            <a:buNone/>
           </a:pPr>
           <a:r>
-            <a:rPr lang="en-US" sz="1300" kern="1200" dirty="0" smtClean="0"/>
+            <a:rPr lang="en-US" sz="1300" kern="1200" dirty="0"/>
             <a:t>Prepares the input for the Reduce operation</a:t>
           </a:r>
         </a:p>
@@ -14807,7 +14300,7 @@
         </a:bodyPr>
         <a:lstStyle/>
         <a:p>
-          <a:pPr lvl="0" algn="ctr" defTabSz="577850" rtl="0">
+          <a:pPr marL="0" lvl="0" indent="0" algn="ctr" defTabSz="577850" rtl="0">
             <a:lnSpc>
               <a:spcPct val="90000"/>
             </a:lnSpc>
@@ -14817,9 +14310,10 @@
             <a:spcAft>
               <a:spcPct val="35000"/>
             </a:spcAft>
+            <a:buNone/>
           </a:pPr>
           <a:r>
-            <a:rPr lang="en-US" sz="1300" kern="1200" dirty="0" smtClean="0"/>
+            <a:rPr lang="en-US" sz="1300" kern="1200" dirty="0"/>
             <a:t>Saves the result on file</a:t>
           </a:r>
         </a:p>
@@ -14942,7 +14436,7 @@
         </a:bodyPr>
         <a:lstStyle/>
         <a:p>
-          <a:pPr lvl="0" algn="l" defTabSz="711200" rtl="0">
+          <a:pPr marL="0" lvl="0" indent="0" algn="l" defTabSz="711200" rtl="0">
             <a:lnSpc>
               <a:spcPct val="90000"/>
             </a:lnSpc>
@@ -14952,22 +14446,11 @@
             <a:spcAft>
               <a:spcPct val="35000"/>
             </a:spcAft>
+            <a:buNone/>
           </a:pPr>
           <a:r>
-            <a:rPr lang="en-US" sz="1600" kern="1200" dirty="0" smtClean="0"/>
-            <a:t>Assigns </a:t>
-          </a:r>
-          <a:r>
-            <a:rPr lang="en-US" sz="1600" kern="1200" dirty="0" smtClean="0"/>
-            <a:t>operations </a:t>
-          </a:r>
-          <a:r>
-            <a:rPr lang="en-US" sz="1600" kern="1200" dirty="0" smtClean="0"/>
-            <a:t>to free workers by sending </a:t>
-          </a:r>
-          <a:r>
-            <a:rPr lang="en-US" sz="1600" kern="1200" dirty="0" smtClean="0"/>
-            <a:t>an execute message, records which operation is assigned to which worker.</a:t>
+            <a:rPr lang="en-US" sz="1600" kern="1200" dirty="0"/>
+            <a:t>Assigns operations to free workers by sending an execute message, records which operation is assigned to which worker.</a:t>
           </a:r>
           <a:endParaRPr lang="it-IT" sz="1600" kern="1200" dirty="0"/>
         </a:p>
@@ -15080,7 +14563,7 @@
         </a:bodyPr>
         <a:lstStyle/>
         <a:p>
-          <a:pPr lvl="0" algn="l" defTabSz="711200" rtl="0">
+          <a:pPr marL="0" lvl="0" indent="0" algn="l" defTabSz="711200" rtl="0">
             <a:lnSpc>
               <a:spcPct val="90000"/>
             </a:lnSpc>
@@ -15090,14 +14573,11 @@
             <a:spcAft>
               <a:spcPct val="35000"/>
             </a:spcAft>
+            <a:buNone/>
           </a:pPr>
           <a:r>
-            <a:rPr lang="en-US" sz="1600" kern="1200" dirty="0" smtClean="0"/>
-            <a:t>When a worker completes </a:t>
-          </a:r>
-          <a:r>
-            <a:rPr lang="en-US" sz="1600" kern="1200" dirty="0" smtClean="0"/>
-            <a:t>an operation it notifies the coordinator, who stores the result. A new operation is scheduled on that worker.</a:t>
+            <a:rPr lang="en-US" sz="1600" kern="1200" dirty="0"/>
+            <a:t>When a worker completes an operation it notifies the coordinator, who stores the result. A new operation is scheduled on that worker.</a:t>
           </a:r>
           <a:endParaRPr lang="it-IT" sz="1600" kern="1200" dirty="0"/>
         </a:p>
@@ -15210,7 +14690,7 @@
         </a:bodyPr>
         <a:lstStyle/>
         <a:p>
-          <a:pPr lvl="0" algn="l" defTabSz="711200" rtl="0">
+          <a:pPr marL="0" lvl="0" indent="0" algn="l" defTabSz="711200" rtl="0">
             <a:lnSpc>
               <a:spcPct val="90000"/>
             </a:lnSpc>
@@ -15220,9 +14700,10 @@
             <a:spcAft>
               <a:spcPct val="35000"/>
             </a:spcAft>
+            <a:buNone/>
           </a:pPr>
           <a:r>
-            <a:rPr lang="en-US" sz="1600" kern="1200" dirty="0" smtClean="0"/>
+            <a:rPr lang="en-US" sz="1600" kern="1200" dirty="0"/>
             <a:t>Map operations are completed sequentially, only when an operation is completed on every chunk the coordinator starts scheduling the following operation.</a:t>
           </a:r>
           <a:endParaRPr lang="it-IT" sz="1600" kern="1200" dirty="0"/>
@@ -15336,7 +14817,7 @@
         </a:bodyPr>
         <a:lstStyle/>
         <a:p>
-          <a:pPr lvl="0" algn="l" defTabSz="711200" rtl="0">
+          <a:pPr marL="0" lvl="0" indent="0" algn="l" defTabSz="711200" rtl="0">
             <a:lnSpc>
               <a:spcPct val="90000"/>
             </a:lnSpc>
@@ -15346,42 +14827,19 @@
             <a:spcAft>
               <a:spcPct val="35000"/>
             </a:spcAft>
+            <a:buNone/>
           </a:pPr>
           <a:r>
-            <a:rPr lang="en-US" sz="1600" kern="1200" dirty="0" smtClean="0"/>
+            <a:rPr lang="en-US" sz="1600" kern="1200" dirty="0"/>
             <a:t>Periodically pings workers, and if no response is received before the </a:t>
           </a:r>
           <a:r>
-            <a:rPr lang="en-US" sz="1600" kern="1200" dirty="0" err="1" smtClean="0"/>
+            <a:rPr lang="en-US" sz="1600" kern="1200" dirty="0" err="1"/>
             <a:t>pingTimeout</a:t>
           </a:r>
           <a:r>
-            <a:rPr lang="en-US" sz="1600" kern="1200" dirty="0" smtClean="0"/>
-            <a:t>, marks </a:t>
-          </a:r>
-          <a:r>
-            <a:rPr lang="en-US" sz="1600" kern="1200" dirty="0" smtClean="0"/>
-            <a:t>the worker as </a:t>
-          </a:r>
-          <a:r>
-            <a:rPr lang="en-US" sz="1600" kern="1200" dirty="0" smtClean="0"/>
-            <a:t>failed. When </a:t>
-          </a:r>
-          <a:r>
-            <a:rPr lang="en-US" sz="1600" kern="1200" dirty="0" smtClean="0"/>
-            <a:t>a worker executing </a:t>
-          </a:r>
-          <a:r>
-            <a:rPr lang="en-US" sz="1600" kern="1200" dirty="0" smtClean="0"/>
-            <a:t>an operation </a:t>
-          </a:r>
-          <a:r>
-            <a:rPr lang="en-US" sz="1600" kern="1200" dirty="0" smtClean="0"/>
-            <a:t>fails, </a:t>
-          </a:r>
-          <a:r>
-            <a:rPr lang="en-US" sz="1600" kern="1200" dirty="0" smtClean="0"/>
-            <a:t>the operation is re-scheduled on a free worker.</a:t>
+            <a:rPr lang="en-US" sz="1600" kern="1200" dirty="0"/>
+            <a:t>, marks the worker as failed. When a worker executing an operation fails, the operation is re-scheduled on a free worker.</a:t>
           </a:r>
           <a:endParaRPr lang="it-IT" sz="1600" kern="1200" dirty="0"/>
         </a:p>
@@ -15494,7 +14952,7 @@
         </a:bodyPr>
         <a:lstStyle/>
         <a:p>
-          <a:pPr lvl="0" algn="l" defTabSz="711200" rtl="0">
+          <a:pPr marL="0" lvl="0" indent="0" algn="l" defTabSz="711200" rtl="0">
             <a:lnSpc>
               <a:spcPct val="90000"/>
             </a:lnSpc>
@@ -15504,18 +14962,11 @@
             <a:spcAft>
               <a:spcPct val="35000"/>
             </a:spcAft>
+            <a:buNone/>
           </a:pPr>
           <a:r>
-            <a:rPr lang="en-US" sz="1600" kern="1200" dirty="0" smtClean="0"/>
-            <a:t>When all map operations are completed, </a:t>
-          </a:r>
-          <a:r>
-            <a:rPr lang="en-US" sz="1600" kern="1200" dirty="0" smtClean="0"/>
-            <a:t>the </a:t>
-          </a:r>
-          <a:r>
-            <a:rPr lang="en-US" sz="1600" kern="1200" dirty="0" smtClean="0"/>
-            <a:t>coordinator prepares the input for the reduce operation.</a:t>
+            <a:rPr lang="en-US" sz="1600" kern="1200" dirty="0"/>
+            <a:t>When all map operations are completed, the coordinator prepares the input for the reduce operation.</a:t>
           </a:r>
           <a:endParaRPr lang="it-IT" sz="1600" kern="1200" dirty="0"/>
         </a:p>
@@ -15628,7 +15079,7 @@
         </a:bodyPr>
         <a:lstStyle/>
         <a:p>
-          <a:pPr lvl="0" algn="l" defTabSz="711200" rtl="0">
+          <a:pPr marL="0" lvl="0" indent="0" algn="l" defTabSz="711200" rtl="0">
             <a:lnSpc>
               <a:spcPct val="90000"/>
             </a:lnSpc>
@@ -15638,9 +15089,10 @@
             <a:spcAft>
               <a:spcPct val="35000"/>
             </a:spcAft>
+            <a:buNone/>
           </a:pPr>
           <a:r>
-            <a:rPr lang="en-US" sz="1600" kern="1200" dirty="0" smtClean="0"/>
+            <a:rPr lang="en-US" sz="1600" kern="1200" dirty="0"/>
             <a:t>The reduce operation is scheduled on free workers and the final result is written to file.</a:t>
           </a:r>
           <a:endParaRPr lang="it-IT" sz="1600" kern="1200" dirty="0"/>
@@ -15812,7 +15264,7 @@
         </a:bodyPr>
         <a:lstStyle/>
         <a:p>
-          <a:pPr lvl="0" algn="l" defTabSz="666750" rtl="0">
+          <a:pPr marL="0" lvl="0" indent="0" algn="l" defTabSz="666750" rtl="0">
             <a:lnSpc>
               <a:spcPct val="90000"/>
             </a:lnSpc>
@@ -15822,18 +15274,11 @@
             <a:spcAft>
               <a:spcPct val="35000"/>
             </a:spcAft>
+            <a:buNone/>
           </a:pPr>
           <a:r>
-            <a:rPr lang="en-US" sz="1500" kern="1200" dirty="0" smtClean="0"/>
-            <a:t>Receives an </a:t>
-          </a:r>
-          <a:r>
-            <a:rPr lang="en-US" sz="1500" kern="1200" dirty="0" smtClean="0"/>
-            <a:t>execute message </a:t>
-          </a:r>
-          <a:r>
-            <a:rPr lang="en-US" sz="1500" kern="1200" dirty="0" smtClean="0"/>
-            <a:t>from the coordinator.</a:t>
+            <a:rPr lang="en-US" sz="1500" kern="1200" dirty="0"/>
+            <a:t>Receives an execute message from the coordinator.</a:t>
           </a:r>
           <a:endParaRPr lang="it-IT" sz="1500" kern="1200" dirty="0"/>
         </a:p>
@@ -15946,7 +15391,7 @@
         </a:bodyPr>
         <a:lstStyle/>
         <a:p>
-          <a:pPr lvl="0" algn="l" defTabSz="666750" rtl="0">
+          <a:pPr marL="0" lvl="0" indent="0" algn="l" defTabSz="666750" rtl="0">
             <a:lnSpc>
               <a:spcPct val="90000"/>
             </a:lnSpc>
@@ -15956,9 +15401,10 @@
             <a:spcAft>
               <a:spcPct val="35000"/>
             </a:spcAft>
+            <a:buNone/>
           </a:pPr>
           <a:r>
-            <a:rPr lang="en-US" sz="1500" kern="1200" smtClean="0"/>
+            <a:rPr lang="en-US" sz="1500" kern="1200"/>
             <a:t>Parses the operation type, reads the corresponding data chunk, and executes the operation.</a:t>
           </a:r>
           <a:endParaRPr lang="it-IT" sz="1500" kern="1200"/>
@@ -16072,7 +15518,7 @@
         </a:bodyPr>
         <a:lstStyle/>
         <a:p>
-          <a:pPr lvl="0" algn="l" defTabSz="666750" rtl="0">
+          <a:pPr marL="0" lvl="0" indent="0" algn="l" defTabSz="666750" rtl="0">
             <a:lnSpc>
               <a:spcPct val="90000"/>
             </a:lnSpc>
@@ -16082,9 +15528,10 @@
             <a:spcAft>
               <a:spcPct val="35000"/>
             </a:spcAft>
+            <a:buNone/>
           </a:pPr>
           <a:r>
-            <a:rPr lang="en-US" sz="1500" kern="1200" dirty="0" smtClean="0"/>
+            <a:rPr lang="en-US" sz="1500" kern="1200" dirty="0"/>
             <a:t>Computes the output and simulates execution time. </a:t>
           </a:r>
           <a:endParaRPr lang="it-IT" sz="1500" kern="1200" dirty="0"/>
@@ -16198,7 +15645,7 @@
         </a:bodyPr>
         <a:lstStyle/>
         <a:p>
-          <a:pPr lvl="0" algn="l" defTabSz="666750" rtl="0">
+          <a:pPr marL="0" lvl="0" indent="0" algn="l" defTabSz="666750" rtl="0">
             <a:lnSpc>
               <a:spcPct val="90000"/>
             </a:lnSpc>
@@ -16208,26 +15655,11 @@
             <a:spcAft>
               <a:spcPct val="35000"/>
             </a:spcAft>
+            <a:buNone/>
           </a:pPr>
           <a:r>
-            <a:rPr lang="en-US" sz="1500" kern="1200" dirty="0" smtClean="0"/>
-            <a:t>After the </a:t>
-          </a:r>
-          <a:r>
-            <a:rPr lang="en-US" sz="1500" kern="1200" dirty="0" smtClean="0"/>
-            <a:t>execution time</a:t>
-          </a:r>
-          <a:r>
-            <a:rPr lang="en-US" sz="1500" kern="1200" dirty="0" smtClean="0"/>
-            <a:t>, sends </a:t>
-          </a:r>
-          <a:r>
-            <a:rPr lang="en-US" sz="1500" kern="1200" dirty="0" smtClean="0"/>
-            <a:t>the result to </a:t>
-          </a:r>
-          <a:r>
-            <a:rPr lang="en-US" sz="1500" kern="1200" dirty="0" smtClean="0"/>
-            <a:t>the coordinator.</a:t>
+            <a:rPr lang="en-US" sz="1500" kern="1200" dirty="0"/>
+            <a:t>After the execution time, sends the result to the coordinator.</a:t>
           </a:r>
           <a:endParaRPr lang="it-IT" sz="1500" kern="1200" dirty="0"/>
         </a:p>
@@ -16340,7 +15772,7 @@
         </a:bodyPr>
         <a:lstStyle/>
         <a:p>
-          <a:pPr lvl="0" algn="l" defTabSz="666750" rtl="0">
+          <a:pPr marL="0" lvl="0" indent="0" algn="l" defTabSz="666750" rtl="0">
             <a:lnSpc>
               <a:spcPct val="90000"/>
             </a:lnSpc>
@@ -16350,9 +15782,10 @@
             <a:spcAft>
               <a:spcPct val="35000"/>
             </a:spcAft>
+            <a:buNone/>
           </a:pPr>
           <a:r>
-            <a:rPr lang="en-US" sz="1500" kern="1200" smtClean="0"/>
+            <a:rPr lang="en-US" sz="1500" kern="1200"/>
             <a:t>Responds to pings with a pong.</a:t>
           </a:r>
           <a:endParaRPr lang="it-IT" sz="1500" kern="1200"/>
@@ -16466,7 +15899,7 @@
         </a:bodyPr>
         <a:lstStyle/>
         <a:p>
-          <a:pPr lvl="0" algn="l" defTabSz="666750" rtl="0">
+          <a:pPr marL="0" lvl="0" indent="0" algn="l" defTabSz="666750" rtl="0">
             <a:lnSpc>
               <a:spcPct val="90000"/>
             </a:lnSpc>
@@ -16476,22 +15909,11 @@
             <a:spcAft>
               <a:spcPct val="35000"/>
             </a:spcAft>
+            <a:buNone/>
           </a:pPr>
           <a:r>
-            <a:rPr lang="en-US" sz="1500" kern="1200" dirty="0" smtClean="0"/>
-            <a:t>May fail with a certain probability after receiving an </a:t>
-          </a:r>
-          <a:r>
-            <a:rPr lang="en-US" sz="1500" kern="1200" dirty="0" smtClean="0"/>
-            <a:t>execute </a:t>
-          </a:r>
-          <a:r>
-            <a:rPr lang="en-US" sz="1500" kern="1200" dirty="0" smtClean="0"/>
-            <a:t>message, in which case it drops the </a:t>
-          </a:r>
-          <a:r>
-            <a:rPr lang="en-US" sz="1500" kern="1200" dirty="0" smtClean="0"/>
-            <a:t>task and after a certain amount of time, when it recovers, it notifies the coordinator.</a:t>
+            <a:rPr lang="en-US" sz="1500" kern="1200" dirty="0"/>
+            <a:t>May fail with a certain probability after receiving an execute message, in which case it drops the task and after a certain amount of time, when it recovers, it notifies the coordinator.</a:t>
           </a:r>
           <a:endParaRPr lang="it-IT" sz="1500" kern="1200" dirty="0"/>
         </a:p>
@@ -24092,10 +23514,9 @@
           </a:lstStyle>
           <a:p>
             <a:r>
-              <a:rPr lang="it-IT" smtClean="0"/>
+              <a:rPr lang="it-IT"/>
               <a:t>Fare clic per modificare lo stile del titolo</a:t>
             </a:r>
-            <a:endParaRPr lang="it-IT"/>
           </a:p>
         </p:txBody>
       </p:sp>
@@ -24157,10 +23578,9 @@
           </a:lstStyle>
           <a:p>
             <a:r>
-              <a:rPr lang="it-IT" smtClean="0"/>
+              <a:rPr lang="it-IT"/>
               <a:t>Fare clic per modificare lo stile del sottotitolo dello schema</a:t>
             </a:r>
-            <a:endParaRPr lang="it-IT"/>
           </a:p>
         </p:txBody>
       </p:sp>
@@ -24181,7 +23601,7 @@
           <a:p>
             <a:fld id="{395671E4-D1F2-4072-83E2-2DE2D67FC59F}" type="datetimeFigureOut">
               <a:rPr lang="it-IT" smtClean="0"/>
-              <a:t>21/06/2023</a:t>
+              <a:t>26/06/23</a:t>
             </a:fld>
             <a:endParaRPr lang="it-IT"/>
           </a:p>
@@ -24223,7 +23643,7 @@
           <a:p>
             <a:fld id="{A5ADD53D-6AAB-4D58-8A2C-AD9DA7FD3263}" type="slidenum">
               <a:rPr lang="it-IT" smtClean="0"/>
-              <a:t>‹N›</a:t>
+              <a:t>‹#›</a:t>
             </a:fld>
             <a:endParaRPr lang="it-IT"/>
           </a:p>
@@ -24275,10 +23695,9 @@
           <a:lstStyle/>
           <a:p>
             <a:r>
-              <a:rPr lang="it-IT" smtClean="0"/>
+              <a:rPr lang="it-IT"/>
               <a:t>Fare clic per modificare lo stile del titolo</a:t>
             </a:r>
-            <a:endParaRPr lang="it-IT"/>
           </a:p>
         </p:txBody>
       </p:sp>
@@ -24299,38 +23718,37 @@
           <a:p>
             <a:pPr lvl="0"/>
             <a:r>
-              <a:rPr lang="it-IT" smtClean="0"/>
+              <a:rPr lang="it-IT"/>
               <a:t>Modifica gli stili del testo dello schema</a:t>
             </a:r>
           </a:p>
           <a:p>
             <a:pPr lvl="1"/>
             <a:r>
-              <a:rPr lang="it-IT" smtClean="0"/>
+              <a:rPr lang="it-IT"/>
               <a:t>Secondo livello</a:t>
             </a:r>
           </a:p>
           <a:p>
             <a:pPr lvl="2"/>
             <a:r>
-              <a:rPr lang="it-IT" smtClean="0"/>
+              <a:rPr lang="it-IT"/>
               <a:t>Terzo livello</a:t>
             </a:r>
           </a:p>
           <a:p>
             <a:pPr lvl="3"/>
             <a:r>
-              <a:rPr lang="it-IT" smtClean="0"/>
+              <a:rPr lang="it-IT"/>
               <a:t>Quarto livello</a:t>
             </a:r>
           </a:p>
           <a:p>
             <a:pPr lvl="4"/>
             <a:r>
-              <a:rPr lang="it-IT" smtClean="0"/>
+              <a:rPr lang="it-IT"/>
               <a:t>Quinto livello</a:t>
             </a:r>
-            <a:endParaRPr lang="it-IT"/>
           </a:p>
         </p:txBody>
       </p:sp>
@@ -24351,7 +23769,7 @@
           <a:p>
             <a:fld id="{395671E4-D1F2-4072-83E2-2DE2D67FC59F}" type="datetimeFigureOut">
               <a:rPr lang="it-IT" smtClean="0"/>
-              <a:t>21/06/2023</a:t>
+              <a:t>26/06/23</a:t>
             </a:fld>
             <a:endParaRPr lang="it-IT"/>
           </a:p>
@@ -24393,7 +23811,7 @@
           <a:p>
             <a:fld id="{A5ADD53D-6AAB-4D58-8A2C-AD9DA7FD3263}" type="slidenum">
               <a:rPr lang="it-IT" smtClean="0"/>
-              <a:t>‹N›</a:t>
+              <a:t>‹#›</a:t>
             </a:fld>
             <a:endParaRPr lang="it-IT"/>
           </a:p>
@@ -24450,10 +23868,9 @@
           <a:lstStyle/>
           <a:p>
             <a:r>
-              <a:rPr lang="it-IT" smtClean="0"/>
+              <a:rPr lang="it-IT"/>
               <a:t>Fare clic per modificare lo stile del titolo</a:t>
             </a:r>
-            <a:endParaRPr lang="it-IT"/>
           </a:p>
         </p:txBody>
       </p:sp>
@@ -24479,38 +23896,37 @@
           <a:p>
             <a:pPr lvl="0"/>
             <a:r>
-              <a:rPr lang="it-IT" smtClean="0"/>
+              <a:rPr lang="it-IT"/>
               <a:t>Modifica gli stili del testo dello schema</a:t>
             </a:r>
           </a:p>
           <a:p>
             <a:pPr lvl="1"/>
             <a:r>
-              <a:rPr lang="it-IT" smtClean="0"/>
+              <a:rPr lang="it-IT"/>
               <a:t>Secondo livello</a:t>
             </a:r>
           </a:p>
           <a:p>
             <a:pPr lvl="2"/>
             <a:r>
-              <a:rPr lang="it-IT" smtClean="0"/>
+              <a:rPr lang="it-IT"/>
               <a:t>Terzo livello</a:t>
             </a:r>
           </a:p>
           <a:p>
             <a:pPr lvl="3"/>
             <a:r>
-              <a:rPr lang="it-IT" smtClean="0"/>
+              <a:rPr lang="it-IT"/>
               <a:t>Quarto livello</a:t>
             </a:r>
           </a:p>
           <a:p>
             <a:pPr lvl="4"/>
             <a:r>
-              <a:rPr lang="it-IT" smtClean="0"/>
+              <a:rPr lang="it-IT"/>
               <a:t>Quinto livello</a:t>
             </a:r>
-            <a:endParaRPr lang="it-IT"/>
           </a:p>
         </p:txBody>
       </p:sp>
@@ -24531,7 +23947,7 @@
           <a:p>
             <a:fld id="{395671E4-D1F2-4072-83E2-2DE2D67FC59F}" type="datetimeFigureOut">
               <a:rPr lang="it-IT" smtClean="0"/>
-              <a:t>21/06/2023</a:t>
+              <a:t>26/06/23</a:t>
             </a:fld>
             <a:endParaRPr lang="it-IT"/>
           </a:p>
@@ -24573,7 +23989,7 @@
           <a:p>
             <a:fld id="{A5ADD53D-6AAB-4D58-8A2C-AD9DA7FD3263}" type="slidenum">
               <a:rPr lang="it-IT" smtClean="0"/>
-              <a:t>‹N›</a:t>
+              <a:t>‹#›</a:t>
             </a:fld>
             <a:endParaRPr lang="it-IT"/>
           </a:p>
@@ -24625,10 +24041,9 @@
           <a:lstStyle/>
           <a:p>
             <a:r>
-              <a:rPr lang="it-IT" smtClean="0"/>
+              <a:rPr lang="it-IT"/>
               <a:t>Fare clic per modificare lo stile del titolo</a:t>
             </a:r>
-            <a:endParaRPr lang="it-IT"/>
           </a:p>
         </p:txBody>
       </p:sp>
@@ -24649,38 +24064,37 @@
           <a:p>
             <a:pPr lvl="0"/>
             <a:r>
-              <a:rPr lang="it-IT" smtClean="0"/>
+              <a:rPr lang="it-IT"/>
               <a:t>Modifica gli stili del testo dello schema</a:t>
             </a:r>
           </a:p>
           <a:p>
             <a:pPr lvl="1"/>
             <a:r>
-              <a:rPr lang="it-IT" smtClean="0"/>
+              <a:rPr lang="it-IT"/>
               <a:t>Secondo livello</a:t>
             </a:r>
           </a:p>
           <a:p>
             <a:pPr lvl="2"/>
             <a:r>
-              <a:rPr lang="it-IT" smtClean="0"/>
+              <a:rPr lang="it-IT"/>
               <a:t>Terzo livello</a:t>
             </a:r>
           </a:p>
           <a:p>
             <a:pPr lvl="3"/>
             <a:r>
-              <a:rPr lang="it-IT" smtClean="0"/>
+              <a:rPr lang="it-IT"/>
               <a:t>Quarto livello</a:t>
             </a:r>
           </a:p>
           <a:p>
             <a:pPr lvl="4"/>
             <a:r>
-              <a:rPr lang="it-IT" smtClean="0"/>
+              <a:rPr lang="it-IT"/>
               <a:t>Quinto livello</a:t>
             </a:r>
-            <a:endParaRPr lang="it-IT"/>
           </a:p>
         </p:txBody>
       </p:sp>
@@ -24701,7 +24115,7 @@
           <a:p>
             <a:fld id="{395671E4-D1F2-4072-83E2-2DE2D67FC59F}" type="datetimeFigureOut">
               <a:rPr lang="it-IT" smtClean="0"/>
-              <a:t>21/06/2023</a:t>
+              <a:t>26/06/23</a:t>
             </a:fld>
             <a:endParaRPr lang="it-IT"/>
           </a:p>
@@ -24743,7 +24157,7 @@
           <a:p>
             <a:fld id="{A5ADD53D-6AAB-4D58-8A2C-AD9DA7FD3263}" type="slidenum">
               <a:rPr lang="it-IT" smtClean="0"/>
-              <a:t>‹N›</a:t>
+              <a:t>‹#›</a:t>
             </a:fld>
             <a:endParaRPr lang="it-IT"/>
           </a:p>
@@ -24804,10 +24218,9 @@
           </a:lstStyle>
           <a:p>
             <a:r>
-              <a:rPr lang="it-IT" smtClean="0"/>
+              <a:rPr lang="it-IT"/>
               <a:t>Fare clic per modificare lo stile del titolo</a:t>
             </a:r>
-            <a:endParaRPr lang="it-IT"/>
           </a:p>
         </p:txBody>
       </p:sp>
@@ -24924,7 +24337,7 @@
           <a:p>
             <a:pPr lvl="0"/>
             <a:r>
-              <a:rPr lang="it-IT" smtClean="0"/>
+              <a:rPr lang="it-IT"/>
               <a:t>Modifica gli stili del testo dello schema</a:t>
             </a:r>
           </a:p>
@@ -24947,7 +24360,7 @@
           <a:p>
             <a:fld id="{395671E4-D1F2-4072-83E2-2DE2D67FC59F}" type="datetimeFigureOut">
               <a:rPr lang="it-IT" smtClean="0"/>
-              <a:t>21/06/2023</a:t>
+              <a:t>26/06/23</a:t>
             </a:fld>
             <a:endParaRPr lang="it-IT"/>
           </a:p>
@@ -24989,7 +24402,7 @@
           <a:p>
             <a:fld id="{A5ADD53D-6AAB-4D58-8A2C-AD9DA7FD3263}" type="slidenum">
               <a:rPr lang="it-IT" smtClean="0"/>
-              <a:t>‹N›</a:t>
+              <a:t>‹#›</a:t>
             </a:fld>
             <a:endParaRPr lang="it-IT"/>
           </a:p>
@@ -25041,10 +24454,9 @@
           <a:lstStyle/>
           <a:p>
             <a:r>
-              <a:rPr lang="it-IT" smtClean="0"/>
+              <a:rPr lang="it-IT"/>
               <a:t>Fare clic per modificare lo stile del titolo</a:t>
             </a:r>
-            <a:endParaRPr lang="it-IT"/>
           </a:p>
         </p:txBody>
       </p:sp>
@@ -25070,38 +24482,37 @@
           <a:p>
             <a:pPr lvl="0"/>
             <a:r>
-              <a:rPr lang="it-IT" smtClean="0"/>
+              <a:rPr lang="it-IT"/>
               <a:t>Modifica gli stili del testo dello schema</a:t>
             </a:r>
           </a:p>
           <a:p>
             <a:pPr lvl="1"/>
             <a:r>
-              <a:rPr lang="it-IT" smtClean="0"/>
+              <a:rPr lang="it-IT"/>
               <a:t>Secondo livello</a:t>
             </a:r>
           </a:p>
           <a:p>
             <a:pPr lvl="2"/>
             <a:r>
-              <a:rPr lang="it-IT" smtClean="0"/>
+              <a:rPr lang="it-IT"/>
               <a:t>Terzo livello</a:t>
             </a:r>
           </a:p>
           <a:p>
             <a:pPr lvl="3"/>
             <a:r>
-              <a:rPr lang="it-IT" smtClean="0"/>
+              <a:rPr lang="it-IT"/>
               <a:t>Quarto livello</a:t>
             </a:r>
           </a:p>
           <a:p>
             <a:pPr lvl="4"/>
             <a:r>
-              <a:rPr lang="it-IT" smtClean="0"/>
+              <a:rPr lang="it-IT"/>
               <a:t>Quinto livello</a:t>
             </a:r>
-            <a:endParaRPr lang="it-IT"/>
           </a:p>
         </p:txBody>
       </p:sp>
@@ -25127,38 +24538,37 @@
           <a:p>
             <a:pPr lvl="0"/>
             <a:r>
-              <a:rPr lang="it-IT" smtClean="0"/>
+              <a:rPr lang="it-IT"/>
               <a:t>Modifica gli stili del testo dello schema</a:t>
             </a:r>
           </a:p>
           <a:p>
             <a:pPr lvl="1"/>
             <a:r>
-              <a:rPr lang="it-IT" smtClean="0"/>
+              <a:rPr lang="it-IT"/>
               <a:t>Secondo livello</a:t>
             </a:r>
           </a:p>
           <a:p>
             <a:pPr lvl="2"/>
             <a:r>
-              <a:rPr lang="it-IT" smtClean="0"/>
+              <a:rPr lang="it-IT"/>
               <a:t>Terzo livello</a:t>
             </a:r>
           </a:p>
           <a:p>
             <a:pPr lvl="3"/>
             <a:r>
-              <a:rPr lang="it-IT" smtClean="0"/>
+              <a:rPr lang="it-IT"/>
               <a:t>Quarto livello</a:t>
             </a:r>
           </a:p>
           <a:p>
             <a:pPr lvl="4"/>
             <a:r>
-              <a:rPr lang="it-IT" smtClean="0"/>
+              <a:rPr lang="it-IT"/>
               <a:t>Quinto livello</a:t>
             </a:r>
-            <a:endParaRPr lang="it-IT"/>
           </a:p>
         </p:txBody>
       </p:sp>
@@ -25179,7 +24589,7 @@
           <a:p>
             <a:fld id="{395671E4-D1F2-4072-83E2-2DE2D67FC59F}" type="datetimeFigureOut">
               <a:rPr lang="it-IT" smtClean="0"/>
-              <a:t>21/06/2023</a:t>
+              <a:t>26/06/23</a:t>
             </a:fld>
             <a:endParaRPr lang="it-IT"/>
           </a:p>
@@ -25221,7 +24631,7 @@
           <a:p>
             <a:fld id="{A5ADD53D-6AAB-4D58-8A2C-AD9DA7FD3263}" type="slidenum">
               <a:rPr lang="it-IT" smtClean="0"/>
-              <a:t>‹N›</a:t>
+              <a:t>‹#›</a:t>
             </a:fld>
             <a:endParaRPr lang="it-IT"/>
           </a:p>
@@ -25278,10 +24688,9 @@
           <a:lstStyle/>
           <a:p>
             <a:r>
-              <a:rPr lang="it-IT" smtClean="0"/>
+              <a:rPr lang="it-IT"/>
               <a:t>Fare clic per modificare lo stile del titolo</a:t>
             </a:r>
-            <a:endParaRPr lang="it-IT"/>
           </a:p>
         </p:txBody>
       </p:sp>
@@ -25344,7 +24753,7 @@
           <a:p>
             <a:pPr lvl="0"/>
             <a:r>
-              <a:rPr lang="it-IT" smtClean="0"/>
+              <a:rPr lang="it-IT"/>
               <a:t>Modifica gli stili del testo dello schema</a:t>
             </a:r>
           </a:p>
@@ -25372,38 +24781,37 @@
           <a:p>
             <a:pPr lvl="0"/>
             <a:r>
-              <a:rPr lang="it-IT" smtClean="0"/>
+              <a:rPr lang="it-IT"/>
               <a:t>Modifica gli stili del testo dello schema</a:t>
             </a:r>
           </a:p>
           <a:p>
             <a:pPr lvl="1"/>
             <a:r>
-              <a:rPr lang="it-IT" smtClean="0"/>
+              <a:rPr lang="it-IT"/>
               <a:t>Secondo livello</a:t>
             </a:r>
           </a:p>
           <a:p>
             <a:pPr lvl="2"/>
             <a:r>
-              <a:rPr lang="it-IT" smtClean="0"/>
+              <a:rPr lang="it-IT"/>
               <a:t>Terzo livello</a:t>
             </a:r>
           </a:p>
           <a:p>
             <a:pPr lvl="3"/>
             <a:r>
-              <a:rPr lang="it-IT" smtClean="0"/>
+              <a:rPr lang="it-IT"/>
               <a:t>Quarto livello</a:t>
             </a:r>
           </a:p>
           <a:p>
             <a:pPr lvl="4"/>
             <a:r>
-              <a:rPr lang="it-IT" smtClean="0"/>
+              <a:rPr lang="it-IT"/>
               <a:t>Quinto livello</a:t>
             </a:r>
-            <a:endParaRPr lang="it-IT"/>
           </a:p>
         </p:txBody>
       </p:sp>
@@ -25466,7 +24874,7 @@
           <a:p>
             <a:pPr lvl="0"/>
             <a:r>
-              <a:rPr lang="it-IT" smtClean="0"/>
+              <a:rPr lang="it-IT"/>
               <a:t>Modifica gli stili del testo dello schema</a:t>
             </a:r>
           </a:p>
@@ -25494,38 +24902,37 @@
           <a:p>
             <a:pPr lvl="0"/>
             <a:r>
-              <a:rPr lang="it-IT" smtClean="0"/>
+              <a:rPr lang="it-IT"/>
               <a:t>Modifica gli stili del testo dello schema</a:t>
             </a:r>
           </a:p>
           <a:p>
             <a:pPr lvl="1"/>
             <a:r>
-              <a:rPr lang="it-IT" smtClean="0"/>
+              <a:rPr lang="it-IT"/>
               <a:t>Secondo livello</a:t>
             </a:r>
           </a:p>
           <a:p>
             <a:pPr lvl="2"/>
             <a:r>
-              <a:rPr lang="it-IT" smtClean="0"/>
+              <a:rPr lang="it-IT"/>
               <a:t>Terzo livello</a:t>
             </a:r>
           </a:p>
           <a:p>
             <a:pPr lvl="3"/>
             <a:r>
-              <a:rPr lang="it-IT" smtClean="0"/>
+              <a:rPr lang="it-IT"/>
               <a:t>Quarto livello</a:t>
             </a:r>
           </a:p>
           <a:p>
             <a:pPr lvl="4"/>
             <a:r>
-              <a:rPr lang="it-IT" smtClean="0"/>
+              <a:rPr lang="it-IT"/>
               <a:t>Quinto livello</a:t>
             </a:r>
-            <a:endParaRPr lang="it-IT"/>
           </a:p>
         </p:txBody>
       </p:sp>
@@ -25546,7 +24953,7 @@
           <a:p>
             <a:fld id="{395671E4-D1F2-4072-83E2-2DE2D67FC59F}" type="datetimeFigureOut">
               <a:rPr lang="it-IT" smtClean="0"/>
-              <a:t>21/06/2023</a:t>
+              <a:t>26/06/23</a:t>
             </a:fld>
             <a:endParaRPr lang="it-IT"/>
           </a:p>
@@ -25588,7 +24995,7 @@
           <a:p>
             <a:fld id="{A5ADD53D-6AAB-4D58-8A2C-AD9DA7FD3263}" type="slidenum">
               <a:rPr lang="it-IT" smtClean="0"/>
-              <a:t>‹N›</a:t>
+              <a:t>‹#›</a:t>
             </a:fld>
             <a:endParaRPr lang="it-IT"/>
           </a:p>
@@ -25640,10 +25047,9 @@
           <a:lstStyle/>
           <a:p>
             <a:r>
-              <a:rPr lang="it-IT" smtClean="0"/>
+              <a:rPr lang="it-IT"/>
               <a:t>Fare clic per modificare lo stile del titolo</a:t>
             </a:r>
-            <a:endParaRPr lang="it-IT"/>
           </a:p>
         </p:txBody>
       </p:sp>
@@ -25664,7 +25070,7 @@
           <a:p>
             <a:fld id="{395671E4-D1F2-4072-83E2-2DE2D67FC59F}" type="datetimeFigureOut">
               <a:rPr lang="it-IT" smtClean="0"/>
-              <a:t>21/06/2023</a:t>
+              <a:t>26/06/23</a:t>
             </a:fld>
             <a:endParaRPr lang="it-IT"/>
           </a:p>
@@ -25706,7 +25112,7 @@
           <a:p>
             <a:fld id="{A5ADD53D-6AAB-4D58-8A2C-AD9DA7FD3263}" type="slidenum">
               <a:rPr lang="it-IT" smtClean="0"/>
-              <a:t>‹N›</a:t>
+              <a:t>‹#›</a:t>
             </a:fld>
             <a:endParaRPr lang="it-IT"/>
           </a:p>
@@ -25759,7 +25165,7 @@
           <a:p>
             <a:fld id="{395671E4-D1F2-4072-83E2-2DE2D67FC59F}" type="datetimeFigureOut">
               <a:rPr lang="it-IT" smtClean="0"/>
-              <a:t>21/06/2023</a:t>
+              <a:t>26/06/23</a:t>
             </a:fld>
             <a:endParaRPr lang="it-IT"/>
           </a:p>
@@ -25801,7 +25207,7 @@
           <a:p>
             <a:fld id="{A5ADD53D-6AAB-4D58-8A2C-AD9DA7FD3263}" type="slidenum">
               <a:rPr lang="it-IT" smtClean="0"/>
-              <a:t>‹N›</a:t>
+              <a:t>‹#›</a:t>
             </a:fld>
             <a:endParaRPr lang="it-IT"/>
           </a:p>
@@ -25862,10 +25268,9 @@
           </a:lstStyle>
           <a:p>
             <a:r>
-              <a:rPr lang="it-IT" smtClean="0"/>
+              <a:rPr lang="it-IT"/>
               <a:t>Fare clic per modificare lo stile del titolo</a:t>
             </a:r>
-            <a:endParaRPr lang="it-IT"/>
           </a:p>
         </p:txBody>
       </p:sp>
@@ -25919,38 +25324,37 @@
           <a:p>
             <a:pPr lvl="0"/>
             <a:r>
-              <a:rPr lang="it-IT" smtClean="0"/>
+              <a:rPr lang="it-IT"/>
               <a:t>Modifica gli stili del testo dello schema</a:t>
             </a:r>
           </a:p>
           <a:p>
             <a:pPr lvl="1"/>
             <a:r>
-              <a:rPr lang="it-IT" smtClean="0"/>
+              <a:rPr lang="it-IT"/>
               <a:t>Secondo livello</a:t>
             </a:r>
           </a:p>
           <a:p>
             <a:pPr lvl="2"/>
             <a:r>
-              <a:rPr lang="it-IT" smtClean="0"/>
+              <a:rPr lang="it-IT"/>
               <a:t>Terzo livello</a:t>
             </a:r>
           </a:p>
           <a:p>
             <a:pPr lvl="3"/>
             <a:r>
-              <a:rPr lang="it-IT" smtClean="0"/>
+              <a:rPr lang="it-IT"/>
               <a:t>Quarto livello</a:t>
             </a:r>
           </a:p>
           <a:p>
             <a:pPr lvl="4"/>
             <a:r>
-              <a:rPr lang="it-IT" smtClean="0"/>
+              <a:rPr lang="it-IT"/>
               <a:t>Quinto livello</a:t>
             </a:r>
-            <a:endParaRPr lang="it-IT"/>
           </a:p>
         </p:txBody>
       </p:sp>
@@ -26013,7 +25417,7 @@
           <a:p>
             <a:pPr lvl="0"/>
             <a:r>
-              <a:rPr lang="it-IT" smtClean="0"/>
+              <a:rPr lang="it-IT"/>
               <a:t>Modifica gli stili del testo dello schema</a:t>
             </a:r>
           </a:p>
@@ -26036,7 +25440,7 @@
           <a:p>
             <a:fld id="{395671E4-D1F2-4072-83E2-2DE2D67FC59F}" type="datetimeFigureOut">
               <a:rPr lang="it-IT" smtClean="0"/>
-              <a:t>21/06/2023</a:t>
+              <a:t>26/06/23</a:t>
             </a:fld>
             <a:endParaRPr lang="it-IT"/>
           </a:p>
@@ -26078,7 +25482,7 @@
           <a:p>
             <a:fld id="{A5ADD53D-6AAB-4D58-8A2C-AD9DA7FD3263}" type="slidenum">
               <a:rPr lang="it-IT" smtClean="0"/>
-              <a:t>‹N›</a:t>
+              <a:t>‹#›</a:t>
             </a:fld>
             <a:endParaRPr lang="it-IT"/>
           </a:p>
@@ -26139,10 +25543,9 @@
           </a:lstStyle>
           <a:p>
             <a:r>
-              <a:rPr lang="it-IT" smtClean="0"/>
+              <a:rPr lang="it-IT"/>
               <a:t>Fare clic per modificare lo stile del titolo</a:t>
             </a:r>
-            <a:endParaRPr lang="it-IT"/>
           </a:p>
         </p:txBody>
       </p:sp>
@@ -26266,7 +25669,7 @@
           <a:p>
             <a:pPr lvl="0"/>
             <a:r>
-              <a:rPr lang="it-IT" smtClean="0"/>
+              <a:rPr lang="it-IT"/>
               <a:t>Modifica gli stili del testo dello schema</a:t>
             </a:r>
           </a:p>
@@ -26289,7 +25692,7 @@
           <a:p>
             <a:fld id="{395671E4-D1F2-4072-83E2-2DE2D67FC59F}" type="datetimeFigureOut">
               <a:rPr lang="it-IT" smtClean="0"/>
-              <a:t>21/06/2023</a:t>
+              <a:t>26/06/23</a:t>
             </a:fld>
             <a:endParaRPr lang="it-IT"/>
           </a:p>
@@ -26331,7 +25734,7 @@
           <a:p>
             <a:fld id="{A5ADD53D-6AAB-4D58-8A2C-AD9DA7FD3263}" type="slidenum">
               <a:rPr lang="it-IT" smtClean="0"/>
-              <a:t>‹N›</a:t>
+              <a:t>‹#›</a:t>
             </a:fld>
             <a:endParaRPr lang="it-IT"/>
           </a:p>
@@ -26398,10 +25801,9 @@
           <a:lstStyle/>
           <a:p>
             <a:r>
-              <a:rPr lang="it-IT" smtClean="0"/>
+              <a:rPr lang="it-IT"/>
               <a:t>Fare clic per modificare lo stile del titolo</a:t>
             </a:r>
-            <a:endParaRPr lang="it-IT"/>
           </a:p>
         </p:txBody>
       </p:sp>
@@ -26432,38 +25834,37 @@
           <a:p>
             <a:pPr lvl="0"/>
             <a:r>
-              <a:rPr lang="it-IT" smtClean="0"/>
+              <a:rPr lang="it-IT"/>
               <a:t>Modifica gli stili del testo dello schema</a:t>
             </a:r>
           </a:p>
           <a:p>
             <a:pPr lvl="1"/>
             <a:r>
-              <a:rPr lang="it-IT" smtClean="0"/>
+              <a:rPr lang="it-IT"/>
               <a:t>Secondo livello</a:t>
             </a:r>
           </a:p>
           <a:p>
             <a:pPr lvl="2"/>
             <a:r>
-              <a:rPr lang="it-IT" smtClean="0"/>
+              <a:rPr lang="it-IT"/>
               <a:t>Terzo livello</a:t>
             </a:r>
           </a:p>
           <a:p>
             <a:pPr lvl="3"/>
             <a:r>
-              <a:rPr lang="it-IT" smtClean="0"/>
+              <a:rPr lang="it-IT"/>
               <a:t>Quarto livello</a:t>
             </a:r>
           </a:p>
           <a:p>
             <a:pPr lvl="4"/>
             <a:r>
-              <a:rPr lang="it-IT" smtClean="0"/>
+              <a:rPr lang="it-IT"/>
               <a:t>Quinto livello</a:t>
             </a:r>
-            <a:endParaRPr lang="it-IT"/>
           </a:p>
         </p:txBody>
       </p:sp>
@@ -26502,7 +25903,7 @@
           <a:p>
             <a:fld id="{395671E4-D1F2-4072-83E2-2DE2D67FC59F}" type="datetimeFigureOut">
               <a:rPr lang="it-IT" smtClean="0"/>
-              <a:t>21/06/2023</a:t>
+              <a:t>26/06/23</a:t>
             </a:fld>
             <a:endParaRPr lang="it-IT"/>
           </a:p>
@@ -26580,7 +25981,7 @@
           <a:p>
             <a:fld id="{A5ADD53D-6AAB-4D58-8A2C-AD9DA7FD3263}" type="slidenum">
               <a:rPr lang="it-IT" smtClean="0"/>
-              <a:t>‹N›</a:t>
+              <a:t>‹#›</a:t>
             </a:fld>
             <a:endParaRPr lang="it-IT"/>
           </a:p>
@@ -26958,26 +26359,13 @@
           <a:lstStyle/>
           <a:p>
             <a:r>
-              <a:rPr lang="it-IT" dirty="0" smtClean="0">
+              <a:rPr lang="it-IT" dirty="0">
                 <a:solidFill>
                   <a:schemeClr val="bg1"/>
                 </a:solidFill>
               </a:rPr>
-              <a:t>Distributed Systems </a:t>
-            </a:r>
-            <a:r>
-              <a:rPr lang="it-IT" dirty="0" smtClean="0">
-                <a:solidFill>
-                  <a:schemeClr val="bg1"/>
-                </a:solidFill>
-              </a:rPr>
-              <a:t>Project</a:t>
-            </a:r>
-            <a:endParaRPr lang="it-IT" dirty="0">
-              <a:solidFill>
-                <a:schemeClr val="bg1"/>
-              </a:solidFill>
-            </a:endParaRPr>
+              <a:t>Distributed Systems Project</a:t>
+            </a:r>
           </a:p>
         </p:txBody>
       </p:sp>
@@ -27003,7 +26391,7 @@
           <a:lstStyle/>
           <a:p>
             <a:r>
-              <a:rPr lang="it-IT" dirty="0" smtClean="0">
+              <a:rPr lang="it-IT" dirty="0">
                 <a:solidFill>
                   <a:schemeClr val="bg1"/>
                 </a:solidFill>
@@ -27011,7 +26399,7 @@
               <a:t>Di </a:t>
             </a:r>
             <a:r>
-              <a:rPr lang="it-IT" dirty="0" err="1" smtClean="0">
+              <a:rPr lang="it-IT" dirty="0" err="1">
                 <a:solidFill>
                   <a:schemeClr val="bg1"/>
                 </a:solidFill>
@@ -27019,7 +26407,7 @@
               <a:t>Ienno</a:t>
             </a:r>
             <a:r>
-              <a:rPr lang="it-IT" dirty="0" smtClean="0">
+              <a:rPr lang="it-IT" dirty="0">
                 <a:solidFill>
                   <a:schemeClr val="bg1"/>
                 </a:solidFill>
@@ -27027,7 +26415,7 @@
               <a:t> Simone, </a:t>
             </a:r>
             <a:r>
-              <a:rPr lang="it-IT" dirty="0" err="1" smtClean="0">
+              <a:rPr lang="it-IT" dirty="0" err="1">
                 <a:solidFill>
                   <a:schemeClr val="bg1"/>
                 </a:solidFill>
@@ -27035,18 +26423,13 @@
               <a:t>Pirrotta</a:t>
             </a:r>
             <a:r>
-              <a:rPr lang="it-IT" dirty="0" smtClean="0">
+              <a:rPr lang="it-IT" dirty="0">
                 <a:solidFill>
                   <a:schemeClr val="bg1"/>
                 </a:solidFill>
               </a:rPr>
               <a:t> Andrea, Sorrentino Lucrezia</a:t>
             </a:r>
-            <a:endParaRPr lang="it-IT" dirty="0">
-              <a:solidFill>
-                <a:schemeClr val="bg1"/>
-              </a:solidFill>
-            </a:endParaRPr>
           </a:p>
         </p:txBody>
       </p:sp>
@@ -27060,13 +26443,6 @@
   <p:clrMapOvr>
     <a:masterClrMapping/>
   </p:clrMapOvr>
-  <p:timing>
-    <p:tnLst>
-      <p:par>
-        <p:cTn id="1" dur="indefinite" restart="never" nodeType="tmRoot"/>
-      </p:par>
-    </p:tnLst>
-  </p:timing>
 </p:sld>
 </file>
 
@@ -27145,18 +26521,13 @@
           </a:bodyPr>
           <a:lstStyle/>
           <a:p>
-            <a:endParaRPr lang="en-US" sz="2400" dirty="0" smtClean="0"/>
+            <a:endParaRPr lang="en-US" sz="2400" dirty="0"/>
           </a:p>
           <a:p>
             <a:r>
-              <a:rPr lang="en-US" sz="2400" dirty="0" smtClean="0"/>
-              <a:t>Reference </a:t>
-            </a:r>
-            <a:r>
               <a:rPr lang="en-US" sz="2400" dirty="0"/>
-              <a:t>configuration: </a:t>
-            </a:r>
-            <a:endParaRPr lang="en-US" sz="2400" dirty="0" smtClean="0"/>
+              <a:t>Reference configuration: </a:t>
+            </a:r>
           </a:p>
           <a:p>
             <a:pPr marL="342900" indent="-342900">
@@ -27164,7 +26535,7 @@
               <a:buChar char="•"/>
             </a:pPr>
             <a:r>
-              <a:rPr lang="en-US" sz="2400" dirty="0" smtClean="0"/>
+              <a:rPr lang="en-US" sz="2400" dirty="0"/>
               <a:t>200 pairs</a:t>
             </a:r>
           </a:p>
@@ -27174,16 +26545,8 @@
               <a:buChar char="•"/>
             </a:pPr>
             <a:r>
-              <a:rPr lang="en-US" sz="2400" dirty="0" smtClean="0"/>
-              <a:t>5 </a:t>
-            </a:r>
-            <a:r>
               <a:rPr lang="en-US" sz="2400" dirty="0"/>
-              <a:t>map </a:t>
-            </a:r>
-            <a:r>
-              <a:rPr lang="en-US" sz="2400" dirty="0" smtClean="0"/>
-              <a:t>operations </a:t>
+              <a:t>5 map operations </a:t>
             </a:r>
           </a:p>
           <a:p>
@@ -27192,16 +26555,8 @@
               <a:buChar char="•"/>
             </a:pPr>
             <a:r>
-              <a:rPr lang="en-US" sz="2400" dirty="0" smtClean="0"/>
-              <a:t>10 </a:t>
-            </a:r>
-            <a:r>
               <a:rPr lang="en-US" sz="2400" dirty="0"/>
-              <a:t>worker </a:t>
-            </a:r>
-            <a:r>
-              <a:rPr lang="en-US" sz="2400" dirty="0" smtClean="0"/>
-              <a:t>number</a:t>
+              <a:t>10 worker number</a:t>
             </a:r>
           </a:p>
           <a:p>
@@ -27210,21 +26565,13 @@
               <a:buChar char="•"/>
             </a:pPr>
             <a:r>
-              <a:rPr lang="en-US" sz="2400" dirty="0" smtClean="0"/>
-              <a:t>2</a:t>
-            </a:r>
-            <a:r>
               <a:rPr lang="en-US" sz="2400" dirty="0"/>
-              <a:t>% failure </a:t>
-            </a:r>
-            <a:r>
-              <a:rPr lang="en-US" sz="2400" dirty="0" smtClean="0"/>
-              <a:t>probability</a:t>
+              <a:t>2% failure probability</a:t>
             </a:r>
             <a:endParaRPr lang="en-US" dirty="0"/>
           </a:p>
           <a:p>
-            <a:endParaRPr lang="en-US" dirty="0" smtClean="0"/>
+            <a:endParaRPr lang="en-US" dirty="0"/>
           </a:p>
           <a:p>
             <a:endParaRPr lang="en-US" dirty="0"/>
@@ -27274,7 +26621,7 @@
               <a:defRPr/>
             </a:pPr>
             <a:r>
-              <a:rPr lang="it-IT" sz="5400" dirty="0" smtClean="0">
+              <a:rPr lang="it-IT" sz="5400" dirty="0">
                 <a:ln w="0"/>
                 <a:gradFill>
                   <a:gsLst>
@@ -27302,7 +26649,7 @@
               </a:rPr>
               <a:t>Analytics</a:t>
             </a:r>
-            <a:endParaRPr kumimoji="0" lang="it-IT" sz="5400" b="0" i="0" u="none" strike="noStrike" kern="1200" cap="none" spc="0" normalizeH="0" baseline="0" noProof="0" dirty="0" smtClean="0">
+            <a:endParaRPr kumimoji="0" lang="it-IT" sz="5400" b="0" i="0" u="none" strike="noStrike" kern="1200" cap="none" spc="0" normalizeH="0" baseline="0" noProof="0" dirty="0">
               <a:ln w="0"/>
               <a:gradFill>
                 <a:gsLst>
@@ -27345,13 +26692,6 @@
   <p:clrMapOvr>
     <a:masterClrMapping/>
   </p:clrMapOvr>
-  <p:timing>
-    <p:tnLst>
-      <p:par>
-        <p:cTn id="1" dur="indefinite" restart="never" nodeType="tmRoot"/>
-      </p:par>
-    </p:tnLst>
-  </p:timing>
 </p:sld>
 </file>
 
@@ -27439,7 +26779,7 @@
           <a:lstStyle/>
           <a:p>
             <a:r>
-              <a:rPr lang="it-IT" sz="3200" dirty="0" err="1" smtClean="0">
+              <a:rPr lang="it-IT" sz="3200" dirty="0" err="1">
                 <a:solidFill>
                   <a:schemeClr val="accent1">
                     <a:lumMod val="75000"/>
@@ -27449,7 +26789,7 @@
               <a:t>Number</a:t>
             </a:r>
             <a:r>
-              <a:rPr lang="it-IT" sz="3200" dirty="0" smtClean="0">
+              <a:rPr lang="it-IT" sz="3200" dirty="0">
                 <a:solidFill>
                   <a:schemeClr val="accent1">
                     <a:lumMod val="75000"/>
@@ -27459,7 +26799,7 @@
               <a:t> of </a:t>
             </a:r>
             <a:r>
-              <a:rPr lang="it-IT" sz="3200" dirty="0" err="1" smtClean="0">
+              <a:rPr lang="it-IT" sz="3200" dirty="0" err="1">
                 <a:solidFill>
                   <a:schemeClr val="accent1">
                     <a:lumMod val="75000"/>
@@ -27488,13 +26828,6 @@
   <p:clrMapOvr>
     <a:masterClrMapping/>
   </p:clrMapOvr>
-  <p:timing>
-    <p:tnLst>
-      <p:par>
-        <p:cTn id="1" dur="indefinite" restart="never" nodeType="tmRoot"/>
-      </p:par>
-    </p:tnLst>
-  </p:timing>
 </p:sld>
 </file>
 
@@ -27582,7 +26915,7 @@
           <a:lstStyle/>
           <a:p>
             <a:r>
-              <a:rPr lang="it-IT" sz="2800" dirty="0" err="1" smtClean="0">
+              <a:rPr lang="it-IT" sz="2800" dirty="0" err="1">
                 <a:solidFill>
                   <a:srgbClr val="92D050"/>
                 </a:solidFill>
@@ -27590,7 +26923,7 @@
               <a:t>Number</a:t>
             </a:r>
             <a:r>
-              <a:rPr lang="it-IT" sz="2800" dirty="0" smtClean="0">
+              <a:rPr lang="it-IT" sz="2800" dirty="0">
                 <a:solidFill>
                   <a:srgbClr val="92D050"/>
                 </a:solidFill>
@@ -27598,7 +26931,7 @@
               <a:t> of </a:t>
             </a:r>
             <a:r>
-              <a:rPr lang="it-IT" sz="2800" dirty="0" err="1" smtClean="0">
+              <a:rPr lang="it-IT" sz="2800" dirty="0" err="1">
                 <a:solidFill>
                   <a:srgbClr val="92D050"/>
                 </a:solidFill>
@@ -27606,7 +26939,7 @@
               <a:t>map</a:t>
             </a:r>
             <a:r>
-              <a:rPr lang="it-IT" sz="2800" dirty="0" smtClean="0">
+              <a:rPr lang="it-IT" sz="2800" dirty="0">
                 <a:solidFill>
                   <a:srgbClr val="92D050"/>
                 </a:solidFill>
@@ -27614,7 +26947,7 @@
               <a:t> </a:t>
             </a:r>
             <a:r>
-              <a:rPr lang="it-IT" sz="2800" dirty="0" err="1" smtClean="0">
+              <a:rPr lang="it-IT" sz="2800" dirty="0" err="1">
                 <a:solidFill>
                   <a:srgbClr val="92D050"/>
                 </a:solidFill>
@@ -27639,13 +26972,6 @@
   <p:clrMapOvr>
     <a:masterClrMapping/>
   </p:clrMapOvr>
-  <p:timing>
-    <p:tnLst>
-      <p:par>
-        <p:cTn id="1" dur="indefinite" restart="never" nodeType="tmRoot"/>
-      </p:par>
-    </p:tnLst>
-  </p:timing>
 </p:sld>
 </file>
 
@@ -27733,7 +27059,7 @@
           <a:lstStyle/>
           <a:p>
             <a:r>
-              <a:rPr lang="it-IT" sz="2800" dirty="0" err="1" smtClean="0">
+              <a:rPr lang="it-IT" sz="2800" dirty="0" err="1">
                 <a:solidFill>
                   <a:srgbClr val="7030A0"/>
                 </a:solidFill>
@@ -27741,7 +27067,7 @@
               <a:t>Number</a:t>
             </a:r>
             <a:r>
-              <a:rPr lang="it-IT" sz="2800" dirty="0" smtClean="0">
+              <a:rPr lang="it-IT" sz="2800" dirty="0">
                 <a:solidFill>
                   <a:srgbClr val="7030A0"/>
                 </a:solidFill>
@@ -27749,7 +27075,7 @@
               <a:t> of input </a:t>
             </a:r>
             <a:r>
-              <a:rPr lang="it-IT" sz="2800" dirty="0" err="1" smtClean="0">
+              <a:rPr lang="it-IT" sz="2800" dirty="0" err="1">
                 <a:solidFill>
                   <a:srgbClr val="7030A0"/>
                 </a:solidFill>
@@ -27774,13 +27100,6 @@
   <p:clrMapOvr>
     <a:masterClrMapping/>
   </p:clrMapOvr>
-  <p:timing>
-    <p:tnLst>
-      <p:par>
-        <p:cTn id="1" dur="indefinite" restart="never" nodeType="tmRoot"/>
-      </p:par>
-    </p:tnLst>
-  </p:timing>
 </p:sld>
 </file>
 
@@ -27868,7 +27187,7 @@
           <a:lstStyle/>
           <a:p>
             <a:r>
-              <a:rPr lang="it-IT" sz="2800" dirty="0" err="1" smtClean="0">
+              <a:rPr lang="it-IT" sz="2800" dirty="0" err="1">
                 <a:solidFill>
                   <a:schemeClr val="accent2"/>
                 </a:solidFill>
@@ -27876,7 +27195,7 @@
               <a:t>Failure</a:t>
             </a:r>
             <a:r>
-              <a:rPr lang="it-IT" sz="2800" dirty="0" smtClean="0">
+              <a:rPr lang="it-IT" sz="2800" dirty="0">
                 <a:solidFill>
                   <a:schemeClr val="accent2"/>
                 </a:solidFill>
@@ -27889,15 +27208,7 @@
                   <a:schemeClr val="accent2"/>
                 </a:solidFill>
               </a:rPr>
-              <a:t>P</a:t>
-            </a:r>
-            <a:r>
-              <a:rPr lang="it-IT" sz="2800" dirty="0" err="1" smtClean="0">
-                <a:solidFill>
-                  <a:schemeClr val="accent2"/>
-                </a:solidFill>
-              </a:rPr>
-              <a:t>robability</a:t>
+              <a:t>Probability</a:t>
             </a:r>
             <a:endParaRPr lang="it-IT" sz="2800" dirty="0">
               <a:solidFill>
@@ -27917,13 +27228,6 @@
   <p:clrMapOvr>
     <a:masterClrMapping/>
   </p:clrMapOvr>
-  <p:timing>
-    <p:tnLst>
-      <p:par>
-        <p:cTn id="1" dur="indefinite" restart="never" nodeType="tmRoot"/>
-      </p:par>
-    </p:tnLst>
-  </p:timing>
 </p:sld>
 </file>
 
@@ -28014,7 +27318,7 @@
               <a:defRPr/>
             </a:pPr>
             <a:r>
-              <a:rPr lang="it-IT" sz="5400" dirty="0" err="1" smtClean="0">
+              <a:rPr lang="it-IT" sz="5400" dirty="0" err="1">
                 <a:ln w="0"/>
                 <a:gradFill>
                   <a:gsLst>
@@ -28042,7 +27346,7 @@
               </a:rPr>
               <a:t>Conclusion</a:t>
             </a:r>
-            <a:endParaRPr kumimoji="0" lang="it-IT" sz="5400" b="0" i="0" u="none" strike="noStrike" kern="1200" cap="none" spc="0" normalizeH="0" baseline="0" noProof="0" dirty="0" smtClean="0">
+            <a:endParaRPr kumimoji="0" lang="it-IT" sz="5400" b="0" i="0" u="none" strike="noStrike" kern="1200" cap="none" spc="0" normalizeH="0" baseline="0" noProof="0" dirty="0">
               <a:ln w="0"/>
               <a:gradFill>
                 <a:gsLst>
@@ -28259,11 +27563,7 @@
             </a:r>
             <a:r>
               <a:rPr lang="it-IT" dirty="0"/>
-              <a:t> trend</a:t>
-            </a:r>
-            <a:r>
-              <a:rPr lang="it-IT" dirty="0" smtClean="0"/>
-              <a:t>. </a:t>
+              <a:t> trend. </a:t>
             </a:r>
           </a:p>
           <a:p>
@@ -28271,7 +27571,7 @@
           </a:p>
           <a:p>
             <a:r>
-              <a:rPr lang="it-IT" dirty="0" err="1" smtClean="0">
+              <a:rPr lang="it-IT" dirty="0" err="1">
                 <a:solidFill>
                   <a:srgbClr val="92D050"/>
                 </a:solidFill>
@@ -28279,20 +27579,12 @@
               <a:t>Number</a:t>
             </a:r>
             <a:r>
-              <a:rPr lang="it-IT" dirty="0" smtClean="0">
-                <a:solidFill>
-                  <a:srgbClr val="92D050"/>
-                </a:solidFill>
-              </a:rPr>
-              <a:t> </a:t>
-            </a:r>
-            <a:r>
               <a:rPr lang="it-IT" dirty="0">
                 <a:solidFill>
                   <a:srgbClr val="92D050"/>
                 </a:solidFill>
               </a:rPr>
-              <a:t>of </a:t>
+              <a:t> of </a:t>
             </a:r>
             <a:r>
               <a:rPr lang="it-IT" dirty="0" err="1">
@@ -28447,7 +27739,7 @@
               <a:t>linearly</a:t>
             </a:r>
             <a:r>
-              <a:rPr lang="it-IT" dirty="0" smtClean="0"/>
+              <a:rPr lang="it-IT" dirty="0"/>
               <a:t>.</a:t>
             </a:r>
           </a:p>
@@ -28456,7 +27748,7 @@
           </a:p>
           <a:p>
             <a:r>
-              <a:rPr lang="it-IT" dirty="0" smtClean="0">
+              <a:rPr lang="it-IT" dirty="0">
                 <a:solidFill>
                   <a:srgbClr val="7030A0"/>
                 </a:solidFill>
@@ -28632,7 +27924,7 @@
               <a:t>size</a:t>
             </a:r>
             <a:r>
-              <a:rPr lang="it-IT" dirty="0" smtClean="0"/>
+              <a:rPr lang="it-IT" dirty="0"/>
               <a:t>.</a:t>
             </a:r>
           </a:p>
@@ -28641,7 +27933,7 @@
           </a:p>
           <a:p>
             <a:r>
-              <a:rPr lang="it-IT" dirty="0" err="1" smtClean="0">
+              <a:rPr lang="it-IT" dirty="0" err="1">
                 <a:solidFill>
                   <a:schemeClr val="accent2"/>
                 </a:solidFill>
@@ -28649,7 +27941,7 @@
               <a:t>Failure</a:t>
             </a:r>
             <a:r>
-              <a:rPr lang="it-IT" dirty="0" smtClean="0">
+              <a:rPr lang="it-IT" dirty="0">
                 <a:solidFill>
                   <a:schemeClr val="accent2"/>
                 </a:solidFill>
@@ -28657,7 +27949,7 @@
               <a:t> </a:t>
             </a:r>
             <a:r>
-              <a:rPr lang="it-IT" dirty="0" err="1" smtClean="0">
+              <a:rPr lang="it-IT" dirty="0" err="1">
                 <a:solidFill>
                   <a:schemeClr val="accent2"/>
                 </a:solidFill>
@@ -28665,7 +27957,7 @@
               <a:t>probability</a:t>
             </a:r>
             <a:r>
-              <a:rPr lang="it-IT" dirty="0" smtClean="0"/>
+              <a:rPr lang="it-IT" dirty="0"/>
               <a:t>: </a:t>
             </a:r>
             <a:r>
@@ -28777,13 +28069,6 @@
   <p:clrMapOvr>
     <a:masterClrMapping/>
   </p:clrMapOvr>
-  <p:timing>
-    <p:tnLst>
-      <p:par>
-        <p:cTn id="1" dur="indefinite" restart="never" nodeType="tmRoot"/>
-      </p:par>
-    </p:tnLst>
-  </p:timing>
 </p:sld>
 </file>
 
@@ -28856,7 +28141,7 @@
           <a:lstStyle/>
           <a:p>
             <a:r>
-              <a:rPr lang="it-IT" dirty="0" smtClean="0">
+              <a:rPr lang="it-IT" dirty="0">
                 <a:ln w="0"/>
                 <a:gradFill>
                   <a:gsLst>
@@ -28886,34 +28171,6 @@
               </a:rPr>
               <a:t>Index</a:t>
             </a:r>
-            <a:endParaRPr lang="it-IT" dirty="0">
-              <a:ln w="0"/>
-              <a:gradFill>
-                <a:gsLst>
-                  <a:gs pos="0">
-                    <a:schemeClr val="accent5">
-                      <a:lumMod val="50000"/>
-                    </a:schemeClr>
-                  </a:gs>
-                  <a:gs pos="50000">
-                    <a:schemeClr val="accent5"/>
-                  </a:gs>
-                  <a:gs pos="100000">
-                    <a:schemeClr val="accent5">
-                      <a:lumMod val="60000"/>
-                      <a:lumOff val="40000"/>
-                    </a:schemeClr>
-                  </a:gs>
-                </a:gsLst>
-                <a:lin ang="5400000"/>
-              </a:gradFill>
-              <a:effectLst>
-                <a:reflection blurRad="6350" stA="53000" endA="300" endPos="35500" dir="5400000" sy="-90000" algn="bl" rotWithShape="0"/>
-              </a:effectLst>
-              <a:latin typeface="+mn-lt"/>
-              <a:ea typeface="+mn-ea"/>
-              <a:cs typeface="+mn-cs"/>
-            </a:endParaRPr>
           </a:p>
         </p:txBody>
       </p:sp>
@@ -28941,7 +28198,7 @@
               <a:buChar char="•"/>
             </a:pPr>
             <a:r>
-              <a:rPr lang="it-IT" dirty="0" smtClean="0">
+              <a:rPr lang="it-IT" dirty="0">
                 <a:solidFill>
                   <a:schemeClr val="accent5">
                     <a:lumMod val="75000"/>
@@ -28951,7 +28208,7 @@
               <a:t>High-</a:t>
             </a:r>
             <a:r>
-              <a:rPr lang="it-IT" dirty="0" err="1" smtClean="0">
+              <a:rPr lang="it-IT" dirty="0" err="1">
                 <a:solidFill>
                   <a:schemeClr val="accent5">
                     <a:lumMod val="75000"/>
@@ -28961,7 +28218,7 @@
               <a:t>level</a:t>
             </a:r>
             <a:r>
-              <a:rPr lang="it-IT" dirty="0" smtClean="0">
+              <a:rPr lang="it-IT" dirty="0">
                 <a:solidFill>
                   <a:schemeClr val="accent5">
                     <a:lumMod val="75000"/>
@@ -28971,7 +28228,7 @@
               <a:t> </a:t>
             </a:r>
             <a:r>
-              <a:rPr lang="it-IT" dirty="0" err="1" smtClean="0">
+              <a:rPr lang="it-IT" dirty="0" err="1">
                 <a:solidFill>
                   <a:schemeClr val="accent5">
                     <a:lumMod val="75000"/>
@@ -28994,7 +28251,7 @@
               <a:buChar char="•"/>
             </a:pPr>
             <a:r>
-              <a:rPr lang="it-IT" dirty="0" smtClean="0">
+              <a:rPr lang="it-IT" dirty="0">
                 <a:solidFill>
                   <a:schemeClr val="accent5">
                     <a:lumMod val="75000"/>
@@ -29002,6 +28259,54 @@
                 </a:solidFill>
               </a:rPr>
               <a:t>Coordinator</a:t>
+            </a:r>
+          </a:p>
+          <a:p>
+            <a:pPr marL="742950" lvl="1" indent="-285750" rtl="0">
+              <a:buFont typeface="Arial" panose="020B0604020202020204" pitchFamily="34" charset="0"/>
+              <a:buChar char="•"/>
+            </a:pPr>
+            <a:r>
+              <a:rPr lang="it-IT" dirty="0">
+                <a:solidFill>
+                  <a:schemeClr val="accent5">
+                    <a:lumMod val="75000"/>
+                  </a:schemeClr>
+                </a:solidFill>
+              </a:rPr>
+              <a:t>Set up</a:t>
+            </a:r>
+          </a:p>
+          <a:p>
+            <a:pPr marL="742950" lvl="1" indent="-285750" rtl="0">
+              <a:buFont typeface="Arial" panose="020B0604020202020204" pitchFamily="34" charset="0"/>
+              <a:buChar char="•"/>
+            </a:pPr>
+            <a:r>
+              <a:rPr lang="it-IT" dirty="0">
+                <a:solidFill>
+                  <a:schemeClr val="accent5">
+                    <a:lumMod val="75000"/>
+                  </a:schemeClr>
+                </a:solidFill>
+              </a:rPr>
+              <a:t>Runtime</a:t>
+            </a:r>
+          </a:p>
+          <a:p>
+            <a:pPr marL="285750" lvl="0" indent="-285750" rtl="0">
+              <a:buFont typeface="Arial" panose="020B0604020202020204" pitchFamily="34" charset="0"/>
+              <a:buChar char="•"/>
+            </a:pPr>
+            <a:r>
+              <a:rPr lang="en-US" dirty="0">
+                <a:solidFill>
+                  <a:schemeClr val="accent5">
+                    <a:lumMod val="75000"/>
+                  </a:schemeClr>
+                </a:solidFill>
+              </a:rPr>
+              <a:t>Workers</a:t>
             </a:r>
             <a:endParaRPr lang="it-IT" dirty="0">
               <a:solidFill>
@@ -29017,7 +28322,7 @@
               <a:buChar char="•"/>
             </a:pPr>
             <a:r>
-              <a:rPr lang="it-IT" dirty="0" smtClean="0">
+              <a:rPr lang="en-US" dirty="0">
                 <a:solidFill>
                   <a:schemeClr val="accent5">
                     <a:lumMod val="75000"/>
@@ -29040,7 +28345,7 @@
               <a:buChar char="•"/>
             </a:pPr>
             <a:r>
-              <a:rPr lang="it-IT" dirty="0" smtClean="0">
+              <a:rPr lang="en-US" dirty="0">
                 <a:solidFill>
                   <a:schemeClr val="accent5">
                     <a:lumMod val="75000"/>
@@ -29063,68 +28368,15 @@
               <a:buChar char="•"/>
             </a:pPr>
             <a:r>
-              <a:rPr lang="en-US" dirty="0" smtClean="0">
+              <a:rPr lang="en-US" dirty="0">
                 <a:solidFill>
                   <a:schemeClr val="accent5">
                     <a:lumMod val="75000"/>
                   </a:schemeClr>
                 </a:solidFill>
               </a:rPr>
-              <a:t>Workers</a:t>
-            </a:r>
-            <a:endParaRPr lang="it-IT" dirty="0">
-              <a:solidFill>
-                <a:schemeClr val="accent5">
-                  <a:lumMod val="75000"/>
-                </a:schemeClr>
-              </a:solidFill>
-            </a:endParaRPr>
-          </a:p>
-          <a:p>
-            <a:pPr marL="742950" lvl="1" indent="-285750" rtl="0">
-              <a:buFont typeface="Arial" panose="020B0604020202020204" pitchFamily="34" charset="0"/>
-              <a:buChar char="•"/>
-            </a:pPr>
-            <a:r>
-              <a:rPr lang="en-US" dirty="0" smtClean="0">
-                <a:solidFill>
-                  <a:schemeClr val="accent5">
-                    <a:lumMod val="75000"/>
-                  </a:schemeClr>
-                </a:solidFill>
-              </a:rPr>
-              <a:t>Set up</a:t>
-            </a:r>
-            <a:endParaRPr lang="it-IT" dirty="0">
-              <a:solidFill>
-                <a:schemeClr val="accent5">
-                  <a:lumMod val="75000"/>
-                </a:schemeClr>
-              </a:solidFill>
-            </a:endParaRPr>
-          </a:p>
-          <a:p>
-            <a:pPr marL="742950" lvl="1" indent="-285750" rtl="0">
-              <a:buFont typeface="Arial" panose="020B0604020202020204" pitchFamily="34" charset="0"/>
-              <a:buChar char="•"/>
-            </a:pPr>
-            <a:r>
-              <a:rPr lang="en-US" dirty="0" smtClean="0">
-                <a:solidFill>
-                  <a:schemeClr val="accent5">
-                    <a:lumMod val="75000"/>
-                  </a:schemeClr>
-                </a:solidFill>
-              </a:rPr>
-              <a:t>Runtime</a:t>
-            </a:r>
-            <a:endParaRPr lang="it-IT" dirty="0">
-              <a:solidFill>
-                <a:schemeClr val="accent5">
-                  <a:lumMod val="75000"/>
-                </a:schemeClr>
-              </a:solidFill>
-            </a:endParaRPr>
+              <a:t>Failure model</a:t>
+            </a:r>
           </a:p>
           <a:p>
             <a:pPr marL="285750" lvl="0" indent="-285750" rtl="0">
@@ -29132,33 +28384,7 @@
               <a:buChar char="•"/>
             </a:pPr>
             <a:r>
-              <a:rPr lang="en-US" dirty="0" smtClean="0">
-                <a:solidFill>
-                  <a:schemeClr val="accent5">
-                    <a:lumMod val="75000"/>
-                  </a:schemeClr>
-                </a:solidFill>
-              </a:rPr>
-              <a:t>Failure </a:t>
-            </a:r>
-            <a:r>
-              <a:rPr lang="en-US" dirty="0" smtClean="0">
-                <a:solidFill>
-                  <a:schemeClr val="accent5">
-                    <a:lumMod val="75000"/>
-                  </a:schemeClr>
-                </a:solidFill>
-              </a:rPr>
-              <a:t>model</a:t>
-            </a:r>
-          </a:p>
-          <a:p>
-            <a:pPr marL="285750" lvl="0" indent="-285750" rtl="0">
-              <a:buFont typeface="Arial" panose="020B0604020202020204" pitchFamily="34" charset="0"/>
-              <a:buChar char="•"/>
-            </a:pPr>
-            <a:r>
-              <a:rPr lang="en-US" dirty="0" smtClean="0">
+              <a:rPr lang="en-US" dirty="0">
                 <a:solidFill>
                   <a:schemeClr val="accent5">
                     <a:lumMod val="75000"/>
@@ -29174,7 +28400,7 @@
               <a:buChar char="•"/>
             </a:pPr>
             <a:r>
-              <a:rPr lang="en-US" dirty="0" smtClean="0">
+              <a:rPr lang="en-US" dirty="0">
                 <a:solidFill>
                   <a:schemeClr val="accent5">
                     <a:lumMod val="75000"/>
@@ -29203,13 +28429,6 @@
   <p:clrMapOvr>
     <a:masterClrMapping/>
   </p:clrMapOvr>
-  <p:timing>
-    <p:tnLst>
-      <p:par>
-        <p:cTn id="1" dur="indefinite" restart="never" nodeType="tmRoot"/>
-      </p:par>
-    </p:tnLst>
-  </p:timing>
 </p:sld>
 </file>
 
@@ -29314,7 +28533,7 @@
               <a:t>H</a:t>
             </a:r>
             <a:r>
-              <a:rPr lang="en-US" dirty="0" smtClean="0">
+              <a:rPr lang="en-US" dirty="0">
                 <a:ln w="0"/>
                 <a:gradFill>
                   <a:gsLst>
@@ -29404,12 +28623,8 @@
           <a:p>
             <a:pPr algn="ctr"/>
             <a:r>
-              <a:rPr lang="en-US" dirty="0" smtClean="0"/>
-              <a:t>This system </a:t>
-            </a:r>
-            <a:r>
               <a:rPr lang="en-US" dirty="0"/>
-              <a:t>follows a distributed computing model where the coordinator assigns tasks to workers, monitors their progress, handles failures, and orchestrates the execution of map and reduce operations on the given input.</a:t>
+              <a:t>This system follows a distributed computing model where the coordinator assigns tasks to workers, monitors their progress, handles failures, and orchestrates the execution of map and reduce operations on the given input.</a:t>
             </a:r>
             <a:endParaRPr lang="it-IT" dirty="0"/>
           </a:p>
@@ -29422,7 +28637,7 @@
           <p:nvPr>
             <p:extLst>
               <p:ext uri="{D42A27DB-BD31-4B8C-83A1-F6EECF244321}">
-                <p14:modId xmlns:p14="http://schemas.microsoft.com/office/powerpoint/2010/main" val="3124392416"/>
+                <p14:modId xmlns:p14="http://schemas.microsoft.com/office/powerpoint/2010/main" val="507348453"/>
               </p:ext>
             </p:extLst>
           </p:nvPr>
@@ -29447,13 +28662,6 @@
   <p:clrMapOvr>
     <a:masterClrMapping/>
   </p:clrMapOvr>
-  <p:timing>
-    <p:tnLst>
-      <p:par>
-        <p:cTn id="1" dur="indefinite" restart="never" nodeType="tmRoot"/>
-      </p:par>
-    </p:tnLst>
-  </p:timing>
 </p:sld>
 </file>
 
@@ -29543,7 +28751,7 @@
           <a:p>
             <a:pPr algn="ctr"/>
             <a:r>
-              <a:rPr lang="it-IT" sz="5400" b="0" cap="none" spc="0" dirty="0" smtClean="0">
+              <a:rPr lang="it-IT" sz="5400" b="0" cap="none" spc="0" dirty="0">
                 <a:ln w="0"/>
                 <a:solidFill>
                   <a:schemeClr val="accent5">
@@ -29556,17 +28764,6 @@
               </a:rPr>
               <a:t>Coordinator</a:t>
             </a:r>
-            <a:endParaRPr lang="it-IT" sz="5400" b="0" cap="none" spc="0" dirty="0">
-              <a:ln w="0"/>
-              <a:solidFill>
-                <a:schemeClr val="accent5">
-                  <a:lumMod val="75000"/>
-                </a:schemeClr>
-              </a:solidFill>
-              <a:effectLst>
-                <a:reflection blurRad="6350" stA="53000" endA="300" endPos="35500" dir="5400000" sy="-90000" algn="bl" rotWithShape="0"/>
-              </a:effectLst>
-            </a:endParaRPr>
           </a:p>
         </p:txBody>
       </p:sp>
@@ -29653,13 +28850,6 @@
   <p:clrMapOvr>
     <a:masterClrMapping/>
   </p:clrMapOvr>
-  <p:timing>
-    <p:tnLst>
-      <p:par>
-        <p:cTn id="1" dur="indefinite" restart="never" nodeType="tmRoot"/>
-      </p:par>
-    </p:tnLst>
-  </p:timing>
 </p:sld>
 </file>
 
@@ -29728,7 +28918,7 @@
           <a:p>
             <a:pPr algn="ctr"/>
             <a:r>
-              <a:rPr lang="it-IT" sz="5400" b="0" cap="none" spc="0" dirty="0" smtClean="0">
+              <a:rPr lang="it-IT" sz="5400" b="0" cap="none" spc="0" dirty="0">
                 <a:ln w="0"/>
                 <a:gradFill>
                   <a:gsLst>
@@ -29755,31 +28945,6 @@
               </a:rPr>
               <a:t>Coordinator: runtime</a:t>
             </a:r>
-            <a:endParaRPr lang="it-IT" sz="5400" b="0" cap="none" spc="0" dirty="0">
-              <a:ln w="0"/>
-              <a:gradFill>
-                <a:gsLst>
-                  <a:gs pos="0">
-                    <a:schemeClr val="accent5">
-                      <a:lumMod val="50000"/>
-                    </a:schemeClr>
-                  </a:gs>
-                  <a:gs pos="50000">
-                    <a:schemeClr val="accent5"/>
-                  </a:gs>
-                  <a:gs pos="100000">
-                    <a:schemeClr val="accent5">
-                      <a:lumMod val="60000"/>
-                      <a:lumOff val="40000"/>
-                    </a:schemeClr>
-                  </a:gs>
-                </a:gsLst>
-                <a:lin ang="5400000"/>
-              </a:gradFill>
-              <a:effectLst>
-                <a:reflection blurRad="6350" stA="53000" endA="300" endPos="35500" dir="5400000" sy="-90000" algn="bl" rotWithShape="0"/>
-              </a:effectLst>
-            </a:endParaRPr>
           </a:p>
         </p:txBody>
       </p:sp>
@@ -29790,7 +28955,7 @@
           <p:nvPr>
             <p:extLst>
               <p:ext uri="{D42A27DB-BD31-4B8C-83A1-F6EECF244321}">
-                <p14:modId xmlns:p14="http://schemas.microsoft.com/office/powerpoint/2010/main" val="2457504236"/>
+                <p14:modId xmlns:p14="http://schemas.microsoft.com/office/powerpoint/2010/main" val="672060006"/>
               </p:ext>
             </p:extLst>
           </p:nvPr>
@@ -29815,13 +28980,6 @@
   <p:clrMapOvr>
     <a:masterClrMapping/>
   </p:clrMapOvr>
-  <p:timing>
-    <p:tnLst>
-      <p:par>
-        <p:cTn id="1" dur="indefinite" restart="never" nodeType="tmRoot"/>
-      </p:par>
-    </p:tnLst>
-  </p:timing>
 </p:sld>
 </file>
 
@@ -29888,7 +29046,7 @@
           <a:lstStyle/>
           <a:p>
             <a:r>
-              <a:rPr lang="it-IT" sz="5400" b="0" cap="none" spc="0" dirty="0" smtClean="0">
+              <a:rPr lang="it-IT" sz="5400" b="0" cap="none" spc="0" dirty="0">
                 <a:ln w="0"/>
                 <a:gradFill>
                   <a:gsLst>
@@ -29945,11 +29103,7 @@
             </a:pPr>
             <a:r>
               <a:rPr lang="en-US" dirty="0"/>
-              <a:t>E</a:t>
-            </a:r>
-            <a:r>
-              <a:rPr lang="en-US" dirty="0" smtClean="0"/>
-              <a:t>xecute map and reduce operations</a:t>
+              <a:t>Execute map and reduce operations</a:t>
             </a:r>
           </a:p>
           <a:p>
@@ -29957,7 +29111,7 @@
               <a:buFont typeface="+mj-lt"/>
               <a:buAutoNum type="arabicPeriod"/>
             </a:pPr>
-            <a:endParaRPr lang="en-US" dirty="0" smtClean="0"/>
+            <a:endParaRPr lang="en-US" dirty="0"/>
           </a:p>
           <a:p>
             <a:pPr marL="342900" indent="-342900">
@@ -29965,7 +29119,7 @@
               <a:buAutoNum type="arabicPeriod"/>
             </a:pPr>
             <a:r>
-              <a:rPr lang="en-US" dirty="0" smtClean="0"/>
+              <a:rPr lang="en-US" dirty="0"/>
               <a:t>Respond to coordinator’s pings</a:t>
             </a:r>
           </a:p>
@@ -30054,13 +29208,6 @@
   <p:clrMapOvr>
     <a:masterClrMapping/>
   </p:clrMapOvr>
-  <p:timing>
-    <p:tnLst>
-      <p:par>
-        <p:cTn id="1" dur="indefinite" restart="never" nodeType="tmRoot"/>
-      </p:par>
-    </p:tnLst>
-  </p:timing>
 </p:sld>
 </file>
 
@@ -30152,7 +29299,7 @@
           <a:p>
             <a:pPr algn="ctr"/>
             <a:r>
-              <a:rPr lang="it-IT" sz="5400" b="0" cap="none" spc="0" dirty="0" smtClean="0">
+              <a:rPr lang="it-IT" sz="5400" b="0" cap="none" spc="0" dirty="0">
                 <a:ln w="0"/>
                 <a:gradFill>
                   <a:gsLst>
@@ -30179,31 +29326,6 @@
               </a:rPr>
               <a:t>Worker: runtime</a:t>
             </a:r>
-            <a:endParaRPr lang="it-IT" sz="5400" b="0" cap="none" spc="0" dirty="0">
-              <a:ln w="0"/>
-              <a:gradFill>
-                <a:gsLst>
-                  <a:gs pos="0">
-                    <a:schemeClr val="accent5">
-                      <a:lumMod val="50000"/>
-                    </a:schemeClr>
-                  </a:gs>
-                  <a:gs pos="50000">
-                    <a:schemeClr val="accent5"/>
-                  </a:gs>
-                  <a:gs pos="100000">
-                    <a:schemeClr val="accent5">
-                      <a:lumMod val="60000"/>
-                      <a:lumOff val="40000"/>
-                    </a:schemeClr>
-                  </a:gs>
-                </a:gsLst>
-                <a:lin ang="5400000"/>
-              </a:gradFill>
-              <a:effectLst>
-                <a:reflection blurRad="6350" stA="53000" endA="300" endPos="35500" dir="5400000" sy="-90000" algn="bl" rotWithShape="0"/>
-              </a:effectLst>
-            </a:endParaRPr>
           </a:p>
         </p:txBody>
       </p:sp>
@@ -30239,13 +29361,6 @@
   <p:clrMapOvr>
     <a:masterClrMapping/>
   </p:clrMapOvr>
-  <p:timing>
-    <p:tnLst>
-      <p:par>
-        <p:cTn id="1" dur="indefinite" restart="never" nodeType="tmRoot"/>
-      </p:par>
-    </p:tnLst>
-  </p:timing>
 </p:sld>
 </file>
 
@@ -30306,7 +29421,7 @@
               <a:defRPr/>
             </a:pPr>
             <a:r>
-              <a:rPr kumimoji="0" lang="it-IT" sz="5400" b="0" i="0" u="none" strike="noStrike" kern="1200" cap="none" spc="0" normalizeH="0" baseline="0" noProof="0" dirty="0" smtClean="0">
+              <a:rPr kumimoji="0" lang="it-IT" sz="5400" b="0" i="0" u="none" strike="noStrike" kern="1200" cap="none" spc="0" normalizeH="0" baseline="0" noProof="0" dirty="0">
                 <a:ln w="0"/>
                 <a:gradFill>
                   <a:gsLst>
@@ -30585,7 +29700,7 @@
               <a:buAutoNum type="arabicParenR"/>
             </a:pPr>
             <a:r>
-              <a:rPr lang="en-US" sz="2000" dirty="0" smtClean="0"/>
+              <a:rPr lang="en-US" sz="2000" dirty="0"/>
               <a:t>The coordinator will periodically ping all workers by sending a ping and scheduling a self ping Timeout message, if no pong is received before a ping Timeout for that worker then it is considered failed. </a:t>
             </a:r>
           </a:p>
@@ -30595,7 +29710,7 @@
               <a:buAutoNum type="arabicParenR"/>
             </a:pPr>
             <a:r>
-              <a:rPr lang="en-US" sz="2000" dirty="0" smtClean="0"/>
+              <a:rPr lang="en-US" sz="2000" dirty="0"/>
               <a:t>If a pong is received in time the ping Timeout for that worker is deleted and a new ping is sent. When a back online message is received the info about the worker is updated and a new task is scheduled.</a:t>
             </a:r>
           </a:p>
@@ -30605,7 +29720,7 @@
               <a:buAutoNum type="arabicParenR"/>
             </a:pPr>
             <a:r>
-              <a:rPr lang="en-US" sz="2000" dirty="0" smtClean="0"/>
+              <a:rPr lang="en-US" sz="2000" dirty="0"/>
               <a:t>When a worker that was executing a task fails, the task is rescheduled on a free worker. </a:t>
             </a:r>
           </a:p>
@@ -30615,10 +29730,9 @@
               <a:buAutoNum type="arabicParenR"/>
             </a:pPr>
             <a:r>
-              <a:rPr lang="en-US" sz="2000" dirty="0" smtClean="0"/>
+              <a:rPr lang="en-US" sz="2000" dirty="0"/>
               <a:t>The worker also responds to ping with a pong. The failure model is such that there is a probability to fail after each execute message is received, in this case the worker will drop the task and schedule a recovery self message, after which it will send a back online message to the coordinator.</a:t>
             </a:r>
-            <a:endParaRPr lang="en-US" sz="2000" dirty="0"/>
           </a:p>
         </p:txBody>
       </p:sp>
@@ -30632,13 +29746,6 @@
   <p:clrMapOvr>
     <a:masterClrMapping/>
   </p:clrMapOvr>
-  <p:timing>
-    <p:tnLst>
-      <p:par>
-        <p:cTn id="1" dur="indefinite" restart="never" nodeType="tmRoot"/>
-      </p:par>
-    </p:tnLst>
-  </p:timing>
 </p:sld>
 </file>
 
@@ -30721,41 +29828,8 @@
                 <a:ea typeface="+mn-ea"/>
                 <a:cs typeface="+mn-cs"/>
               </a:rPr>
-              <a:t>Data </a:t>
-            </a:r>
-            <a:r>
-              <a:rPr lang="it-IT" dirty="0" smtClean="0">
-                <a:ln w="0"/>
-                <a:solidFill>
-                  <a:schemeClr val="accent1">
-                    <a:lumMod val="40000"/>
-                    <a:lumOff val="60000"/>
-                  </a:schemeClr>
-                </a:solidFill>
-                <a:effectLst>
-                  <a:reflection blurRad="6350" stA="53000" endA="300" endPos="35500" dir="5400000" sy="-90000" algn="bl" rotWithShape="0"/>
-                </a:effectLst>
-                <a:latin typeface="+mn-lt"/>
-                <a:ea typeface="+mn-ea"/>
-                <a:cs typeface="+mn-cs"/>
-              </a:rPr>
-              <a:t>structures</a:t>
-            </a:r>
-            <a:endParaRPr lang="it-IT" dirty="0">
-              <a:ln w="0"/>
-              <a:solidFill>
-                <a:schemeClr val="accent1">
-                  <a:lumMod val="40000"/>
-                  <a:lumOff val="60000"/>
-                </a:schemeClr>
-              </a:solidFill>
-              <a:effectLst>
-                <a:reflection blurRad="6350" stA="53000" endA="300" endPos="35500" dir="5400000" sy="-90000" algn="bl" rotWithShape="0"/>
-              </a:effectLst>
-              <a:latin typeface="+mn-lt"/>
-              <a:ea typeface="+mn-ea"/>
-              <a:cs typeface="+mn-cs"/>
-            </a:endParaRPr>
+              <a:t>Data structures</a:t>
+            </a:r>
           </a:p>
         </p:txBody>
       </p:sp>
@@ -30792,15 +29866,15 @@
               <a:buChar char="•"/>
             </a:pPr>
             <a:r>
-              <a:rPr lang="it-IT" dirty="0" smtClean="0"/>
+              <a:rPr lang="it-IT" dirty="0"/>
               <a:t>Input </a:t>
             </a:r>
             <a:r>
-              <a:rPr lang="it-IT" dirty="0" err="1" smtClean="0"/>
+              <a:rPr lang="it-IT" dirty="0" err="1"/>
               <a:t>files</a:t>
             </a:r>
             <a:r>
-              <a:rPr lang="it-IT" dirty="0" smtClean="0"/>
+              <a:rPr lang="it-IT" dirty="0"/>
               <a:t>:</a:t>
             </a:r>
           </a:p>
@@ -30810,67 +29884,67 @@
               <a:buChar char="•"/>
             </a:pPr>
             <a:r>
-              <a:rPr lang="it-IT" dirty="0" smtClean="0"/>
+              <a:rPr lang="it-IT" dirty="0"/>
               <a:t>JSON file </a:t>
             </a:r>
             <a:r>
-              <a:rPr lang="it-IT" dirty="0" err="1" smtClean="0"/>
+              <a:rPr lang="it-IT" dirty="0" err="1"/>
               <a:t>contains</a:t>
             </a:r>
             <a:r>
-              <a:rPr lang="it-IT" dirty="0" smtClean="0"/>
+              <a:rPr lang="it-IT" dirty="0"/>
               <a:t>: </a:t>
             </a:r>
             <a:r>
-              <a:rPr lang="it-IT" dirty="0" err="1" smtClean="0"/>
+              <a:rPr lang="it-IT" dirty="0" err="1"/>
               <a:t>definition</a:t>
             </a:r>
             <a:r>
-              <a:rPr lang="it-IT" dirty="0" smtClean="0"/>
+              <a:rPr lang="it-IT" dirty="0"/>
               <a:t> of a </a:t>
             </a:r>
             <a:r>
-              <a:rPr lang="it-IT" dirty="0" err="1" smtClean="0"/>
+              <a:rPr lang="it-IT" dirty="0" err="1"/>
               <a:t>sequence</a:t>
             </a:r>
             <a:r>
-              <a:rPr lang="it-IT" dirty="0" smtClean="0"/>
+              <a:rPr lang="it-IT" dirty="0"/>
               <a:t> of </a:t>
             </a:r>
             <a:r>
-              <a:rPr lang="it-IT" dirty="0" err="1" smtClean="0"/>
+              <a:rPr lang="it-IT" dirty="0" err="1"/>
               <a:t>maps</a:t>
             </a:r>
             <a:r>
-              <a:rPr lang="it-IT" dirty="0" smtClean="0"/>
+              <a:rPr lang="it-IT" dirty="0"/>
               <a:t> </a:t>
             </a:r>
             <a:r>
-              <a:rPr lang="it-IT" dirty="0" err="1" smtClean="0"/>
+              <a:rPr lang="it-IT" dirty="0" err="1"/>
               <a:t>operation</a:t>
             </a:r>
             <a:r>
-              <a:rPr lang="it-IT" dirty="0" smtClean="0"/>
+              <a:rPr lang="it-IT" dirty="0"/>
               <a:t>, </a:t>
             </a:r>
             <a:r>
-              <a:rPr lang="it-IT" dirty="0" err="1" smtClean="0"/>
+              <a:rPr lang="it-IT" dirty="0" err="1"/>
               <a:t>changekey</a:t>
             </a:r>
             <a:r>
-              <a:rPr lang="it-IT" dirty="0" smtClean="0"/>
+              <a:rPr lang="it-IT" dirty="0"/>
               <a:t> and </a:t>
             </a:r>
             <a:r>
-              <a:rPr lang="it-IT" dirty="0" err="1" smtClean="0"/>
+              <a:rPr lang="it-IT" dirty="0" err="1"/>
               <a:t>one</a:t>
             </a:r>
             <a:r>
-              <a:rPr lang="it-IT" dirty="0" smtClean="0"/>
+              <a:rPr lang="it-IT" dirty="0"/>
               <a:t> reduce </a:t>
             </a:r>
             <a:r>
-              <a:rPr lang="it-IT" dirty="0" err="1" smtClean="0"/>
+              <a:rPr lang="it-IT" dirty="0" err="1"/>
               <a:t>operation</a:t>
             </a:r>
             <a:endParaRPr lang="it-IT" dirty="0"/>
@@ -30881,27 +29955,27 @@
               <a:buChar char="•"/>
             </a:pPr>
             <a:r>
-              <a:rPr lang="it-IT" dirty="0" smtClean="0"/>
+              <a:rPr lang="it-IT" dirty="0"/>
               <a:t>CSV file: a </a:t>
             </a:r>
             <a:r>
-              <a:rPr lang="it-IT" dirty="0" err="1" smtClean="0"/>
+              <a:rPr lang="it-IT" dirty="0" err="1"/>
               <a:t>series</a:t>
             </a:r>
             <a:r>
-              <a:rPr lang="it-IT" dirty="0" smtClean="0"/>
+              <a:rPr lang="it-IT" dirty="0"/>
               <a:t> of </a:t>
             </a:r>
             <a:r>
-              <a:rPr lang="it-IT" dirty="0" err="1" smtClean="0"/>
+              <a:rPr lang="it-IT" dirty="0" err="1"/>
               <a:t>key-value</a:t>
             </a:r>
             <a:r>
-              <a:rPr lang="it-IT" dirty="0" smtClean="0"/>
+              <a:rPr lang="it-IT" dirty="0"/>
               <a:t> </a:t>
             </a:r>
             <a:r>
-              <a:rPr lang="it-IT" dirty="0" err="1" smtClean="0"/>
+              <a:rPr lang="it-IT" dirty="0" err="1"/>
               <a:t>pairs</a:t>
             </a:r>
             <a:endParaRPr lang="it-IT" dirty="0"/>
@@ -30911,7 +29985,7 @@
               <a:buFont typeface="Arial" panose="020B0604020202020204" pitchFamily="34" charset="0"/>
               <a:buChar char="•"/>
             </a:pPr>
-            <a:endParaRPr lang="it-IT" dirty="0" smtClean="0"/>
+            <a:endParaRPr lang="it-IT" dirty="0"/>
           </a:p>
           <a:p>
             <a:pPr marL="742950" lvl="1" indent="-285750">
@@ -30919,112 +29993,108 @@
               <a:buChar char="•"/>
             </a:pPr>
             <a:r>
-              <a:rPr lang="it-IT" dirty="0" err="1" smtClean="0"/>
+              <a:rPr lang="it-IT" dirty="0" err="1"/>
               <a:t>workersData</a:t>
             </a:r>
             <a:r>
-              <a:rPr lang="it-IT" dirty="0" smtClean="0"/>
+              <a:rPr lang="it-IT" dirty="0"/>
               <a:t>: </a:t>
             </a:r>
             <a:r>
-              <a:rPr lang="it-IT" dirty="0" err="1" smtClean="0"/>
+              <a:rPr lang="it-IT" dirty="0" err="1"/>
               <a:t>contains</a:t>
             </a:r>
             <a:r>
-              <a:rPr lang="it-IT" dirty="0" smtClean="0"/>
+              <a:rPr lang="it-IT" dirty="0"/>
               <a:t> information </a:t>
             </a:r>
             <a:r>
-              <a:rPr lang="it-IT" dirty="0" err="1" smtClean="0"/>
+              <a:rPr lang="it-IT" dirty="0" err="1"/>
               <a:t>about</a:t>
             </a:r>
             <a:r>
-              <a:rPr lang="it-IT" dirty="0" smtClean="0"/>
+              <a:rPr lang="it-IT" dirty="0"/>
               <a:t> </a:t>
             </a:r>
             <a:r>
-              <a:rPr lang="it-IT" dirty="0" err="1" smtClean="0"/>
+              <a:rPr lang="it-IT" dirty="0" err="1"/>
               <a:t>each</a:t>
             </a:r>
             <a:r>
-              <a:rPr lang="it-IT" dirty="0" smtClean="0"/>
+              <a:rPr lang="it-IT" dirty="0"/>
               <a:t> </a:t>
             </a:r>
             <a:r>
-              <a:rPr lang="it-IT" dirty="0" err="1" smtClean="0"/>
+              <a:rPr lang="it-IT" dirty="0" err="1"/>
               <a:t>worker</a:t>
             </a:r>
             <a:r>
-              <a:rPr lang="it-IT" dirty="0" smtClean="0"/>
+              <a:rPr lang="it-IT" dirty="0"/>
               <a:t> (</a:t>
             </a:r>
             <a:r>
-              <a:rPr lang="it-IT" dirty="0" err="1" smtClean="0"/>
+              <a:rPr lang="it-IT" dirty="0" err="1"/>
               <a:t>its</a:t>
             </a:r>
             <a:r>
-              <a:rPr lang="it-IT" dirty="0" smtClean="0"/>
+              <a:rPr lang="it-IT" dirty="0"/>
               <a:t> id, the </a:t>
             </a:r>
             <a:r>
-              <a:rPr lang="it-IT" dirty="0" err="1" smtClean="0"/>
+              <a:rPr lang="it-IT" dirty="0" err="1"/>
               <a:t>operation</a:t>
             </a:r>
             <a:r>
-              <a:rPr lang="it-IT" dirty="0" smtClean="0"/>
+              <a:rPr lang="it-IT" dirty="0"/>
               <a:t> </a:t>
             </a:r>
             <a:r>
-              <a:rPr lang="it-IT" dirty="0" err="1" smtClean="0"/>
+              <a:rPr lang="it-IT" dirty="0" err="1"/>
               <a:t>it</a:t>
             </a:r>
             <a:r>
-              <a:rPr lang="it-IT" dirty="0" smtClean="0"/>
+              <a:rPr lang="it-IT" dirty="0"/>
               <a:t> </a:t>
             </a:r>
             <a:r>
-              <a:rPr lang="it-IT" dirty="0" err="1" smtClean="0"/>
+              <a:rPr lang="it-IT" dirty="0" err="1"/>
               <a:t>is</a:t>
             </a:r>
             <a:r>
-              <a:rPr lang="it-IT" dirty="0" smtClean="0"/>
+              <a:rPr lang="it-IT" dirty="0"/>
               <a:t> </a:t>
             </a:r>
             <a:r>
-              <a:rPr lang="it-IT" dirty="0" err="1" smtClean="0"/>
+              <a:rPr lang="it-IT" dirty="0" err="1"/>
               <a:t>executing</a:t>
             </a:r>
             <a:r>
-              <a:rPr lang="it-IT" dirty="0" smtClean="0"/>
+              <a:rPr lang="it-IT" dirty="0"/>
               <a:t> and </a:t>
             </a:r>
             <a:r>
-              <a:rPr lang="it-IT" dirty="0" err="1" smtClean="0"/>
+              <a:rPr lang="it-IT" dirty="0" err="1"/>
               <a:t>if</a:t>
             </a:r>
             <a:r>
-              <a:rPr lang="it-IT" dirty="0" smtClean="0"/>
+              <a:rPr lang="it-IT" dirty="0"/>
               <a:t> </a:t>
             </a:r>
             <a:r>
-              <a:rPr lang="it-IT" dirty="0" err="1" smtClean="0"/>
+              <a:rPr lang="it-IT" dirty="0" err="1"/>
               <a:t>it</a:t>
             </a:r>
             <a:r>
-              <a:rPr lang="it-IT" dirty="0" smtClean="0"/>
+              <a:rPr lang="it-IT" dirty="0"/>
               <a:t> </a:t>
             </a:r>
             <a:r>
-              <a:rPr lang="it-IT" dirty="0" err="1" smtClean="0"/>
+              <a:rPr lang="it-IT" dirty="0" err="1"/>
               <a:t>is</a:t>
             </a:r>
             <a:r>
-              <a:rPr lang="it-IT" dirty="0" smtClean="0"/>
-              <a:t> online</a:t>
-            </a:r>
-            <a:r>
-              <a:rPr lang="it-IT" dirty="0" smtClean="0"/>
-              <a:t>)</a:t>
+              <a:rPr lang="it-IT" dirty="0"/>
+              <a:t> online)</a:t>
             </a:r>
           </a:p>
           <a:p>
@@ -31032,7 +30102,7 @@
               <a:buFont typeface="Arial" panose="020B0604020202020204" pitchFamily="34" charset="0"/>
               <a:buChar char="•"/>
             </a:pPr>
-            <a:endParaRPr lang="it-IT" dirty="0" smtClean="0"/>
+            <a:endParaRPr lang="it-IT" dirty="0"/>
           </a:p>
           <a:p>
             <a:pPr marL="742950" lvl="1" indent="-285750">
@@ -31040,53 +30110,52 @@
               <a:buChar char="•"/>
             </a:pPr>
             <a:r>
-              <a:rPr lang="it-IT" dirty="0" err="1" smtClean="0"/>
+              <a:rPr lang="it-IT" dirty="0" err="1"/>
               <a:t>mapTaskQueue</a:t>
             </a:r>
             <a:r>
-              <a:rPr lang="it-IT" dirty="0" smtClean="0"/>
-              <a:t>: </a:t>
-            </a:r>
-            <a:r>
-              <a:rPr lang="it-IT" dirty="0" err="1" smtClean="0"/>
+              <a:rPr lang="it-IT" dirty="0"/>
+              <a:t>: map </a:t>
+            </a:r>
+            <a:r>
+              <a:rPr lang="it-IT" dirty="0" err="1"/>
               <a:t>tasks</a:t>
             </a:r>
             <a:r>
-              <a:rPr lang="it-IT" dirty="0" smtClean="0"/>
+              <a:rPr lang="it-IT" dirty="0"/>
               <a:t> </a:t>
             </a:r>
             <a:r>
-              <a:rPr lang="it-IT" dirty="0" err="1" smtClean="0"/>
+              <a:rPr lang="it-IT" dirty="0" err="1"/>
               <a:t>that</a:t>
             </a:r>
             <a:r>
-              <a:rPr lang="it-IT" dirty="0" smtClean="0"/>
+              <a:rPr lang="it-IT" dirty="0"/>
               <a:t> </a:t>
             </a:r>
             <a:r>
-              <a:rPr lang="it-IT" dirty="0" err="1" smtClean="0"/>
+              <a:rPr lang="it-IT" dirty="0" err="1"/>
               <a:t>have</a:t>
             </a:r>
             <a:r>
-              <a:rPr lang="it-IT" dirty="0" smtClean="0"/>
+              <a:rPr lang="it-IT" dirty="0"/>
               <a:t> to be </a:t>
             </a:r>
             <a:r>
-              <a:rPr lang="it-IT" dirty="0" err="1" smtClean="0"/>
+              <a:rPr lang="it-IT" dirty="0" err="1"/>
               <a:t>executed</a:t>
             </a:r>
             <a:r>
-              <a:rPr lang="it-IT" dirty="0" smtClean="0"/>
+              <a:rPr lang="it-IT" dirty="0"/>
               <a:t> </a:t>
             </a:r>
-            <a:endParaRPr lang="it-IT" dirty="0" smtClean="0"/>
           </a:p>
           <a:p>
             <a:pPr marL="742950" lvl="1" indent="-285750">
               <a:buFont typeface="Arial" panose="020B0604020202020204" pitchFamily="34" charset="0"/>
               <a:buChar char="•"/>
             </a:pPr>
-            <a:endParaRPr lang="it-IT" dirty="0" smtClean="0"/>
+            <a:endParaRPr lang="it-IT" dirty="0"/>
           </a:p>
           <a:p>
             <a:pPr marL="742950" lvl="1" indent="-285750">
@@ -31095,70 +30164,66 @@
             </a:pPr>
             <a:r>
               <a:rPr lang="it-IT" dirty="0" err="1"/>
-              <a:t>g</a:t>
-            </a:r>
-            <a:r>
-              <a:rPr lang="it-IT" dirty="0" err="1" smtClean="0"/>
-              <a:t>lobaldata</a:t>
-            </a:r>
-            <a:r>
-              <a:rPr lang="it-IT" dirty="0" smtClean="0"/>
+              <a:t>globaldata</a:t>
+            </a:r>
+            <a:r>
+              <a:rPr lang="it-IT" dirty="0"/>
               <a:t>: </a:t>
             </a:r>
             <a:r>
-              <a:rPr lang="it-IT" dirty="0" err="1" smtClean="0"/>
+              <a:rPr lang="it-IT" dirty="0" err="1"/>
               <a:t>vector</a:t>
             </a:r>
             <a:r>
-              <a:rPr lang="it-IT" dirty="0" smtClean="0"/>
+              <a:rPr lang="it-IT" dirty="0"/>
               <a:t> with the input data </a:t>
             </a:r>
             <a:r>
-              <a:rPr lang="it-IT" dirty="0" err="1" smtClean="0"/>
+              <a:rPr lang="it-IT" dirty="0" err="1"/>
               <a:t>divided</a:t>
             </a:r>
             <a:r>
-              <a:rPr lang="it-IT" dirty="0" smtClean="0"/>
+              <a:rPr lang="it-IT" dirty="0"/>
               <a:t> in </a:t>
             </a:r>
             <a:r>
-              <a:rPr lang="it-IT" dirty="0" err="1" smtClean="0"/>
+              <a:rPr lang="it-IT" dirty="0" err="1"/>
               <a:t>chuncks</a:t>
             </a:r>
             <a:r>
-              <a:rPr lang="it-IT" dirty="0" smtClean="0"/>
+              <a:rPr lang="it-IT" dirty="0"/>
               <a:t> (</a:t>
             </a:r>
             <a:r>
-              <a:rPr lang="it-IT" dirty="0" err="1" smtClean="0"/>
+              <a:rPr lang="it-IT" dirty="0" err="1"/>
               <a:t>each</a:t>
             </a:r>
             <a:r>
-              <a:rPr lang="it-IT" dirty="0" smtClean="0"/>
+              <a:rPr lang="it-IT" dirty="0"/>
               <a:t> </a:t>
             </a:r>
             <a:r>
-              <a:rPr lang="it-IT" dirty="0" err="1" smtClean="0"/>
+              <a:rPr lang="it-IT" dirty="0" err="1"/>
               <a:t>represented</a:t>
             </a:r>
             <a:r>
-              <a:rPr lang="it-IT" dirty="0" smtClean="0"/>
+              <a:rPr lang="it-IT" dirty="0"/>
               <a:t> by a </a:t>
             </a:r>
             <a:r>
-              <a:rPr lang="it-IT" dirty="0" err="1" smtClean="0"/>
+              <a:rPr lang="it-IT" dirty="0" err="1"/>
               <a:t>vector</a:t>
             </a:r>
             <a:r>
-              <a:rPr lang="it-IT" dirty="0" smtClean="0"/>
+              <a:rPr lang="it-IT" dirty="0"/>
               <a:t> of </a:t>
             </a:r>
             <a:r>
-              <a:rPr lang="it-IT" dirty="0" err="1" smtClean="0"/>
+              <a:rPr lang="it-IT" dirty="0" err="1"/>
               <a:t>pairs</a:t>
             </a:r>
             <a:r>
-              <a:rPr lang="it-IT" dirty="0" smtClean="0"/>
+              <a:rPr lang="it-IT" dirty="0"/>
               <a:t>)</a:t>
             </a:r>
           </a:p>
@@ -31167,7 +30232,7 @@
               <a:buFont typeface="Arial" panose="020B0604020202020204" pitchFamily="34" charset="0"/>
               <a:buChar char="•"/>
             </a:pPr>
-            <a:endParaRPr lang="it-IT" dirty="0" smtClean="0"/>
+            <a:endParaRPr lang="it-IT" dirty="0"/>
           </a:p>
           <a:p>
             <a:pPr marL="742950" lvl="1" indent="-285750">
@@ -31175,103 +30240,99 @@
               <a:buChar char="•"/>
             </a:pPr>
             <a:r>
-              <a:rPr lang="it-IT" dirty="0" err="1" smtClean="0"/>
+              <a:rPr lang="it-IT" dirty="0" err="1"/>
               <a:t>currentTaskQueue</a:t>
             </a:r>
             <a:r>
-              <a:rPr lang="it-IT" dirty="0" smtClean="0"/>
+              <a:rPr lang="it-IT" dirty="0"/>
               <a:t>: </a:t>
             </a:r>
             <a:r>
-              <a:rPr lang="it-IT" dirty="0" err="1" smtClean="0"/>
+              <a:rPr lang="it-IT" dirty="0" err="1"/>
               <a:t>keeps</a:t>
             </a:r>
             <a:r>
-              <a:rPr lang="it-IT" dirty="0" smtClean="0"/>
+              <a:rPr lang="it-IT" dirty="0"/>
               <a:t> </a:t>
             </a:r>
             <a:r>
-              <a:rPr lang="it-IT" dirty="0" err="1" smtClean="0"/>
+              <a:rPr lang="it-IT" dirty="0" err="1"/>
               <a:t>track</a:t>
             </a:r>
             <a:r>
-              <a:rPr lang="it-IT" dirty="0" smtClean="0"/>
+              <a:rPr lang="it-IT" dirty="0"/>
               <a:t> of the </a:t>
             </a:r>
             <a:r>
-              <a:rPr lang="it-IT" dirty="0" err="1" smtClean="0"/>
+              <a:rPr lang="it-IT" dirty="0" err="1"/>
               <a:t>tasks</a:t>
             </a:r>
             <a:r>
-              <a:rPr lang="it-IT" dirty="0" smtClean="0"/>
+              <a:rPr lang="it-IT" dirty="0"/>
               <a:t> to be </a:t>
             </a:r>
             <a:r>
-              <a:rPr lang="it-IT" dirty="0" err="1" smtClean="0"/>
+              <a:rPr lang="it-IT" dirty="0" err="1"/>
               <a:t>executed</a:t>
             </a:r>
             <a:r>
-              <a:rPr lang="it-IT" dirty="0" smtClean="0"/>
+              <a:rPr lang="it-IT" dirty="0"/>
               <a:t>, </a:t>
             </a:r>
             <a:r>
-              <a:rPr lang="it-IT" dirty="0" err="1" smtClean="0"/>
+              <a:rPr lang="it-IT" dirty="0" err="1"/>
               <a:t>each</a:t>
             </a:r>
             <a:r>
-              <a:rPr lang="it-IT" dirty="0" smtClean="0"/>
+              <a:rPr lang="it-IT" dirty="0"/>
               <a:t> item </a:t>
             </a:r>
             <a:r>
-              <a:rPr lang="it-IT" dirty="0" err="1" smtClean="0"/>
+              <a:rPr lang="it-IT" dirty="0" err="1"/>
               <a:t>is</a:t>
             </a:r>
             <a:r>
-              <a:rPr lang="it-IT" dirty="0" smtClean="0"/>
+              <a:rPr lang="it-IT" dirty="0"/>
+              <a:t> a </a:t>
+            </a:r>
+            <a:r>
+              <a:rPr lang="it-IT" dirty="0" err="1"/>
+              <a:t>pair</a:t>
+            </a:r>
+            <a:r>
+              <a:rPr lang="it-IT" dirty="0"/>
+              <a:t> of </a:t>
+            </a:r>
+            <a:r>
+              <a:rPr lang="it-IT" dirty="0" err="1"/>
+              <a:t>integers</a:t>
+            </a:r>
+            <a:r>
+              <a:rPr lang="it-IT" dirty="0"/>
+              <a:t> (</a:t>
+            </a:r>
+            <a:r>
+              <a:rPr lang="it-IT" dirty="0" err="1"/>
+              <a:t>chunck</a:t>
+            </a:r>
+            <a:r>
+              <a:rPr lang="it-IT" dirty="0"/>
               <a:t> </a:t>
             </a:r>
             <a:r>
-              <a:rPr lang="it-IT" dirty="0" smtClean="0"/>
-              <a:t>a </a:t>
-            </a:r>
-            <a:r>
-              <a:rPr lang="it-IT" dirty="0" err="1" smtClean="0"/>
-              <a:t>pair</a:t>
-            </a:r>
-            <a:r>
-              <a:rPr lang="it-IT" dirty="0" smtClean="0"/>
-              <a:t> of </a:t>
-            </a:r>
-            <a:r>
-              <a:rPr lang="it-IT" dirty="0" err="1" smtClean="0"/>
-              <a:t>integers</a:t>
-            </a:r>
-            <a:r>
-              <a:rPr lang="it-IT" dirty="0" smtClean="0"/>
-              <a:t> (</a:t>
-            </a:r>
-            <a:r>
-              <a:rPr lang="it-IT" dirty="0" err="1" smtClean="0"/>
-              <a:t>chunck</a:t>
-            </a:r>
-            <a:r>
-              <a:rPr lang="it-IT" dirty="0" smtClean="0"/>
-              <a:t> </a:t>
-            </a:r>
-            <a:r>
-              <a:rPr lang="it-IT" dirty="0" err="1" smtClean="0"/>
+              <a:rPr lang="it-IT" dirty="0" err="1"/>
               <a:t>index</a:t>
             </a:r>
             <a:r>
-              <a:rPr lang="it-IT" dirty="0" smtClean="0"/>
+              <a:rPr lang="it-IT" dirty="0"/>
               <a:t>; task </a:t>
             </a:r>
             <a:r>
-              <a:rPr lang="it-IT" dirty="0" err="1" smtClean="0"/>
+              <a:rPr lang="it-IT" dirty="0" err="1"/>
               <a:t>index</a:t>
             </a:r>
             <a:r>
-              <a:rPr lang="it-IT" dirty="0" smtClean="0"/>
+              <a:rPr lang="it-IT" dirty="0"/>
               <a:t>)</a:t>
             </a:r>
           </a:p>
@@ -31280,7 +30341,7 @@
               <a:buFont typeface="Arial" panose="020B0604020202020204" pitchFamily="34" charset="0"/>
               <a:buChar char="•"/>
             </a:pPr>
-            <a:endParaRPr lang="it-IT" dirty="0" smtClean="0"/>
+            <a:endParaRPr lang="it-IT" dirty="0"/>
           </a:p>
           <a:p>
             <a:pPr marL="742950" lvl="1" indent="-285750">
@@ -31288,81 +30349,81 @@
               <a:buChar char="•"/>
             </a:pPr>
             <a:r>
-              <a:rPr lang="it-IT" dirty="0" err="1" smtClean="0"/>
+              <a:rPr lang="it-IT" dirty="0" err="1"/>
               <a:t>chunkDone</a:t>
             </a:r>
             <a:r>
-              <a:rPr lang="it-IT" dirty="0" smtClean="0"/>
+              <a:rPr lang="it-IT" dirty="0"/>
               <a:t>: </a:t>
             </a:r>
             <a:r>
-              <a:rPr lang="it-IT" dirty="0" err="1" smtClean="0"/>
+              <a:rPr lang="it-IT" dirty="0" err="1"/>
               <a:t>vector</a:t>
             </a:r>
             <a:r>
-              <a:rPr lang="it-IT" dirty="0" smtClean="0"/>
+              <a:rPr lang="it-IT" dirty="0"/>
               <a:t> of </a:t>
             </a:r>
             <a:r>
-              <a:rPr lang="it-IT" dirty="0" err="1" smtClean="0"/>
+              <a:rPr lang="it-IT" dirty="0" err="1"/>
               <a:t>booleans</a:t>
             </a:r>
             <a:r>
-              <a:rPr lang="it-IT" dirty="0" smtClean="0"/>
+              <a:rPr lang="it-IT" dirty="0"/>
               <a:t> </a:t>
             </a:r>
             <a:r>
-              <a:rPr lang="it-IT" dirty="0" err="1" smtClean="0"/>
+              <a:rPr lang="it-IT" dirty="0" err="1"/>
               <a:t>that</a:t>
             </a:r>
             <a:r>
-              <a:rPr lang="it-IT" dirty="0" smtClean="0"/>
+              <a:rPr lang="it-IT" dirty="0"/>
               <a:t> </a:t>
             </a:r>
             <a:r>
-              <a:rPr lang="it-IT" dirty="0" err="1" smtClean="0"/>
+              <a:rPr lang="it-IT" dirty="0" err="1"/>
               <a:t>keeps</a:t>
             </a:r>
             <a:r>
-              <a:rPr lang="it-IT" dirty="0" smtClean="0"/>
+              <a:rPr lang="it-IT" dirty="0"/>
               <a:t> </a:t>
             </a:r>
             <a:r>
-              <a:rPr lang="it-IT" dirty="0" err="1" smtClean="0"/>
+              <a:rPr lang="it-IT" dirty="0" err="1"/>
               <a:t>track</a:t>
             </a:r>
             <a:r>
-              <a:rPr lang="it-IT" dirty="0" smtClean="0"/>
+              <a:rPr lang="it-IT" dirty="0"/>
               <a:t> of the </a:t>
             </a:r>
             <a:r>
-              <a:rPr lang="it-IT" dirty="0" err="1" smtClean="0"/>
+              <a:rPr lang="it-IT" dirty="0" err="1"/>
               <a:t>completion</a:t>
             </a:r>
             <a:r>
-              <a:rPr lang="it-IT" dirty="0" smtClean="0"/>
+              <a:rPr lang="it-IT" dirty="0"/>
               <a:t> status of </a:t>
             </a:r>
             <a:r>
-              <a:rPr lang="it-IT" dirty="0" err="1" smtClean="0"/>
+              <a:rPr lang="it-IT" dirty="0" err="1"/>
               <a:t>each</a:t>
             </a:r>
             <a:r>
-              <a:rPr lang="it-IT" dirty="0" smtClean="0"/>
+              <a:rPr lang="it-IT" dirty="0"/>
               <a:t> </a:t>
             </a:r>
             <a:r>
-              <a:rPr lang="it-IT" dirty="0" err="1" smtClean="0"/>
+              <a:rPr lang="it-IT" dirty="0" err="1"/>
               <a:t>chunk</a:t>
             </a:r>
-            <a:endParaRPr lang="it-IT" dirty="0" smtClean="0"/>
+            <a:endParaRPr lang="it-IT" dirty="0"/>
           </a:p>
           <a:p>
             <a:pPr marL="742950" lvl="1" indent="-285750">
               <a:buFont typeface="Arial" panose="020B0604020202020204" pitchFamily="34" charset="0"/>
               <a:buChar char="•"/>
             </a:pPr>
-            <a:endParaRPr lang="it-IT" dirty="0" smtClean="0"/>
+            <a:endParaRPr lang="it-IT" dirty="0"/>
           </a:p>
           <a:p>
             <a:pPr marL="742950" lvl="1" indent="-285750">
@@ -31370,57 +30431,57 @@
               <a:buChar char="•"/>
             </a:pPr>
             <a:r>
-              <a:rPr lang="it-IT" dirty="0" err="1" smtClean="0"/>
+              <a:rPr lang="it-IT" dirty="0" err="1"/>
               <a:t>reduceData</a:t>
             </a:r>
             <a:r>
-              <a:rPr lang="it-IT" dirty="0" smtClean="0"/>
+              <a:rPr lang="it-IT" dirty="0"/>
               <a:t>: </a:t>
             </a:r>
             <a:r>
-              <a:rPr lang="it-IT" dirty="0" err="1" smtClean="0"/>
+              <a:rPr lang="it-IT" dirty="0" err="1"/>
               <a:t>represents</a:t>
             </a:r>
             <a:r>
-              <a:rPr lang="it-IT" dirty="0" smtClean="0"/>
+              <a:rPr lang="it-IT" dirty="0"/>
               <a:t> the </a:t>
             </a:r>
             <a:r>
-              <a:rPr lang="it-IT" dirty="0" err="1" smtClean="0"/>
+              <a:rPr lang="it-IT" dirty="0" err="1"/>
               <a:t>sorted</a:t>
             </a:r>
             <a:r>
-              <a:rPr lang="it-IT" dirty="0" smtClean="0"/>
+              <a:rPr lang="it-IT" dirty="0"/>
               <a:t> input data and </a:t>
             </a:r>
             <a:r>
-              <a:rPr lang="it-IT" dirty="0" err="1" smtClean="0"/>
+              <a:rPr lang="it-IT" dirty="0" err="1"/>
               <a:t>it’s</a:t>
             </a:r>
             <a:r>
-              <a:rPr lang="it-IT" dirty="0" smtClean="0"/>
+              <a:rPr lang="it-IT" dirty="0"/>
               <a:t> </a:t>
             </a:r>
             <a:r>
-              <a:rPr lang="it-IT" dirty="0" err="1" smtClean="0"/>
+              <a:rPr lang="it-IT" dirty="0" err="1"/>
               <a:t>used</a:t>
             </a:r>
             <a:r>
-              <a:rPr lang="it-IT" dirty="0" smtClean="0"/>
+              <a:rPr lang="it-IT" dirty="0"/>
               <a:t> for the reduce </a:t>
             </a:r>
             <a:r>
-              <a:rPr lang="it-IT" dirty="0" err="1" smtClean="0"/>
+              <a:rPr lang="it-IT" dirty="0" err="1"/>
               <a:t>operation</a:t>
             </a:r>
-            <a:endParaRPr lang="it-IT" dirty="0" smtClean="0"/>
+            <a:endParaRPr lang="it-IT" dirty="0"/>
           </a:p>
           <a:p>
             <a:pPr marL="742950" lvl="1" indent="-285750">
               <a:buFont typeface="Arial" panose="020B0604020202020204" pitchFamily="34" charset="0"/>
               <a:buChar char="•"/>
             </a:pPr>
-            <a:endParaRPr lang="it-IT" dirty="0" smtClean="0"/>
+            <a:endParaRPr lang="it-IT" dirty="0"/>
           </a:p>
           <a:p>
             <a:pPr marL="742950" lvl="1" indent="-285750">
@@ -31428,62 +30489,62 @@
               <a:buChar char="•"/>
             </a:pPr>
             <a:r>
-              <a:rPr lang="it-IT" dirty="0" err="1" smtClean="0"/>
+              <a:rPr lang="it-IT" dirty="0" err="1"/>
               <a:t>timeoutId</a:t>
             </a:r>
             <a:r>
-              <a:rPr lang="it-IT" dirty="0" smtClean="0"/>
+              <a:rPr lang="it-IT" dirty="0"/>
               <a:t>: </a:t>
             </a:r>
             <a:r>
-              <a:rPr lang="it-IT" dirty="0" err="1" smtClean="0"/>
+              <a:rPr lang="it-IT" dirty="0" err="1"/>
               <a:t>stores</a:t>
             </a:r>
             <a:r>
-              <a:rPr lang="it-IT" dirty="0" smtClean="0"/>
+              <a:rPr lang="it-IT" dirty="0"/>
               <a:t> </a:t>
             </a:r>
             <a:r>
-              <a:rPr lang="it-IT" dirty="0" err="1" smtClean="0"/>
+              <a:rPr lang="it-IT" dirty="0" err="1"/>
               <a:t>Ids</a:t>
             </a:r>
             <a:r>
-              <a:rPr lang="it-IT" dirty="0" smtClean="0"/>
+              <a:rPr lang="it-IT" dirty="0"/>
               <a:t> of the </a:t>
             </a:r>
             <a:r>
-              <a:rPr lang="it-IT" dirty="0" err="1" smtClean="0"/>
+              <a:rPr lang="it-IT" dirty="0" err="1"/>
               <a:t>pingTimeout</a:t>
             </a:r>
             <a:r>
-              <a:rPr lang="it-IT" dirty="0" smtClean="0"/>
+              <a:rPr lang="it-IT" dirty="0"/>
               <a:t> </a:t>
             </a:r>
             <a:r>
-              <a:rPr lang="it-IT" dirty="0" err="1" smtClean="0"/>
+              <a:rPr lang="it-IT" dirty="0" err="1"/>
               <a:t>messages</a:t>
             </a:r>
             <a:r>
-              <a:rPr lang="it-IT" dirty="0" smtClean="0"/>
+              <a:rPr lang="it-IT" dirty="0"/>
               <a:t> for </a:t>
             </a:r>
             <a:r>
-              <a:rPr lang="it-IT" dirty="0" err="1" smtClean="0"/>
+              <a:rPr lang="it-IT" dirty="0" err="1"/>
               <a:t>each</a:t>
             </a:r>
             <a:r>
-              <a:rPr lang="it-IT" dirty="0" smtClean="0"/>
+              <a:rPr lang="it-IT" dirty="0"/>
               <a:t> </a:t>
             </a:r>
             <a:r>
-              <a:rPr lang="it-IT" dirty="0" err="1" smtClean="0"/>
+              <a:rPr lang="it-IT" dirty="0" err="1"/>
               <a:t>worker</a:t>
             </a:r>
-            <a:endParaRPr lang="it-IT" dirty="0" smtClean="0"/>
+            <a:endParaRPr lang="it-IT" dirty="0"/>
           </a:p>
           <a:p>
             <a:pPr lvl="1"/>
-            <a:endParaRPr lang="it-IT" dirty="0" smtClean="0"/>
+            <a:endParaRPr lang="it-IT" dirty="0"/>
           </a:p>
         </p:txBody>
       </p:sp>
@@ -31497,13 +30558,6 @@
   <p:clrMapOvr>
     <a:masterClrMapping/>
   </p:clrMapOvr>
-  <p:timing>
-    <p:tnLst>
-      <p:par>
-        <p:cTn id="1" dur="indefinite" restart="never" nodeType="tmRoot"/>
-      </p:par>
-    </p:tnLst>
-  </p:timing>
 </p:sld>
 </file>
 
